--- a/NR and NB-IoT coexistence.pptx
+++ b/NR and NB-IoT coexistence.pptx
@@ -5,27 +5,28 @@
     <p:sldMasterId id="2147483648" r:id="rId1"/>
   </p:sldMasterIdLst>
   <p:notesMasterIdLst>
-    <p:notesMasterId r:id="rId17"/>
+    <p:notesMasterId r:id="rId18"/>
   </p:notesMasterIdLst>
   <p:handoutMasterIdLst>
-    <p:handoutMasterId r:id="rId18"/>
+    <p:handoutMasterId r:id="rId19"/>
   </p:handoutMasterIdLst>
   <p:sldIdLst>
     <p:sldId id="256" r:id="rId2"/>
     <p:sldId id="267" r:id="rId3"/>
-    <p:sldId id="268" r:id="rId4"/>
-    <p:sldId id="273" r:id="rId5"/>
-    <p:sldId id="274" r:id="rId6"/>
-    <p:sldId id="283" r:id="rId7"/>
-    <p:sldId id="276" r:id="rId8"/>
-    <p:sldId id="277" r:id="rId9"/>
-    <p:sldId id="278" r:id="rId10"/>
-    <p:sldId id="279" r:id="rId11"/>
-    <p:sldId id="280" r:id="rId12"/>
-    <p:sldId id="281" r:id="rId13"/>
-    <p:sldId id="285" r:id="rId14"/>
-    <p:sldId id="286" r:id="rId15"/>
-    <p:sldId id="264" r:id="rId16"/>
+    <p:sldId id="287" r:id="rId4"/>
+    <p:sldId id="268" r:id="rId5"/>
+    <p:sldId id="273" r:id="rId6"/>
+    <p:sldId id="274" r:id="rId7"/>
+    <p:sldId id="283" r:id="rId8"/>
+    <p:sldId id="276" r:id="rId9"/>
+    <p:sldId id="277" r:id="rId10"/>
+    <p:sldId id="278" r:id="rId11"/>
+    <p:sldId id="279" r:id="rId12"/>
+    <p:sldId id="280" r:id="rId13"/>
+    <p:sldId id="281" r:id="rId14"/>
+    <p:sldId id="285" r:id="rId15"/>
+    <p:sldId id="286" r:id="rId16"/>
+    <p:sldId id="264" r:id="rId17"/>
   </p:sldIdLst>
   <p:sldSz cx="12188825" cy="6858000"/>
   <p:notesSz cx="6858000" cy="9144000"/>
@@ -252,7 +253,7 @@
                 <a:latin typeface="Microsoft JhengHei UI" panose="020B0604030504040204" pitchFamily="34" charset="-120"/>
                 <a:ea typeface="Microsoft JhengHei UI" panose="020B0604030504040204" pitchFamily="34" charset="-120"/>
               </a:rPr>
-              <a:t>2020年2月13日</a:t>
+              <a:t>2020年2月14日</a:t>
             </a:fld>
             <a:endParaRPr lang="zh-TW" altLang="en-US" dirty="0">
               <a:latin typeface="Microsoft JhengHei UI" panose="020B0604030504040204" pitchFamily="34" charset="-120"/>
@@ -444,7 +445,7 @@
             <a:fld id="{E2755C7B-5432-4A5D-9B03-7BFF1EA11593}" type="datetime2">
               <a:rPr lang="zh-TW" altLang="en-US" smtClean="0"/>
               <a:pPr/>
-              <a:t>2020年2月13日</a:t>
+              <a:t>2020年2月14日</a:t>
             </a:fld>
             <a:endParaRPr lang="zh-TW" altLang="en-US" dirty="0"/>
           </a:p>
@@ -874,69 +875,525 @@
           <a:lstStyle/>
           <a:p>
             <a:r>
-              <a:rPr lang="zh-TW" altLang="en-US" dirty="0"/>
-              <a:t>為了避免碰撞 這是它的示意圖</a:t>
-            </a:r>
-            <a:endParaRPr lang="en-US" altLang="zh-TW" dirty="0"/>
-          </a:p>
-          <a:p>
-            <a:r>
-              <a:rPr lang="en-US" altLang="zh-TW" dirty="0"/>
-              <a:t>NB-IOT</a:t>
-            </a:r>
-            <a:r>
-              <a:rPr lang="zh-TW" altLang="en-US" dirty="0"/>
-              <a:t>的控制訊號必須在</a:t>
-            </a:r>
-            <a:r>
-              <a:rPr lang="en-US" altLang="zh-TW" dirty="0"/>
+              <a:rPr lang="zh-TW" altLang="en-US" sz="1200" b="0" i="0" kern="1200" dirty="0">
+                <a:solidFill>
+                  <a:schemeClr val="tx2"/>
+                </a:solidFill>
+                <a:effectLst/>
+                <a:latin typeface="Microsoft JhengHei UI" panose="020B0604030504040204" pitchFamily="34" charset="-120"/>
+                <a:ea typeface="Microsoft JhengHei UI" panose="020B0604030504040204" pitchFamily="34" charset="-120"/>
+                <a:cs typeface="+mn-cs"/>
+              </a:rPr>
+              <a:t>新舊系統在同一頻帶提供服務時同步信號與控制信號間如何避免干擾是很重要的問題。</a:t>
+            </a:r>
+            <a:endParaRPr lang="en-US" altLang="zh-TW" sz="1200" b="0" i="0" kern="1200" dirty="0">
+              <a:solidFill>
+                <a:schemeClr val="tx2"/>
+              </a:solidFill>
+              <a:effectLst/>
+              <a:latin typeface="Microsoft JhengHei UI" panose="020B0604030504040204" pitchFamily="34" charset="-120"/>
+              <a:ea typeface="Microsoft JhengHei UI" panose="020B0604030504040204" pitchFamily="34" charset="-120"/>
+              <a:cs typeface="+mn-cs"/>
+            </a:endParaRPr>
+          </a:p>
+          <a:p>
+            <a:r>
+              <a:rPr lang="en-US" altLang="zh-TW" sz="1200" b="0" i="0" kern="1200" dirty="0">
+                <a:solidFill>
+                  <a:schemeClr val="tx2"/>
+                </a:solidFill>
+                <a:effectLst/>
+                <a:latin typeface="Microsoft JhengHei UI" panose="020B0604030504040204" pitchFamily="34" charset="-120"/>
+                <a:ea typeface="Microsoft JhengHei UI" panose="020B0604030504040204" pitchFamily="34" charset="-120"/>
+                <a:cs typeface="+mn-cs"/>
+              </a:rPr>
+              <a:t>PSS </a:t>
+            </a:r>
+            <a:r>
+              <a:rPr lang="zh-TW" altLang="en-US" sz="1200" b="0" i="0" kern="1200" dirty="0">
+                <a:solidFill>
+                  <a:schemeClr val="tx2"/>
+                </a:solidFill>
+                <a:effectLst/>
+                <a:latin typeface="Microsoft JhengHei UI" panose="020B0604030504040204" pitchFamily="34" charset="-120"/>
+                <a:ea typeface="Microsoft JhengHei UI" panose="020B0604030504040204" pitchFamily="34" charset="-120"/>
+                <a:cs typeface="+mn-cs"/>
+              </a:rPr>
+              <a:t>與</a:t>
+            </a:r>
+            <a:r>
+              <a:rPr lang="en-US" altLang="zh-TW" sz="1200" b="0" i="0" kern="1200" dirty="0">
+                <a:solidFill>
+                  <a:schemeClr val="tx2"/>
+                </a:solidFill>
+                <a:effectLst/>
+                <a:latin typeface="Microsoft JhengHei UI" panose="020B0604030504040204" pitchFamily="34" charset="-120"/>
+                <a:ea typeface="Microsoft JhengHei UI" panose="020B0604030504040204" pitchFamily="34" charset="-120"/>
+                <a:cs typeface="+mn-cs"/>
+              </a:rPr>
+              <a:t>SSS</a:t>
+            </a:r>
+            <a:r>
+              <a:rPr lang="zh-TW" altLang="en-US" sz="1200" b="0" i="0" kern="1200" dirty="0">
+                <a:solidFill>
+                  <a:schemeClr val="tx2"/>
+                </a:solidFill>
+                <a:effectLst/>
+                <a:latin typeface="Microsoft JhengHei UI" panose="020B0604030504040204" pitchFamily="34" charset="-120"/>
+                <a:ea typeface="Microsoft JhengHei UI" panose="020B0604030504040204" pitchFamily="34" charset="-120"/>
+                <a:cs typeface="+mn-cs"/>
+              </a:rPr>
+              <a:t>是用來提供用戶端在搜尋基地台時能夠同時進行時序與頻率的同步依據，非常重要，因此</a:t>
+            </a:r>
+            <a:r>
+              <a:rPr lang="en-US" altLang="zh-TW" sz="1200" b="0" i="0" kern="1200" dirty="0">
+                <a:solidFill>
+                  <a:schemeClr val="tx2"/>
+                </a:solidFill>
+                <a:effectLst/>
+                <a:latin typeface="Microsoft JhengHei UI" panose="020B0604030504040204" pitchFamily="34" charset="-120"/>
+                <a:ea typeface="Microsoft JhengHei UI" panose="020B0604030504040204" pitchFamily="34" charset="-120"/>
+                <a:cs typeface="+mn-cs"/>
+              </a:rPr>
+              <a:t>NB-IoT</a:t>
+            </a:r>
+            <a:r>
+              <a:rPr lang="zh-TW" altLang="en-US" sz="1200" b="0" i="0" kern="1200" dirty="0">
+                <a:solidFill>
+                  <a:schemeClr val="tx2"/>
+                </a:solidFill>
+                <a:effectLst/>
+                <a:latin typeface="Microsoft JhengHei UI" panose="020B0604030504040204" pitchFamily="34" charset="-120"/>
+                <a:ea typeface="Microsoft JhengHei UI" panose="020B0604030504040204" pitchFamily="34" charset="-120"/>
+                <a:cs typeface="+mn-cs"/>
+              </a:rPr>
+              <a:t>不會重疊這些區塊。</a:t>
+            </a:r>
+          </a:p>
+          <a:p>
+            <a:r>
+              <a:rPr lang="zh-TW" altLang="en-US" sz="1200" b="0" i="0" kern="1200" dirty="0">
+                <a:solidFill>
+                  <a:schemeClr val="tx2"/>
+                </a:solidFill>
+                <a:effectLst/>
+                <a:latin typeface="Microsoft JhengHei UI" panose="020B0604030504040204" pitchFamily="34" charset="-120"/>
+                <a:ea typeface="Microsoft JhengHei UI" panose="020B0604030504040204" pitchFamily="34" charset="-120"/>
+                <a:cs typeface="+mn-cs"/>
+              </a:rPr>
+              <a:t>下圖是新設計的同步信號與廣播通道的區塊 </a:t>
+            </a:r>
+            <a:r>
+              <a:rPr lang="en-US" altLang="zh-TW" sz="1200" b="0" i="0" kern="1200" dirty="0">
+                <a:solidFill>
+                  <a:schemeClr val="tx2"/>
+                </a:solidFill>
+                <a:effectLst/>
+                <a:latin typeface="Microsoft JhengHei UI" panose="020B0604030504040204" pitchFamily="34" charset="-120"/>
+                <a:ea typeface="Microsoft JhengHei UI" panose="020B0604030504040204" pitchFamily="34" charset="-120"/>
+                <a:cs typeface="+mn-cs"/>
+              </a:rPr>
+              <a:t>- SSB</a:t>
+            </a:r>
+          </a:p>
+          <a:p>
+            <a:r>
+              <a:rPr lang="zh-TW" altLang="en-US" sz="1200" b="0" i="0" kern="1200" dirty="0">
+                <a:solidFill>
+                  <a:schemeClr val="tx2"/>
+                </a:solidFill>
+                <a:effectLst/>
+                <a:latin typeface="Microsoft JhengHei UI" panose="020B0604030504040204" pitchFamily="34" charset="-120"/>
+                <a:ea typeface="Microsoft JhengHei UI" panose="020B0604030504040204" pitchFamily="34" charset="-120"/>
+                <a:cs typeface="+mn-cs"/>
+              </a:rPr>
+              <a:t>一個</a:t>
+            </a:r>
+            <a:r>
+              <a:rPr lang="en-US" altLang="zh-TW" sz="1200" b="0" i="0" kern="1200" dirty="0">
+                <a:solidFill>
+                  <a:schemeClr val="tx2"/>
+                </a:solidFill>
+                <a:effectLst/>
+                <a:latin typeface="Microsoft JhengHei UI" panose="020B0604030504040204" pitchFamily="34" charset="-120"/>
+                <a:ea typeface="Microsoft JhengHei UI" panose="020B0604030504040204" pitchFamily="34" charset="-120"/>
+                <a:cs typeface="+mn-cs"/>
+              </a:rPr>
               <a:t>SSB</a:t>
             </a:r>
             <a:r>
-              <a:rPr lang="zh-TW" altLang="en-US" dirty="0"/>
-              <a:t>的最小值與最大值之外 </a:t>
-            </a:r>
-            <a:endParaRPr lang="en-US" altLang="zh-TW" dirty="0"/>
-          </a:p>
-          <a:p>
-            <a:r>
-              <a:rPr lang="zh-TW" altLang="en-US" dirty="0"/>
-              <a:t>最大值跟最小值可以靠上面公式算出來</a:t>
-            </a:r>
-            <a:endParaRPr lang="en-US" altLang="zh-TW" dirty="0"/>
-          </a:p>
-          <a:p>
-            <a:br>
-              <a:rPr lang="zh-TW" altLang="en-US" dirty="0"/>
-            </a:br>
-            <a:r>
-              <a:rPr lang="zh-TW" altLang="en-US" dirty="0"/>
-              <a:t>為了對準子載波，考慮到</a:t>
-            </a:r>
-            <a:r>
-              <a:rPr lang="en-US" altLang="zh-TW" dirty="0"/>
-              <a:t>NR 15 kHz SCS</a:t>
-            </a:r>
-            <a:r>
-              <a:rPr lang="zh-TW" altLang="en-US" dirty="0"/>
-              <a:t>，因此應在基準頻率之間考慮</a:t>
-            </a:r>
-            <a:r>
-              <a:rPr lang="en-US" altLang="zh-TW" dirty="0"/>
-              <a:t>7.5 kHz</a:t>
-            </a:r>
-            <a:r>
-              <a:rPr lang="zh-TW" altLang="en-US" dirty="0"/>
-              <a:t>偏移。</a:t>
-            </a:r>
-            <a:endParaRPr lang="en-US" altLang="zh-TW" dirty="0"/>
-          </a:p>
-          <a:p>
-            <a:r>
-              <a:rPr lang="en-US" altLang="zh-TW" dirty="0"/>
+              <a:rPr lang="zh-TW" altLang="en-US" sz="1200" b="0" i="0" kern="1200" dirty="0">
+                <a:solidFill>
+                  <a:schemeClr val="tx2"/>
+                </a:solidFill>
+                <a:effectLst/>
+                <a:latin typeface="Microsoft JhengHei UI" panose="020B0604030504040204" pitchFamily="34" charset="-120"/>
+                <a:ea typeface="Microsoft JhengHei UI" panose="020B0604030504040204" pitchFamily="34" charset="-120"/>
+                <a:cs typeface="+mn-cs"/>
+              </a:rPr>
+              <a:t>包含時間上</a:t>
+            </a:r>
+            <a:r>
+              <a:rPr lang="en-US" altLang="zh-TW" sz="1200" b="0" i="0" kern="1200" dirty="0">
+                <a:solidFill>
+                  <a:schemeClr val="tx2"/>
+                </a:solidFill>
+                <a:effectLst/>
+                <a:latin typeface="Microsoft JhengHei UI" panose="020B0604030504040204" pitchFamily="34" charset="-120"/>
+                <a:ea typeface="Microsoft JhengHei UI" panose="020B0604030504040204" pitchFamily="34" charset="-120"/>
+                <a:cs typeface="+mn-cs"/>
+              </a:rPr>
+              <a:t>4</a:t>
+            </a:r>
+            <a:r>
+              <a:rPr lang="zh-TW" altLang="en-US" sz="1200" b="0" i="0" kern="1200" dirty="0">
+                <a:solidFill>
+                  <a:schemeClr val="tx2"/>
+                </a:solidFill>
+                <a:effectLst/>
+                <a:latin typeface="Microsoft JhengHei UI" panose="020B0604030504040204" pitchFamily="34" charset="-120"/>
+                <a:ea typeface="Microsoft JhengHei UI" panose="020B0604030504040204" pitchFamily="34" charset="-120"/>
+                <a:cs typeface="+mn-cs"/>
+              </a:rPr>
+              <a:t>個</a:t>
+            </a:r>
+            <a:r>
+              <a:rPr lang="en-US" altLang="zh-TW" sz="1200" b="0" i="0" kern="1200" dirty="0">
+                <a:solidFill>
+                  <a:schemeClr val="tx2"/>
+                </a:solidFill>
+                <a:effectLst/>
+                <a:latin typeface="Microsoft JhengHei UI" panose="020B0604030504040204" pitchFamily="34" charset="-120"/>
+                <a:ea typeface="Microsoft JhengHei UI" panose="020B0604030504040204" pitchFamily="34" charset="-120"/>
+                <a:cs typeface="+mn-cs"/>
+              </a:rPr>
+              <a:t>OFDM symbols</a:t>
+            </a:r>
+            <a:r>
+              <a:rPr lang="zh-TW" altLang="en-US" sz="1200" b="0" i="0" kern="1200" dirty="0">
+                <a:solidFill>
+                  <a:schemeClr val="tx2"/>
+                </a:solidFill>
+                <a:effectLst/>
+                <a:latin typeface="Microsoft JhengHei UI" panose="020B0604030504040204" pitchFamily="34" charset="-120"/>
+                <a:ea typeface="Microsoft JhengHei UI" panose="020B0604030504040204" pitchFamily="34" charset="-120"/>
+                <a:cs typeface="+mn-cs"/>
+              </a:rPr>
+              <a:t>，頻率上</a:t>
+            </a:r>
+            <a:r>
+              <a:rPr lang="en-US" altLang="zh-TW" sz="1200" b="0" i="0" kern="1200" dirty="0">
+                <a:solidFill>
+                  <a:schemeClr val="tx2"/>
+                </a:solidFill>
+                <a:effectLst/>
+                <a:latin typeface="Microsoft JhengHei UI" panose="020B0604030504040204" pitchFamily="34" charset="-120"/>
+                <a:ea typeface="Microsoft JhengHei UI" panose="020B0604030504040204" pitchFamily="34" charset="-120"/>
+                <a:cs typeface="+mn-cs"/>
+              </a:rPr>
+              <a:t>20</a:t>
+            </a:r>
+            <a:r>
+              <a:rPr lang="zh-TW" altLang="en-US" sz="1200" b="0" i="0" kern="1200" dirty="0">
+                <a:solidFill>
+                  <a:schemeClr val="tx2"/>
+                </a:solidFill>
+                <a:effectLst/>
+                <a:latin typeface="Microsoft JhengHei UI" panose="020B0604030504040204" pitchFamily="34" charset="-120"/>
+                <a:ea typeface="Microsoft JhengHei UI" panose="020B0604030504040204" pitchFamily="34" charset="-120"/>
+                <a:cs typeface="+mn-cs"/>
+              </a:rPr>
+              <a:t>個</a:t>
+            </a:r>
+            <a:r>
+              <a:rPr lang="en-US" altLang="zh-TW" sz="1200" b="0" i="0" kern="1200" dirty="0">
+                <a:solidFill>
+                  <a:schemeClr val="tx2"/>
+                </a:solidFill>
+                <a:effectLst/>
+                <a:latin typeface="Microsoft JhengHei UI" panose="020B0604030504040204" pitchFamily="34" charset="-120"/>
+                <a:ea typeface="Microsoft JhengHei UI" panose="020B0604030504040204" pitchFamily="34" charset="-120"/>
+                <a:cs typeface="+mn-cs"/>
+              </a:rPr>
+              <a:t>RBs</a:t>
+            </a:r>
+            <a:r>
+              <a:rPr lang="zh-TW" altLang="en-US" sz="1200" b="0" i="0" kern="1200" dirty="0">
+                <a:solidFill>
+                  <a:schemeClr val="tx2"/>
+                </a:solidFill>
+                <a:effectLst/>
+                <a:latin typeface="Microsoft JhengHei UI" panose="020B0604030504040204" pitchFamily="34" charset="-120"/>
+                <a:ea typeface="Microsoft JhengHei UI" panose="020B0604030504040204" pitchFamily="34" charset="-120"/>
+                <a:cs typeface="+mn-cs"/>
+              </a:rPr>
+              <a:t>，也就是</a:t>
+            </a:r>
+            <a:r>
+              <a:rPr lang="en-US" altLang="zh-TW" sz="1200" b="0" i="0" kern="1200" dirty="0">
+                <a:solidFill>
+                  <a:schemeClr val="tx2"/>
+                </a:solidFill>
+                <a:effectLst/>
+                <a:latin typeface="Microsoft JhengHei UI" panose="020B0604030504040204" pitchFamily="34" charset="-120"/>
+                <a:ea typeface="Microsoft JhengHei UI" panose="020B0604030504040204" pitchFamily="34" charset="-120"/>
+                <a:cs typeface="+mn-cs"/>
+              </a:rPr>
+              <a:t>240</a:t>
+            </a:r>
+            <a:r>
+              <a:rPr lang="zh-TW" altLang="en-US" sz="1200" b="0" i="0" kern="1200" dirty="0">
+                <a:solidFill>
+                  <a:schemeClr val="tx2"/>
+                </a:solidFill>
+                <a:effectLst/>
+                <a:latin typeface="Microsoft JhengHei UI" panose="020B0604030504040204" pitchFamily="34" charset="-120"/>
+                <a:ea typeface="Microsoft JhengHei UI" panose="020B0604030504040204" pitchFamily="34" charset="-120"/>
+                <a:cs typeface="+mn-cs"/>
+              </a:rPr>
+              <a:t>個子載波，其中</a:t>
+            </a:r>
+            <a:r>
+              <a:rPr lang="en-US" altLang="zh-TW" sz="1200" b="0" i="0" kern="1200" dirty="0">
+                <a:solidFill>
+                  <a:schemeClr val="tx2"/>
+                </a:solidFill>
+                <a:effectLst/>
+                <a:latin typeface="Microsoft JhengHei UI" panose="020B0604030504040204" pitchFamily="34" charset="-120"/>
+                <a:ea typeface="Microsoft JhengHei UI" panose="020B0604030504040204" pitchFamily="34" charset="-120"/>
+                <a:cs typeface="+mn-cs"/>
+              </a:rPr>
+              <a:t>PSS</a:t>
+            </a:r>
+            <a:r>
+              <a:rPr lang="zh-TW" altLang="en-US" sz="1200" b="0" i="0" kern="1200" dirty="0">
+                <a:solidFill>
+                  <a:schemeClr val="tx2"/>
+                </a:solidFill>
+                <a:effectLst/>
+                <a:latin typeface="Microsoft JhengHei UI" panose="020B0604030504040204" pitchFamily="34" charset="-120"/>
+                <a:ea typeface="Microsoft JhengHei UI" panose="020B0604030504040204" pitchFamily="34" charset="-120"/>
+                <a:cs typeface="+mn-cs"/>
+              </a:rPr>
+              <a:t>與</a:t>
+            </a:r>
+            <a:r>
+              <a:rPr lang="en-US" altLang="zh-TW" sz="1200" b="0" i="0" kern="1200" dirty="0">
+                <a:solidFill>
+                  <a:schemeClr val="tx2"/>
+                </a:solidFill>
+                <a:effectLst/>
+                <a:latin typeface="Microsoft JhengHei UI" panose="020B0604030504040204" pitchFamily="34" charset="-120"/>
+                <a:ea typeface="Microsoft JhengHei UI" panose="020B0604030504040204" pitchFamily="34" charset="-120"/>
+                <a:cs typeface="+mn-cs"/>
+              </a:rPr>
+              <a:t>SSS</a:t>
+            </a:r>
+            <a:r>
+              <a:rPr lang="zh-TW" altLang="en-US" sz="1200" b="0" i="0" kern="1200" dirty="0">
+                <a:solidFill>
+                  <a:schemeClr val="tx2"/>
+                </a:solidFill>
+                <a:effectLst/>
+                <a:latin typeface="Microsoft JhengHei UI" panose="020B0604030504040204" pitchFamily="34" charset="-120"/>
+                <a:ea typeface="Microsoft JhengHei UI" panose="020B0604030504040204" pitchFamily="34" charset="-120"/>
+                <a:cs typeface="+mn-cs"/>
+              </a:rPr>
+              <a:t>分別被定義在此區塊的第一個及第三個</a:t>
+            </a:r>
+            <a:r>
+              <a:rPr lang="en-US" altLang="zh-TW" sz="1200" b="0" i="0" kern="1200" dirty="0">
+                <a:solidFill>
+                  <a:schemeClr val="tx2"/>
+                </a:solidFill>
+                <a:effectLst/>
+                <a:latin typeface="Microsoft JhengHei UI" panose="020B0604030504040204" pitchFamily="34" charset="-120"/>
+                <a:ea typeface="Microsoft JhengHei UI" panose="020B0604030504040204" pitchFamily="34" charset="-120"/>
+                <a:cs typeface="+mn-cs"/>
+              </a:rPr>
+              <a:t>OFDM symbol</a:t>
+            </a:r>
+            <a:r>
+              <a:rPr lang="zh-TW" altLang="en-US" sz="1200" b="0" i="0" kern="1200" dirty="0">
+                <a:solidFill>
+                  <a:schemeClr val="tx2"/>
+                </a:solidFill>
+                <a:effectLst/>
+                <a:latin typeface="Microsoft JhengHei UI" panose="020B0604030504040204" pitchFamily="34" charset="-120"/>
+                <a:ea typeface="Microsoft JhengHei UI" panose="020B0604030504040204" pitchFamily="34" charset="-120"/>
+                <a:cs typeface="+mn-cs"/>
+              </a:rPr>
+              <a:t>，而</a:t>
+            </a:r>
+            <a:r>
+              <a:rPr lang="en-US" altLang="zh-TW" sz="1200" b="0" i="0" kern="1200" dirty="0">
+                <a:solidFill>
+                  <a:schemeClr val="tx2"/>
+                </a:solidFill>
+                <a:effectLst/>
+                <a:latin typeface="Microsoft JhengHei UI" panose="020B0604030504040204" pitchFamily="34" charset="-120"/>
+                <a:ea typeface="Microsoft JhengHei UI" panose="020B0604030504040204" pitchFamily="34" charset="-120"/>
+                <a:cs typeface="+mn-cs"/>
+              </a:rPr>
+              <a:t>PBCH</a:t>
+            </a:r>
+            <a:r>
+              <a:rPr lang="zh-TW" altLang="en-US" sz="1200" b="0" i="0" kern="1200" dirty="0">
+                <a:solidFill>
+                  <a:schemeClr val="tx2"/>
+                </a:solidFill>
+                <a:effectLst/>
+                <a:latin typeface="Microsoft JhengHei UI" panose="020B0604030504040204" pitchFamily="34" charset="-120"/>
+                <a:ea typeface="Microsoft JhengHei UI" panose="020B0604030504040204" pitchFamily="34" charset="-120"/>
+                <a:cs typeface="+mn-cs"/>
+              </a:rPr>
+              <a:t>則傳送在第二、四個</a:t>
+            </a:r>
+            <a:r>
+              <a:rPr lang="en-US" altLang="zh-TW" sz="1200" b="0" i="0" kern="1200" dirty="0">
+                <a:solidFill>
+                  <a:schemeClr val="tx2"/>
+                </a:solidFill>
+                <a:effectLst/>
+                <a:latin typeface="Microsoft JhengHei UI" panose="020B0604030504040204" pitchFamily="34" charset="-120"/>
+                <a:ea typeface="Microsoft JhengHei UI" panose="020B0604030504040204" pitchFamily="34" charset="-120"/>
+                <a:cs typeface="+mn-cs"/>
+              </a:rPr>
+              <a:t>OFDM symbols</a:t>
+            </a:r>
+            <a:r>
+              <a:rPr lang="zh-TW" altLang="en-US" sz="1200" b="0" i="0" kern="1200" dirty="0">
+                <a:solidFill>
+                  <a:schemeClr val="tx2"/>
+                </a:solidFill>
+                <a:effectLst/>
+                <a:latin typeface="Microsoft JhengHei UI" panose="020B0604030504040204" pitchFamily="34" charset="-120"/>
+                <a:ea typeface="Microsoft JhengHei UI" panose="020B0604030504040204" pitchFamily="34" charset="-120"/>
+                <a:cs typeface="+mn-cs"/>
+              </a:rPr>
+              <a:t>的完整</a:t>
+            </a:r>
+            <a:r>
+              <a:rPr lang="en-US" altLang="zh-TW" sz="1200" b="0" i="0" kern="1200" dirty="0">
+                <a:solidFill>
+                  <a:schemeClr val="tx2"/>
+                </a:solidFill>
+                <a:effectLst/>
+                <a:latin typeface="Microsoft JhengHei UI" panose="020B0604030504040204" pitchFamily="34" charset="-120"/>
+                <a:ea typeface="Microsoft JhengHei UI" panose="020B0604030504040204" pitchFamily="34" charset="-120"/>
+                <a:cs typeface="+mn-cs"/>
+              </a:rPr>
+              <a:t>240 RBs</a:t>
+            </a:r>
+            <a:r>
+              <a:rPr lang="zh-TW" altLang="en-US" sz="1200" b="0" i="0" kern="1200" dirty="0">
+                <a:solidFill>
+                  <a:schemeClr val="tx2"/>
+                </a:solidFill>
+                <a:effectLst/>
+                <a:latin typeface="Microsoft JhengHei UI" panose="020B0604030504040204" pitchFamily="34" charset="-120"/>
+                <a:ea typeface="Microsoft JhengHei UI" panose="020B0604030504040204" pitchFamily="34" charset="-120"/>
+                <a:cs typeface="+mn-cs"/>
+              </a:rPr>
+              <a:t>，以及第三個</a:t>
+            </a:r>
+            <a:r>
+              <a:rPr lang="en-US" altLang="zh-TW" sz="1200" b="0" i="0" kern="1200" dirty="0">
+                <a:solidFill>
+                  <a:schemeClr val="tx2"/>
+                </a:solidFill>
+                <a:effectLst/>
+                <a:latin typeface="Microsoft JhengHei UI" panose="020B0604030504040204" pitchFamily="34" charset="-120"/>
+                <a:ea typeface="Microsoft JhengHei UI" panose="020B0604030504040204" pitchFamily="34" charset="-120"/>
+                <a:cs typeface="+mn-cs"/>
+              </a:rPr>
+              <a:t>OFDM symbol</a:t>
+            </a:r>
+            <a:r>
+              <a:rPr lang="zh-TW" altLang="en-US" sz="1200" b="0" i="0" kern="1200" dirty="0">
+                <a:solidFill>
+                  <a:schemeClr val="tx2"/>
+                </a:solidFill>
+                <a:effectLst/>
+                <a:latin typeface="Microsoft JhengHei UI" panose="020B0604030504040204" pitchFamily="34" charset="-120"/>
+                <a:ea typeface="Microsoft JhengHei UI" panose="020B0604030504040204" pitchFamily="34" charset="-120"/>
+                <a:cs typeface="+mn-cs"/>
+              </a:rPr>
+              <a:t>的兩端各</a:t>
+            </a:r>
+            <a:r>
+              <a:rPr lang="en-US" altLang="zh-TW" sz="1200" b="0" i="0" kern="1200" dirty="0">
+                <a:solidFill>
+                  <a:schemeClr val="tx2"/>
+                </a:solidFill>
+                <a:effectLst/>
+                <a:latin typeface="Microsoft JhengHei UI" panose="020B0604030504040204" pitchFamily="34" charset="-120"/>
+                <a:ea typeface="Microsoft JhengHei UI" panose="020B0604030504040204" pitchFamily="34" charset="-120"/>
+                <a:cs typeface="+mn-cs"/>
+              </a:rPr>
+              <a:t>48</a:t>
+            </a:r>
+            <a:r>
+              <a:rPr lang="zh-TW" altLang="en-US" sz="1200" b="0" i="0" kern="1200" dirty="0">
+                <a:solidFill>
+                  <a:schemeClr val="tx2"/>
+                </a:solidFill>
+                <a:effectLst/>
+                <a:latin typeface="Microsoft JhengHei UI" panose="020B0604030504040204" pitchFamily="34" charset="-120"/>
+                <a:ea typeface="Microsoft JhengHei UI" panose="020B0604030504040204" pitchFamily="34" charset="-120"/>
+                <a:cs typeface="+mn-cs"/>
+              </a:rPr>
+              <a:t>個</a:t>
+            </a:r>
+            <a:r>
+              <a:rPr lang="en-US" altLang="zh-TW" sz="1200" b="0" i="0" kern="1200" dirty="0">
+                <a:solidFill>
+                  <a:schemeClr val="tx2"/>
+                </a:solidFill>
+                <a:effectLst/>
+                <a:latin typeface="Microsoft JhengHei UI" panose="020B0604030504040204" pitchFamily="34" charset="-120"/>
+                <a:ea typeface="Microsoft JhengHei UI" panose="020B0604030504040204" pitchFamily="34" charset="-120"/>
+                <a:cs typeface="+mn-cs"/>
+              </a:rPr>
+              <a:t>REs</a:t>
+            </a:r>
+            <a:r>
+              <a:rPr lang="zh-TW" altLang="en-US" sz="1200" b="0" i="0" kern="1200" dirty="0">
+                <a:solidFill>
+                  <a:schemeClr val="tx2"/>
+                </a:solidFill>
+                <a:effectLst/>
+                <a:latin typeface="Microsoft JhengHei UI" panose="020B0604030504040204" pitchFamily="34" charset="-120"/>
+                <a:ea typeface="Microsoft JhengHei UI" panose="020B0604030504040204" pitchFamily="34" charset="-120"/>
+                <a:cs typeface="+mn-cs"/>
+              </a:rPr>
+              <a:t>，</a:t>
+            </a:r>
+            <a:r>
+              <a:rPr lang="en-US" altLang="zh-TW" sz="1200" b="0" i="0" kern="1200" dirty="0">
+                <a:solidFill>
+                  <a:schemeClr val="tx2"/>
+                </a:solidFill>
+                <a:effectLst/>
+                <a:latin typeface="Microsoft JhengHei UI" panose="020B0604030504040204" pitchFamily="34" charset="-120"/>
+                <a:ea typeface="Microsoft JhengHei UI" panose="020B0604030504040204" pitchFamily="34" charset="-120"/>
+                <a:cs typeface="+mn-cs"/>
+              </a:rPr>
               <a:t>(</a:t>
             </a:r>
             <a:r>
+              <a:rPr lang="zh-TW" altLang="en-US" sz="1200" b="0" i="0" kern="1200" dirty="0">
+                <a:solidFill>
+                  <a:schemeClr val="tx2"/>
+                </a:solidFill>
+                <a:effectLst/>
+                <a:latin typeface="Microsoft JhengHei UI" panose="020B0604030504040204" pitchFamily="34" charset="-120"/>
+                <a:ea typeface="Microsoft JhengHei UI" panose="020B0604030504040204" pitchFamily="34" charset="-120"/>
+                <a:cs typeface="+mn-cs"/>
+              </a:rPr>
+              <a:t>這樣的設計可以在時間域上不要佔據太長的時間，讓基地台在高頻運作時可以同時考量波束成型</a:t>
+            </a:r>
+            <a:r>
               <a:rPr lang="en-US" altLang="zh-TW" sz="1200" b="0" i="0" kern="1200" dirty="0">
                 <a:solidFill>
                   <a:schemeClr val="tx2"/>
@@ -946,7 +1403,7 @@
                 <a:ea typeface="Microsoft JhengHei UI" panose="020B0604030504040204" pitchFamily="34" charset="-120"/>
                 <a:cs typeface="+mn-cs"/>
               </a:rPr>
-              <a:t>NB-IoT</a:t>
+              <a:t>(beamforming)</a:t>
             </a:r>
             <a:r>
               <a:rPr lang="zh-TW" altLang="en-US" sz="1200" b="0" i="0" kern="1200" dirty="0">
@@ -958,7 +1415,7 @@
                 <a:ea typeface="Microsoft JhengHei UI" panose="020B0604030504040204" pitchFamily="34" charset="-120"/>
                 <a:cs typeface="+mn-cs"/>
               </a:rPr>
-              <a:t>載波應和</a:t>
+              <a:t>以及波束掃動</a:t>
             </a:r>
             <a:r>
               <a:rPr lang="en-US" altLang="zh-TW" sz="1200" b="0" i="0" kern="1200" dirty="0">
@@ -970,7 +1427,7 @@
                 <a:ea typeface="Microsoft JhengHei UI" panose="020B0604030504040204" pitchFamily="34" charset="-120"/>
                 <a:cs typeface="+mn-cs"/>
               </a:rPr>
-              <a:t>LTE</a:t>
+              <a:t>(beam sweep)</a:t>
             </a:r>
             <a:r>
               <a:rPr lang="zh-TW" altLang="en-US" sz="1200" b="0" i="0" kern="1200" dirty="0">
@@ -982,7 +1439,7 @@
                 <a:ea typeface="Microsoft JhengHei UI" panose="020B0604030504040204" pitchFamily="34" charset="-120"/>
                 <a:cs typeface="+mn-cs"/>
               </a:rPr>
-              <a:t>中的一個</a:t>
+              <a:t>時傳送此區塊的效率。而</a:t>
             </a:r>
             <a:r>
               <a:rPr lang="en-US" altLang="zh-TW" sz="1200" b="0" i="0" kern="1200" dirty="0">
@@ -994,7 +1451,7 @@
                 <a:ea typeface="Microsoft JhengHei UI" panose="020B0604030504040204" pitchFamily="34" charset="-120"/>
                 <a:cs typeface="+mn-cs"/>
               </a:rPr>
-              <a:t>PRB</a:t>
+              <a:t>SSS</a:t>
             </a:r>
             <a:r>
               <a:rPr lang="zh-TW" altLang="en-US" sz="1200" b="0" i="0" kern="1200" dirty="0">
@@ -1006,7 +1463,7 @@
                 <a:ea typeface="Microsoft JhengHei UI" panose="020B0604030504040204" pitchFamily="34" charset="-120"/>
                 <a:cs typeface="+mn-cs"/>
               </a:rPr>
-              <a:t>對齊。經計算，不同帶寬下的</a:t>
+              <a:t>配置於</a:t>
             </a:r>
             <a:r>
               <a:rPr lang="en-US" altLang="zh-TW" sz="1200" b="0" i="0" kern="1200" dirty="0">
@@ -1018,7 +1475,7 @@
                 <a:ea typeface="Microsoft JhengHei UI" panose="020B0604030504040204" pitchFamily="34" charset="-120"/>
                 <a:cs typeface="+mn-cs"/>
               </a:rPr>
-              <a:t>PRB</a:t>
+              <a:t>PBCH</a:t>
             </a:r>
             <a:r>
               <a:rPr lang="zh-TW" altLang="en-US" sz="1200" b="0" i="0" kern="1200" dirty="0">
@@ -1030,7 +1487,7 @@
                 <a:ea typeface="Microsoft JhengHei UI" panose="020B0604030504040204" pitchFamily="34" charset="-120"/>
                 <a:cs typeface="+mn-cs"/>
               </a:rPr>
-              <a:t>的中心頻點</a:t>
+              <a:t>之間可藉由</a:t>
             </a:r>
             <a:r>
               <a:rPr lang="en-US" altLang="zh-TW" sz="1200" b="0" i="0" kern="1200" dirty="0">
@@ -1042,7 +1499,7 @@
                 <a:ea typeface="Microsoft JhengHei UI" panose="020B0604030504040204" pitchFamily="34" charset="-120"/>
                 <a:cs typeface="+mn-cs"/>
               </a:rPr>
-              <a:t>(</a:t>
+              <a:t>SSS</a:t>
             </a:r>
             <a:r>
               <a:rPr lang="zh-TW" altLang="en-US" sz="1200" b="0" i="0" kern="1200" dirty="0">
@@ -1054,7 +1511,7 @@
                 <a:ea typeface="Microsoft JhengHei UI" panose="020B0604030504040204" pitchFamily="34" charset="-120"/>
                 <a:cs typeface="+mn-cs"/>
               </a:rPr>
-              <a:t>第</a:t>
+              <a:t>信號得到相關資源的通道訊息，以進一步增加</a:t>
             </a:r>
             <a:r>
               <a:rPr lang="en-US" altLang="zh-TW" sz="1200" b="0" i="0" kern="1200" dirty="0">
@@ -1066,7 +1523,7 @@
                 <a:ea typeface="Microsoft JhengHei UI" panose="020B0604030504040204" pitchFamily="34" charset="-120"/>
                 <a:cs typeface="+mn-cs"/>
               </a:rPr>
-              <a:t>6</a:t>
+              <a:t>PBCH</a:t>
             </a:r>
             <a:r>
               <a:rPr lang="zh-TW" altLang="en-US" sz="1200" b="0" i="0" kern="1200" dirty="0">
@@ -1078,7 +1535,7 @@
                 <a:ea typeface="Microsoft JhengHei UI" panose="020B0604030504040204" pitchFamily="34" charset="-120"/>
                 <a:cs typeface="+mn-cs"/>
               </a:rPr>
-              <a:t>個子載波和第</a:t>
+              <a:t>的偵測可靠度。而區塊中其餘未被定義的部分則假設未被配置任何信號。像是</a:t>
             </a:r>
             <a:r>
               <a:rPr lang="en-US" altLang="zh-TW" sz="1200" b="0" i="0" kern="1200" dirty="0">
@@ -1090,7 +1547,7 @@
                 <a:ea typeface="Microsoft JhengHei UI" panose="020B0604030504040204" pitchFamily="34" charset="-120"/>
                 <a:cs typeface="+mn-cs"/>
               </a:rPr>
-              <a:t>7</a:t>
+              <a:t>SSS</a:t>
             </a:r>
             <a:r>
               <a:rPr lang="zh-TW" altLang="en-US" sz="1200" b="0" i="0" kern="1200" dirty="0">
@@ -1102,7 +1559,7 @@
                 <a:ea typeface="Microsoft JhengHei UI" panose="020B0604030504040204" pitchFamily="34" charset="-120"/>
                 <a:cs typeface="+mn-cs"/>
               </a:rPr>
-              <a:t>個子載波的最中間的頻點</a:t>
+              <a:t>兩側分別留下</a:t>
             </a:r>
             <a:r>
               <a:rPr lang="en-US" altLang="zh-TW" sz="1200" b="0" i="0" kern="1200" dirty="0">
@@ -1114,7 +1571,7 @@
                 <a:ea typeface="Microsoft JhengHei UI" panose="020B0604030504040204" pitchFamily="34" charset="-120"/>
                 <a:cs typeface="+mn-cs"/>
               </a:rPr>
-              <a:t>)</a:t>
+              <a:t>8</a:t>
             </a:r>
             <a:r>
               <a:rPr lang="zh-TW" altLang="en-US" sz="1200" b="0" i="0" kern="1200" dirty="0">
@@ -1126,7 +1583,7 @@
                 <a:ea typeface="Microsoft JhengHei UI" panose="020B0604030504040204" pitchFamily="34" charset="-120"/>
                 <a:cs typeface="+mn-cs"/>
               </a:rPr>
-              <a:t>和</a:t>
+              <a:t>個</a:t>
             </a:r>
             <a:r>
               <a:rPr lang="en-US" altLang="zh-TW" sz="1200" b="0" i="0" kern="1200" dirty="0">
@@ -1138,7 +1595,7 @@
                 <a:ea typeface="Microsoft JhengHei UI" panose="020B0604030504040204" pitchFamily="34" charset="-120"/>
                 <a:cs typeface="+mn-cs"/>
               </a:rPr>
-              <a:t>100kHz</a:t>
+              <a:t>RB</a:t>
             </a:r>
             <a:r>
               <a:rPr lang="zh-TW" altLang="en-US" sz="1200" b="0" i="0" kern="1200" dirty="0">
@@ -1150,70 +1607,9 @@
                 <a:ea typeface="Microsoft JhengHei UI" panose="020B0604030504040204" pitchFamily="34" charset="-120"/>
                 <a:cs typeface="+mn-cs"/>
               </a:rPr>
-              <a:t>的整數倍的頻點均不重合，與最近的</a:t>
-            </a:r>
-            <a:r>
-              <a:rPr lang="en-US" altLang="zh-TW" sz="1200" b="0" i="0" kern="1200" dirty="0">
-                <a:solidFill>
-                  <a:schemeClr val="tx2"/>
-                </a:solidFill>
-                <a:effectLst/>
-                <a:latin typeface="Microsoft JhengHei UI" panose="020B0604030504040204" pitchFamily="34" charset="-120"/>
-                <a:ea typeface="Microsoft JhengHei UI" panose="020B0604030504040204" pitchFamily="34" charset="-120"/>
-                <a:cs typeface="+mn-cs"/>
-              </a:rPr>
-              <a:t>100kHz</a:t>
-            </a:r>
-            <a:r>
-              <a:rPr lang="zh-TW" altLang="en-US" sz="1200" b="0" i="0" kern="1200" dirty="0">
-                <a:solidFill>
-                  <a:schemeClr val="tx2"/>
-                </a:solidFill>
-                <a:effectLst/>
-                <a:latin typeface="Microsoft JhengHei UI" panose="020B0604030504040204" pitchFamily="34" charset="-120"/>
-                <a:ea typeface="Microsoft JhengHei UI" panose="020B0604030504040204" pitchFamily="34" charset="-120"/>
-                <a:cs typeface="+mn-cs"/>
-              </a:rPr>
-              <a:t>的整數倍的頻點存在一定的頻率偏移。</a:t>
-            </a:r>
-            <a:r>
-              <a:rPr lang="en-US" altLang="zh-TW" dirty="0"/>
-              <a:t>)</a:t>
-            </a:r>
-          </a:p>
-          <a:p>
-            <a:r>
-              <a:rPr lang="zh-TW" altLang="en-US" dirty="0"/>
-              <a:t>對於下行鏈路和上行鏈路</a:t>
-            </a:r>
-            <a:r>
-              <a:rPr lang="en-US" altLang="zh-TW" dirty="0"/>
-              <a:t>NB-IoT</a:t>
-            </a:r>
-            <a:r>
-              <a:rPr lang="zh-TW" altLang="en-US" dirty="0"/>
-              <a:t>分別都需要</a:t>
-            </a:r>
-            <a:r>
-              <a:rPr lang="en-US" altLang="zh-TW" dirty="0"/>
-              <a:t>180 kHz</a:t>
-            </a:r>
-            <a:r>
-              <a:rPr lang="zh-TW" altLang="en-US" dirty="0"/>
-              <a:t>的最小系統帶寬 所以才會是</a:t>
-            </a:r>
-            <a:r>
-              <a:rPr lang="en-US" altLang="zh-TW" dirty="0" err="1"/>
-              <a:t>Fnb</a:t>
-            </a:r>
-            <a:r>
-              <a:rPr lang="en-US" altLang="zh-TW" dirty="0"/>
-              <a:t>+-90</a:t>
-            </a:r>
-            <a:r>
-              <a:rPr lang="zh-TW" altLang="en-US" dirty="0"/>
-              <a:t>。</a:t>
-            </a:r>
+              <a:t>作為保護帶。</a:t>
+            </a:r>
+            <a:endParaRPr lang="zh-TW" altLang="en-US" dirty="0"/>
           </a:p>
         </p:txBody>
       </p:sp>
@@ -1244,7 +1640,7 @@
     </p:spTree>
     <p:extLst>
       <p:ext uri="{BB962C8B-B14F-4D97-AF65-F5344CB8AC3E}">
-        <p14:creationId xmlns:p14="http://schemas.microsoft.com/office/powerpoint/2010/main" val="1021873713"/>
+        <p14:creationId xmlns:p14="http://schemas.microsoft.com/office/powerpoint/2010/main" val="944889726"/>
       </p:ext>
     </p:extLst>
   </p:cSld>
@@ -1298,6 +1694,431 @@
           <a:bodyPr/>
           <a:lstStyle/>
           <a:p>
+            <a:r>
+              <a:rPr lang="zh-TW" altLang="en-US" dirty="0"/>
+              <a:t>為了避免碰撞 這是它的示意圖</a:t>
+            </a:r>
+            <a:endParaRPr lang="en-US" altLang="zh-TW" dirty="0"/>
+          </a:p>
+          <a:p>
+            <a:r>
+              <a:rPr lang="en-US" altLang="zh-TW" dirty="0"/>
+              <a:t>NB-IOT</a:t>
+            </a:r>
+            <a:r>
+              <a:rPr lang="zh-TW" altLang="en-US" dirty="0"/>
+              <a:t>的控制訊號必須在</a:t>
+            </a:r>
+            <a:r>
+              <a:rPr lang="en-US" altLang="zh-TW" dirty="0"/>
+              <a:t>SSB</a:t>
+            </a:r>
+            <a:r>
+              <a:rPr lang="zh-TW" altLang="en-US" dirty="0"/>
+              <a:t>的最小值與最大值之外 </a:t>
+            </a:r>
+            <a:endParaRPr lang="en-US" altLang="zh-TW" dirty="0"/>
+          </a:p>
+          <a:p>
+            <a:r>
+              <a:rPr lang="zh-TW" altLang="en-US" dirty="0"/>
+              <a:t>最大值跟最小值可以靠上面公式算出來</a:t>
+            </a:r>
+            <a:endParaRPr lang="en-US" altLang="zh-TW" dirty="0"/>
+          </a:p>
+          <a:p>
+            <a:br>
+              <a:rPr lang="zh-TW" altLang="en-US" dirty="0"/>
+            </a:br>
+            <a:r>
+              <a:rPr lang="zh-TW" altLang="en-US" dirty="0"/>
+              <a:t>為了對準子載波，考慮到</a:t>
+            </a:r>
+            <a:r>
+              <a:rPr lang="en-US" altLang="zh-TW" dirty="0"/>
+              <a:t>NR 15 kHz SCS</a:t>
+            </a:r>
+            <a:r>
+              <a:rPr lang="zh-TW" altLang="en-US" dirty="0"/>
+              <a:t>，因此應在基準頻率之間考慮</a:t>
+            </a:r>
+            <a:r>
+              <a:rPr lang="en-US" altLang="zh-TW" dirty="0"/>
+              <a:t>7.5 kHz</a:t>
+            </a:r>
+            <a:r>
+              <a:rPr lang="zh-TW" altLang="en-US" dirty="0"/>
+              <a:t>偏移。</a:t>
+            </a:r>
+            <a:endParaRPr lang="en-US" altLang="zh-TW" dirty="0"/>
+          </a:p>
+          <a:p>
+            <a:r>
+              <a:rPr lang="en-US" altLang="zh-TW" dirty="0"/>
+              <a:t>(</a:t>
+            </a:r>
+            <a:r>
+              <a:rPr lang="en-US" altLang="zh-TW" sz="1200" b="0" i="0" kern="1200" dirty="0">
+                <a:solidFill>
+                  <a:schemeClr val="tx2"/>
+                </a:solidFill>
+                <a:effectLst/>
+                <a:latin typeface="Microsoft JhengHei UI" panose="020B0604030504040204" pitchFamily="34" charset="-120"/>
+                <a:ea typeface="Microsoft JhengHei UI" panose="020B0604030504040204" pitchFamily="34" charset="-120"/>
+                <a:cs typeface="+mn-cs"/>
+              </a:rPr>
+              <a:t>NB-IoT</a:t>
+            </a:r>
+            <a:r>
+              <a:rPr lang="zh-TW" altLang="en-US" sz="1200" b="0" i="0" kern="1200" dirty="0">
+                <a:solidFill>
+                  <a:schemeClr val="tx2"/>
+                </a:solidFill>
+                <a:effectLst/>
+                <a:latin typeface="Microsoft JhengHei UI" panose="020B0604030504040204" pitchFamily="34" charset="-120"/>
+                <a:ea typeface="Microsoft JhengHei UI" panose="020B0604030504040204" pitchFamily="34" charset="-120"/>
+                <a:cs typeface="+mn-cs"/>
+              </a:rPr>
+              <a:t>載波應和</a:t>
+            </a:r>
+            <a:r>
+              <a:rPr lang="en-US" altLang="zh-TW" sz="1200" b="0" i="0" kern="1200" dirty="0">
+                <a:solidFill>
+                  <a:schemeClr val="tx2"/>
+                </a:solidFill>
+                <a:effectLst/>
+                <a:latin typeface="Microsoft JhengHei UI" panose="020B0604030504040204" pitchFamily="34" charset="-120"/>
+                <a:ea typeface="Microsoft JhengHei UI" panose="020B0604030504040204" pitchFamily="34" charset="-120"/>
+                <a:cs typeface="+mn-cs"/>
+              </a:rPr>
+              <a:t>LTE</a:t>
+            </a:r>
+            <a:r>
+              <a:rPr lang="zh-TW" altLang="en-US" sz="1200" b="0" i="0" kern="1200" dirty="0">
+                <a:solidFill>
+                  <a:schemeClr val="tx2"/>
+                </a:solidFill>
+                <a:effectLst/>
+                <a:latin typeface="Microsoft JhengHei UI" panose="020B0604030504040204" pitchFamily="34" charset="-120"/>
+                <a:ea typeface="Microsoft JhengHei UI" panose="020B0604030504040204" pitchFamily="34" charset="-120"/>
+                <a:cs typeface="+mn-cs"/>
+              </a:rPr>
+              <a:t>中的一個</a:t>
+            </a:r>
+            <a:r>
+              <a:rPr lang="en-US" altLang="zh-TW" sz="1200" b="0" i="0" kern="1200" dirty="0">
+                <a:solidFill>
+                  <a:schemeClr val="tx2"/>
+                </a:solidFill>
+                <a:effectLst/>
+                <a:latin typeface="Microsoft JhengHei UI" panose="020B0604030504040204" pitchFamily="34" charset="-120"/>
+                <a:ea typeface="Microsoft JhengHei UI" panose="020B0604030504040204" pitchFamily="34" charset="-120"/>
+                <a:cs typeface="+mn-cs"/>
+              </a:rPr>
+              <a:t>PRB</a:t>
+            </a:r>
+            <a:r>
+              <a:rPr lang="zh-TW" altLang="en-US" sz="1200" b="0" i="0" kern="1200" dirty="0">
+                <a:solidFill>
+                  <a:schemeClr val="tx2"/>
+                </a:solidFill>
+                <a:effectLst/>
+                <a:latin typeface="Microsoft JhengHei UI" panose="020B0604030504040204" pitchFamily="34" charset="-120"/>
+                <a:ea typeface="Microsoft JhengHei UI" panose="020B0604030504040204" pitchFamily="34" charset="-120"/>
+                <a:cs typeface="+mn-cs"/>
+              </a:rPr>
+              <a:t>對齊。經計算，不同帶寬下的</a:t>
+            </a:r>
+            <a:r>
+              <a:rPr lang="en-US" altLang="zh-TW" sz="1200" b="0" i="0" kern="1200" dirty="0">
+                <a:solidFill>
+                  <a:schemeClr val="tx2"/>
+                </a:solidFill>
+                <a:effectLst/>
+                <a:latin typeface="Microsoft JhengHei UI" panose="020B0604030504040204" pitchFamily="34" charset="-120"/>
+                <a:ea typeface="Microsoft JhengHei UI" panose="020B0604030504040204" pitchFamily="34" charset="-120"/>
+                <a:cs typeface="+mn-cs"/>
+              </a:rPr>
+              <a:t>PRB</a:t>
+            </a:r>
+            <a:r>
+              <a:rPr lang="zh-TW" altLang="en-US" sz="1200" b="0" i="0" kern="1200" dirty="0">
+                <a:solidFill>
+                  <a:schemeClr val="tx2"/>
+                </a:solidFill>
+                <a:effectLst/>
+                <a:latin typeface="Microsoft JhengHei UI" panose="020B0604030504040204" pitchFamily="34" charset="-120"/>
+                <a:ea typeface="Microsoft JhengHei UI" panose="020B0604030504040204" pitchFamily="34" charset="-120"/>
+                <a:cs typeface="+mn-cs"/>
+              </a:rPr>
+              <a:t>的中心頻點</a:t>
+            </a:r>
+            <a:r>
+              <a:rPr lang="en-US" altLang="zh-TW" sz="1200" b="0" i="0" kern="1200" dirty="0">
+                <a:solidFill>
+                  <a:schemeClr val="tx2"/>
+                </a:solidFill>
+                <a:effectLst/>
+                <a:latin typeface="Microsoft JhengHei UI" panose="020B0604030504040204" pitchFamily="34" charset="-120"/>
+                <a:ea typeface="Microsoft JhengHei UI" panose="020B0604030504040204" pitchFamily="34" charset="-120"/>
+                <a:cs typeface="+mn-cs"/>
+              </a:rPr>
+              <a:t>(</a:t>
+            </a:r>
+            <a:r>
+              <a:rPr lang="zh-TW" altLang="en-US" sz="1200" b="0" i="0" kern="1200" dirty="0">
+                <a:solidFill>
+                  <a:schemeClr val="tx2"/>
+                </a:solidFill>
+                <a:effectLst/>
+                <a:latin typeface="Microsoft JhengHei UI" panose="020B0604030504040204" pitchFamily="34" charset="-120"/>
+                <a:ea typeface="Microsoft JhengHei UI" panose="020B0604030504040204" pitchFamily="34" charset="-120"/>
+                <a:cs typeface="+mn-cs"/>
+              </a:rPr>
+              <a:t>第</a:t>
+            </a:r>
+            <a:r>
+              <a:rPr lang="en-US" altLang="zh-TW" sz="1200" b="0" i="0" kern="1200" dirty="0">
+                <a:solidFill>
+                  <a:schemeClr val="tx2"/>
+                </a:solidFill>
+                <a:effectLst/>
+                <a:latin typeface="Microsoft JhengHei UI" panose="020B0604030504040204" pitchFamily="34" charset="-120"/>
+                <a:ea typeface="Microsoft JhengHei UI" panose="020B0604030504040204" pitchFamily="34" charset="-120"/>
+                <a:cs typeface="+mn-cs"/>
+              </a:rPr>
+              <a:t>6</a:t>
+            </a:r>
+            <a:r>
+              <a:rPr lang="zh-TW" altLang="en-US" sz="1200" b="0" i="0" kern="1200" dirty="0">
+                <a:solidFill>
+                  <a:schemeClr val="tx2"/>
+                </a:solidFill>
+                <a:effectLst/>
+                <a:latin typeface="Microsoft JhengHei UI" panose="020B0604030504040204" pitchFamily="34" charset="-120"/>
+                <a:ea typeface="Microsoft JhengHei UI" panose="020B0604030504040204" pitchFamily="34" charset="-120"/>
+                <a:cs typeface="+mn-cs"/>
+              </a:rPr>
+              <a:t>個子載波和第</a:t>
+            </a:r>
+            <a:r>
+              <a:rPr lang="en-US" altLang="zh-TW" sz="1200" b="0" i="0" kern="1200" dirty="0">
+                <a:solidFill>
+                  <a:schemeClr val="tx2"/>
+                </a:solidFill>
+                <a:effectLst/>
+                <a:latin typeface="Microsoft JhengHei UI" panose="020B0604030504040204" pitchFamily="34" charset="-120"/>
+                <a:ea typeface="Microsoft JhengHei UI" panose="020B0604030504040204" pitchFamily="34" charset="-120"/>
+                <a:cs typeface="+mn-cs"/>
+              </a:rPr>
+              <a:t>7</a:t>
+            </a:r>
+            <a:r>
+              <a:rPr lang="zh-TW" altLang="en-US" sz="1200" b="0" i="0" kern="1200" dirty="0">
+                <a:solidFill>
+                  <a:schemeClr val="tx2"/>
+                </a:solidFill>
+                <a:effectLst/>
+                <a:latin typeface="Microsoft JhengHei UI" panose="020B0604030504040204" pitchFamily="34" charset="-120"/>
+                <a:ea typeface="Microsoft JhengHei UI" panose="020B0604030504040204" pitchFamily="34" charset="-120"/>
+                <a:cs typeface="+mn-cs"/>
+              </a:rPr>
+              <a:t>個子載波的最中間的頻點</a:t>
+            </a:r>
+            <a:r>
+              <a:rPr lang="en-US" altLang="zh-TW" sz="1200" b="0" i="0" kern="1200" dirty="0">
+                <a:solidFill>
+                  <a:schemeClr val="tx2"/>
+                </a:solidFill>
+                <a:effectLst/>
+                <a:latin typeface="Microsoft JhengHei UI" panose="020B0604030504040204" pitchFamily="34" charset="-120"/>
+                <a:ea typeface="Microsoft JhengHei UI" panose="020B0604030504040204" pitchFamily="34" charset="-120"/>
+                <a:cs typeface="+mn-cs"/>
+              </a:rPr>
+              <a:t>)</a:t>
+            </a:r>
+            <a:r>
+              <a:rPr lang="zh-TW" altLang="en-US" sz="1200" b="0" i="0" kern="1200" dirty="0">
+                <a:solidFill>
+                  <a:schemeClr val="tx2"/>
+                </a:solidFill>
+                <a:effectLst/>
+                <a:latin typeface="Microsoft JhengHei UI" panose="020B0604030504040204" pitchFamily="34" charset="-120"/>
+                <a:ea typeface="Microsoft JhengHei UI" panose="020B0604030504040204" pitchFamily="34" charset="-120"/>
+                <a:cs typeface="+mn-cs"/>
+              </a:rPr>
+              <a:t>和</a:t>
+            </a:r>
+            <a:r>
+              <a:rPr lang="en-US" altLang="zh-TW" sz="1200" b="0" i="0" kern="1200" dirty="0">
+                <a:solidFill>
+                  <a:schemeClr val="tx2"/>
+                </a:solidFill>
+                <a:effectLst/>
+                <a:latin typeface="Microsoft JhengHei UI" panose="020B0604030504040204" pitchFamily="34" charset="-120"/>
+                <a:ea typeface="Microsoft JhengHei UI" panose="020B0604030504040204" pitchFamily="34" charset="-120"/>
+                <a:cs typeface="+mn-cs"/>
+              </a:rPr>
+              <a:t>100kHz</a:t>
+            </a:r>
+            <a:r>
+              <a:rPr lang="zh-TW" altLang="en-US" sz="1200" b="0" i="0" kern="1200" dirty="0">
+                <a:solidFill>
+                  <a:schemeClr val="tx2"/>
+                </a:solidFill>
+                <a:effectLst/>
+                <a:latin typeface="Microsoft JhengHei UI" panose="020B0604030504040204" pitchFamily="34" charset="-120"/>
+                <a:ea typeface="Microsoft JhengHei UI" panose="020B0604030504040204" pitchFamily="34" charset="-120"/>
+                <a:cs typeface="+mn-cs"/>
+              </a:rPr>
+              <a:t>的整數倍的頻點均不重合，與最近的</a:t>
+            </a:r>
+            <a:r>
+              <a:rPr lang="en-US" altLang="zh-TW" sz="1200" b="0" i="0" kern="1200" dirty="0">
+                <a:solidFill>
+                  <a:schemeClr val="tx2"/>
+                </a:solidFill>
+                <a:effectLst/>
+                <a:latin typeface="Microsoft JhengHei UI" panose="020B0604030504040204" pitchFamily="34" charset="-120"/>
+                <a:ea typeface="Microsoft JhengHei UI" panose="020B0604030504040204" pitchFamily="34" charset="-120"/>
+                <a:cs typeface="+mn-cs"/>
+              </a:rPr>
+              <a:t>100kHz</a:t>
+            </a:r>
+            <a:r>
+              <a:rPr lang="zh-TW" altLang="en-US" sz="1200" b="0" i="0" kern="1200" dirty="0">
+                <a:solidFill>
+                  <a:schemeClr val="tx2"/>
+                </a:solidFill>
+                <a:effectLst/>
+                <a:latin typeface="Microsoft JhengHei UI" panose="020B0604030504040204" pitchFamily="34" charset="-120"/>
+                <a:ea typeface="Microsoft JhengHei UI" panose="020B0604030504040204" pitchFamily="34" charset="-120"/>
+                <a:cs typeface="+mn-cs"/>
+              </a:rPr>
+              <a:t>的整數倍的頻點存在一定的頻率偏移。</a:t>
+            </a:r>
+            <a:r>
+              <a:rPr lang="en-US" altLang="zh-TW" dirty="0"/>
+              <a:t>)</a:t>
+            </a:r>
+          </a:p>
+          <a:p>
+            <a:r>
+              <a:rPr lang="zh-TW" altLang="en-US" dirty="0"/>
+              <a:t>對於下行鏈路和上行鏈路</a:t>
+            </a:r>
+            <a:r>
+              <a:rPr lang="en-US" altLang="zh-TW" dirty="0"/>
+              <a:t>NB-IoT</a:t>
+            </a:r>
+            <a:r>
+              <a:rPr lang="zh-TW" altLang="en-US" dirty="0"/>
+              <a:t>分別都需要</a:t>
+            </a:r>
+            <a:r>
+              <a:rPr lang="en-US" altLang="zh-TW" dirty="0"/>
+              <a:t>180 kHz</a:t>
+            </a:r>
+            <a:r>
+              <a:rPr lang="zh-TW" altLang="en-US" dirty="0"/>
+              <a:t>的最小系統帶寬 所以才會是</a:t>
+            </a:r>
+            <a:r>
+              <a:rPr lang="en-US" altLang="zh-TW" dirty="0" err="1"/>
+              <a:t>Fnb</a:t>
+            </a:r>
+            <a:r>
+              <a:rPr lang="en-US" altLang="zh-TW" dirty="0"/>
+              <a:t>+-90</a:t>
+            </a:r>
+            <a:r>
+              <a:rPr lang="zh-TW" altLang="en-US" dirty="0"/>
+              <a:t>。</a:t>
+            </a:r>
+          </a:p>
+        </p:txBody>
+      </p:sp>
+      <p:sp>
+        <p:nvSpPr>
+          <p:cNvPr id="4" name="投影片編號版面配置區 3"/>
+          <p:cNvSpPr>
+            <a:spLocks noGrp="1"/>
+          </p:cNvSpPr>
+          <p:nvPr>
+            <p:ph type="sldNum" sz="quarter" idx="5"/>
+          </p:nvPr>
+        </p:nvSpPr>
+        <p:spPr/>
+        <p:txBody>
+          <a:bodyPr/>
+          <a:lstStyle/>
+          <a:p>
+            <a:fld id="{841221E5-7225-48EB-A4EE-420E7BFCF705}" type="slidenum">
+              <a:rPr lang="en-US" altLang="zh-TW" smtClean="0"/>
+              <a:pPr/>
+              <a:t>14</a:t>
+            </a:fld>
+            <a:endParaRPr lang="zh-TW" altLang="en-US" dirty="0"/>
+          </a:p>
+        </p:txBody>
+      </p:sp>
+    </p:spTree>
+    <p:extLst>
+      <p:ext uri="{BB962C8B-B14F-4D97-AF65-F5344CB8AC3E}">
+        <p14:creationId xmlns:p14="http://schemas.microsoft.com/office/powerpoint/2010/main" val="1021873713"/>
+      </p:ext>
+    </p:extLst>
+  </p:cSld>
+  <p:clrMapOvr>
+    <a:masterClrMapping/>
+  </p:clrMapOvr>
+</p:notes>
+</file>
+
+<file path=ppt/notesSlides/notesSlide12.xml><?xml version="1.0" encoding="utf-8"?>
+<p:notes xmlns:a="http://schemas.openxmlformats.org/drawingml/2006/main" xmlns:r="http://schemas.openxmlformats.org/officeDocument/2006/relationships" xmlns:p="http://schemas.openxmlformats.org/presentationml/2006/main">
+  <p:cSld>
+    <p:spTree>
+      <p:nvGrpSpPr>
+        <p:cNvPr id="1" name=""/>
+        <p:cNvGrpSpPr/>
+        <p:nvPr/>
+      </p:nvGrpSpPr>
+      <p:grpSpPr>
+        <a:xfrm>
+          <a:off x="0" y="0"/>
+          <a:ext cx="0" cy="0"/>
+          <a:chOff x="0" y="0"/>
+          <a:chExt cx="0" cy="0"/>
+        </a:xfrm>
+      </p:grpSpPr>
+      <p:sp>
+        <p:nvSpPr>
+          <p:cNvPr id="2" name="投影片影像版面配置區 1"/>
+          <p:cNvSpPr>
+            <a:spLocks noGrp="1" noRot="1" noChangeAspect="1"/>
+          </p:cNvSpPr>
+          <p:nvPr>
+            <p:ph type="sldImg"/>
+          </p:nvPr>
+        </p:nvSpPr>
+        <p:spPr/>
+      </p:sp>
+      <p:sp>
+        <p:nvSpPr>
+          <p:cNvPr id="3" name="備忘稿版面配置區 2"/>
+          <p:cNvSpPr>
+            <a:spLocks noGrp="1"/>
+          </p:cNvSpPr>
+          <p:nvPr>
+            <p:ph type="body" idx="1"/>
+          </p:nvPr>
+        </p:nvSpPr>
+        <p:spPr/>
+        <p:txBody>
+          <a:bodyPr/>
+          <a:lstStyle/>
+          <a:p>
             <a:pPr marL="0" marR="0" lvl="0" indent="0" algn="l" defTabSz="914400" rtl="0" eaLnBrk="1" fontAlgn="auto" latinLnBrk="0" hangingPunct="1">
               <a:lnSpc>
                 <a:spcPct val="100000"/>
@@ -1471,7 +2292,7 @@
             <a:fld id="{841221E5-7225-48EB-A4EE-420E7BFCF705}" type="slidenum">
               <a:rPr lang="en-US" altLang="zh-TW" smtClean="0"/>
               <a:pPr/>
-              <a:t>14</a:t>
+              <a:t>15</a:t>
             </a:fld>
             <a:endParaRPr lang="zh-TW" altLang="en-US" dirty="0"/>
           </a:p>
@@ -1490,7 +2311,7 @@
 </p:notes>
 </file>
 
-<file path=ppt/notesSlides/notesSlide12.xml><?xml version="1.0" encoding="utf-8"?>
+<file path=ppt/notesSlides/notesSlide13.xml><?xml version="1.0" encoding="utf-8"?>
 <p:notes xmlns:a="http://schemas.openxmlformats.org/drawingml/2006/main" xmlns:r="http://schemas.openxmlformats.org/officeDocument/2006/relationships" xmlns:p="http://schemas.openxmlformats.org/presentationml/2006/main">
   <p:cSld>
     <p:spTree>
@@ -1556,7 +2377,7 @@
             <a:fld id="{841221E5-7225-48EB-A4EE-420E7BFCF705}" type="slidenum">
               <a:rPr lang="en-US" altLang="zh-TW" smtClean="0"/>
               <a:pPr/>
-              <a:t>15</a:t>
+              <a:t>16</a:t>
             </a:fld>
             <a:endParaRPr lang="zh-TW" altLang="en-US" dirty="0"/>
           </a:p>
@@ -1855,7 +2676,7 @@
       </p:grpSpPr>
       <p:sp>
         <p:nvSpPr>
-          <p:cNvPr id="2" name="投影片圖像版面配置區 1"/>
+          <p:cNvPr id="2" name="投影片影像版面配置區 1"/>
           <p:cNvSpPr>
             <a:spLocks noGrp="1" noRot="1" noChangeAspect="1"/>
           </p:cNvSpPr>
@@ -1881,18 +2702,6 @@
           <a:lstStyle/>
           <a:p>
             <a:r>
-              <a:rPr lang="zh-TW" altLang="en-US" sz="1200" b="0" i="0" kern="1200" dirty="0">
-                <a:solidFill>
-                  <a:schemeClr val="tx2"/>
-                </a:solidFill>
-                <a:effectLst/>
-                <a:latin typeface="Microsoft JhengHei UI" panose="020B0604030504040204" pitchFamily="34" charset="-120"/>
-                <a:ea typeface="Microsoft JhengHei UI" panose="020B0604030504040204" pitchFamily="34" charset="-120"/>
-                <a:cs typeface="+mn-cs"/>
-              </a:rPr>
-              <a:t>一個</a:t>
-            </a:r>
-            <a:r>
               <a:rPr lang="en-US" altLang="zh-TW" sz="1200" b="0" i="0" kern="1200" dirty="0">
                 <a:solidFill>
                   <a:schemeClr val="tx2"/>
@@ -1902,428 +2711,8 @@
                 <a:ea typeface="Microsoft JhengHei UI" panose="020B0604030504040204" pitchFamily="34" charset="-120"/>
                 <a:cs typeface="+mn-cs"/>
               </a:rPr>
-              <a:t>PRB</a:t>
-            </a:r>
-            <a:r>
-              <a:rPr lang="zh-TW" altLang="en-US" sz="1200" b="0" i="0" kern="1200" dirty="0">
-                <a:solidFill>
-                  <a:schemeClr val="tx2"/>
-                </a:solidFill>
-                <a:effectLst/>
-                <a:latin typeface="Microsoft JhengHei UI" panose="020B0604030504040204" pitchFamily="34" charset="-120"/>
-                <a:ea typeface="Microsoft JhengHei UI" panose="020B0604030504040204" pitchFamily="34" charset="-120"/>
-                <a:cs typeface="+mn-cs"/>
-              </a:rPr>
-              <a:t>是由</a:t>
-            </a:r>
-            <a:r>
-              <a:rPr lang="en-US" altLang="zh-TW" sz="1200" b="0" i="0" kern="1200" dirty="0">
-                <a:solidFill>
-                  <a:schemeClr val="tx2"/>
-                </a:solidFill>
-                <a:effectLst/>
-                <a:latin typeface="Microsoft JhengHei UI" panose="020B0604030504040204" pitchFamily="34" charset="-120"/>
-                <a:ea typeface="Microsoft JhengHei UI" panose="020B0604030504040204" pitchFamily="34" charset="-120"/>
-                <a:cs typeface="+mn-cs"/>
-              </a:rPr>
-              <a:t>12</a:t>
-            </a:r>
-            <a:r>
-              <a:rPr lang="zh-TW" altLang="en-US" sz="1200" b="0" i="0" kern="1200" dirty="0">
-                <a:solidFill>
-                  <a:schemeClr val="tx2"/>
-                </a:solidFill>
-                <a:effectLst/>
-                <a:latin typeface="Microsoft JhengHei UI" panose="020B0604030504040204" pitchFamily="34" charset="-120"/>
-                <a:ea typeface="Microsoft JhengHei UI" panose="020B0604030504040204" pitchFamily="34" charset="-120"/>
-                <a:cs typeface="+mn-cs"/>
-              </a:rPr>
-              <a:t>個子載波組成 </a:t>
-            </a:r>
-            <a:r>
-              <a:rPr lang="en-US" altLang="zh-TW" sz="1200" b="0" i="0" kern="1200" dirty="0">
-                <a:solidFill>
-                  <a:schemeClr val="tx2"/>
-                </a:solidFill>
-                <a:effectLst/>
-                <a:latin typeface="Microsoft JhengHei UI" panose="020B0604030504040204" pitchFamily="34" charset="-120"/>
-                <a:ea typeface="Microsoft JhengHei UI" panose="020B0604030504040204" pitchFamily="34" charset="-120"/>
-                <a:cs typeface="+mn-cs"/>
-              </a:rPr>
-              <a:t>spec</a:t>
-            </a:r>
-            <a:r>
-              <a:rPr lang="zh-TW" altLang="en-US" sz="1200" b="0" i="0" kern="1200" dirty="0">
-                <a:solidFill>
-                  <a:schemeClr val="tx2"/>
-                </a:solidFill>
-                <a:effectLst/>
-                <a:latin typeface="Microsoft JhengHei UI" panose="020B0604030504040204" pitchFamily="34" charset="-120"/>
-                <a:ea typeface="Microsoft JhengHei UI" panose="020B0604030504040204" pitchFamily="34" charset="-120"/>
-                <a:cs typeface="+mn-cs"/>
-              </a:rPr>
-              <a:t>這邊叫它</a:t>
-            </a:r>
-            <a:r>
-              <a:rPr lang="en-US" altLang="zh-TW" sz="1200" b="0" i="0" kern="1200" dirty="0">
-                <a:solidFill>
-                  <a:schemeClr val="tx2"/>
-                </a:solidFill>
-                <a:effectLst/>
-                <a:latin typeface="Microsoft JhengHei UI" panose="020B0604030504040204" pitchFamily="34" charset="-120"/>
-                <a:ea typeface="Microsoft JhengHei UI" panose="020B0604030504040204" pitchFamily="34" charset="-120"/>
-                <a:cs typeface="+mn-cs"/>
-              </a:rPr>
-              <a:t>Tone </a:t>
-            </a:r>
-            <a:r>
-              <a:rPr lang="zh-TW" altLang="en-US" sz="1200" b="0" i="0" kern="1200" dirty="0">
-                <a:solidFill>
-                  <a:schemeClr val="tx2"/>
-                </a:solidFill>
-                <a:effectLst/>
-                <a:latin typeface="Microsoft JhengHei UI" panose="020B0604030504040204" pitchFamily="34" charset="-120"/>
-                <a:ea typeface="Microsoft JhengHei UI" panose="020B0604030504040204" pitchFamily="34" charset="-120"/>
-                <a:cs typeface="+mn-cs"/>
-              </a:rPr>
-              <a:t>或</a:t>
-            </a:r>
-            <a:r>
-              <a:rPr lang="en-US" altLang="zh-TW" sz="1200" b="0" i="0" kern="1200" dirty="0">
-                <a:solidFill>
-                  <a:schemeClr val="tx2"/>
-                </a:solidFill>
-                <a:effectLst/>
-                <a:latin typeface="Microsoft JhengHei UI" panose="020B0604030504040204" pitchFamily="34" charset="-120"/>
-                <a:ea typeface="Microsoft JhengHei UI" panose="020B0604030504040204" pitchFamily="34" charset="-120"/>
-                <a:cs typeface="+mn-cs"/>
-              </a:rPr>
-              <a:t>subcarrier</a:t>
-            </a:r>
-            <a:r>
-              <a:rPr lang="zh-TW" altLang="en-US" sz="1200" b="0" i="0" kern="1200" dirty="0">
-                <a:solidFill>
-                  <a:schemeClr val="tx2"/>
-                </a:solidFill>
-                <a:effectLst/>
-                <a:latin typeface="Microsoft JhengHei UI" panose="020B0604030504040204" pitchFamily="34" charset="-120"/>
-                <a:ea typeface="Microsoft JhengHei UI" panose="020B0604030504040204" pitchFamily="34" charset="-120"/>
-                <a:cs typeface="+mn-cs"/>
-              </a:rPr>
-              <a:t>，編號</a:t>
-            </a:r>
-            <a:r>
-              <a:rPr lang="en-US" altLang="zh-TW" sz="1200" b="0" i="0" kern="1200" dirty="0">
-                <a:solidFill>
-                  <a:schemeClr val="tx2"/>
-                </a:solidFill>
-                <a:effectLst/>
-                <a:latin typeface="Microsoft JhengHei UI" panose="020B0604030504040204" pitchFamily="34" charset="-120"/>
-                <a:ea typeface="Microsoft JhengHei UI" panose="020B0604030504040204" pitchFamily="34" charset="-120"/>
-                <a:cs typeface="+mn-cs"/>
-              </a:rPr>
-              <a:t>0~11</a:t>
-            </a:r>
-          </a:p>
-          <a:p>
-            <a:r>
-              <a:rPr lang="zh-TW" altLang="en-US" sz="1200" b="0" i="0" kern="1200" dirty="0">
-                <a:solidFill>
-                  <a:schemeClr val="tx2"/>
-                </a:solidFill>
-                <a:effectLst/>
-                <a:latin typeface="Microsoft JhengHei UI" panose="020B0604030504040204" pitchFamily="34" charset="-120"/>
-                <a:ea typeface="Microsoft JhengHei UI" panose="020B0604030504040204" pitchFamily="34" charset="-120"/>
-                <a:cs typeface="+mn-cs"/>
-              </a:rPr>
-              <a:t>因此</a:t>
-            </a:r>
-            <a:r>
-              <a:rPr lang="en-US" altLang="zh-TW" sz="1200" b="0" i="0" kern="1200" dirty="0">
-                <a:solidFill>
-                  <a:schemeClr val="tx2"/>
-                </a:solidFill>
-                <a:effectLst/>
-                <a:latin typeface="Microsoft JhengHei UI" panose="020B0604030504040204" pitchFamily="34" charset="-120"/>
-                <a:ea typeface="Microsoft JhengHei UI" panose="020B0604030504040204" pitchFamily="34" charset="-120"/>
-                <a:cs typeface="+mn-cs"/>
-              </a:rPr>
-              <a:t>Tone#0 </a:t>
-            </a:r>
-            <a:r>
-              <a:rPr lang="zh-TW" altLang="en-US" sz="1200" b="0" i="0" kern="1200" dirty="0">
-                <a:solidFill>
-                  <a:schemeClr val="tx2"/>
-                </a:solidFill>
-                <a:effectLst/>
-                <a:latin typeface="Microsoft JhengHei UI" panose="020B0604030504040204" pitchFamily="34" charset="-120"/>
-                <a:ea typeface="Microsoft JhengHei UI" panose="020B0604030504040204" pitchFamily="34" charset="-120"/>
-                <a:cs typeface="+mn-cs"/>
-              </a:rPr>
-              <a:t>是當前</a:t>
-            </a:r>
-            <a:r>
-              <a:rPr lang="en-US" altLang="zh-TW" sz="1200" b="0" i="0" kern="1200" dirty="0">
-                <a:solidFill>
-                  <a:schemeClr val="tx2"/>
-                </a:solidFill>
-                <a:effectLst/>
-                <a:latin typeface="Microsoft JhengHei UI" panose="020B0604030504040204" pitchFamily="34" charset="-120"/>
-                <a:ea typeface="Microsoft JhengHei UI" panose="020B0604030504040204" pitchFamily="34" charset="-120"/>
-                <a:cs typeface="+mn-cs"/>
-              </a:rPr>
-              <a:t>RB</a:t>
-            </a:r>
-            <a:r>
-              <a:rPr lang="zh-TW" altLang="en-US" sz="1200" b="0" i="0" kern="1200" dirty="0">
-                <a:solidFill>
-                  <a:schemeClr val="tx2"/>
-                </a:solidFill>
-                <a:effectLst/>
-                <a:latin typeface="Microsoft JhengHei UI" panose="020B0604030504040204" pitchFamily="34" charset="-120"/>
-                <a:ea typeface="Microsoft JhengHei UI" panose="020B0604030504040204" pitchFamily="34" charset="-120"/>
-                <a:cs typeface="+mn-cs"/>
-              </a:rPr>
-              <a:t>裡的第一個</a:t>
-            </a:r>
-            <a:r>
-              <a:rPr lang="en-US" altLang="zh-TW" sz="1200" b="0" i="0" kern="1200" dirty="0">
-                <a:solidFill>
-                  <a:schemeClr val="tx2"/>
-                </a:solidFill>
-                <a:effectLst/>
-                <a:latin typeface="Microsoft JhengHei UI" panose="020B0604030504040204" pitchFamily="34" charset="-120"/>
-                <a:ea typeface="Microsoft JhengHei UI" panose="020B0604030504040204" pitchFamily="34" charset="-120"/>
-                <a:cs typeface="+mn-cs"/>
-              </a:rPr>
-              <a:t>tone</a:t>
-            </a:r>
-          </a:p>
-          <a:p>
-            <a:r>
-              <a:rPr lang="zh-TW" altLang="en-US" sz="1200" b="0" i="0" kern="1200" dirty="0">
-                <a:solidFill>
-                  <a:schemeClr val="tx2"/>
-                </a:solidFill>
-                <a:effectLst/>
-                <a:latin typeface="Microsoft JhengHei UI" panose="020B0604030504040204" pitchFamily="34" charset="-120"/>
-                <a:ea typeface="Microsoft JhengHei UI" panose="020B0604030504040204" pitchFamily="34" charset="-120"/>
-                <a:cs typeface="+mn-cs"/>
-              </a:rPr>
-              <a:t>若 </a:t>
-            </a:r>
-            <a:r>
-              <a:rPr lang="en-US" altLang="zh-TW" sz="1200" b="0" i="0" kern="1200" dirty="0">
-                <a:solidFill>
-                  <a:schemeClr val="tx2"/>
-                </a:solidFill>
-                <a:effectLst/>
-                <a:latin typeface="Microsoft JhengHei UI" panose="020B0604030504040204" pitchFamily="34" charset="-120"/>
-                <a:ea typeface="Microsoft JhengHei UI" panose="020B0604030504040204" pitchFamily="34" charset="-120"/>
-                <a:cs typeface="+mn-cs"/>
-              </a:rPr>
-              <a:t>NRB</a:t>
-            </a:r>
-            <a:r>
-              <a:rPr lang="zh-TW" altLang="en-US" sz="1200" b="0" i="0" kern="1200" dirty="0">
-                <a:solidFill>
-                  <a:schemeClr val="tx2"/>
-                </a:solidFill>
-                <a:effectLst/>
-                <a:latin typeface="Microsoft JhengHei UI" panose="020B0604030504040204" pitchFamily="34" charset="-120"/>
-                <a:ea typeface="Microsoft JhengHei UI" panose="020B0604030504040204" pitchFamily="34" charset="-120"/>
-                <a:cs typeface="+mn-cs"/>
-              </a:rPr>
-              <a:t>是某個</a:t>
-            </a:r>
-            <a:r>
-              <a:rPr lang="en-US" altLang="zh-TW" sz="1200" b="0" i="0" kern="1200" dirty="0">
-                <a:solidFill>
-                  <a:schemeClr val="tx2"/>
-                </a:solidFill>
-                <a:effectLst/>
-                <a:latin typeface="Microsoft JhengHei UI" panose="020B0604030504040204" pitchFamily="34" charset="-120"/>
-                <a:ea typeface="Microsoft JhengHei UI" panose="020B0604030504040204" pitchFamily="34" charset="-120"/>
-                <a:cs typeface="+mn-cs"/>
-              </a:rPr>
-              <a:t>NR</a:t>
-            </a:r>
-            <a:r>
-              <a:rPr lang="zh-TW" altLang="en-US" sz="1200" b="0" i="0" kern="1200" dirty="0">
-                <a:solidFill>
-                  <a:schemeClr val="tx2"/>
-                </a:solidFill>
-                <a:effectLst/>
-                <a:latin typeface="Microsoft JhengHei UI" panose="020B0604030504040204" pitchFamily="34" charset="-120"/>
-                <a:ea typeface="Microsoft JhengHei UI" panose="020B0604030504040204" pitchFamily="34" charset="-120"/>
-                <a:cs typeface="+mn-cs"/>
-              </a:rPr>
-              <a:t>帶寬的</a:t>
-            </a:r>
-            <a:r>
-              <a:rPr lang="en-US" altLang="zh-TW" sz="1200" b="0" i="0" kern="1200" dirty="0">
-                <a:solidFill>
-                  <a:schemeClr val="tx2"/>
-                </a:solidFill>
-                <a:effectLst/>
-                <a:latin typeface="Microsoft JhengHei UI" panose="020B0604030504040204" pitchFamily="34" charset="-120"/>
-                <a:ea typeface="Microsoft JhengHei UI" panose="020B0604030504040204" pitchFamily="34" charset="-120"/>
-                <a:cs typeface="+mn-cs"/>
-              </a:rPr>
-              <a:t>RB</a:t>
-            </a:r>
-            <a:r>
-              <a:rPr lang="zh-TW" altLang="en-US" sz="1200" b="0" i="0" kern="1200" dirty="0">
-                <a:solidFill>
-                  <a:schemeClr val="tx2"/>
-                </a:solidFill>
-                <a:effectLst/>
-                <a:latin typeface="Microsoft JhengHei UI" panose="020B0604030504040204" pitchFamily="34" charset="-120"/>
-                <a:ea typeface="Microsoft JhengHei UI" panose="020B0604030504040204" pitchFamily="34" charset="-120"/>
-                <a:cs typeface="+mn-cs"/>
-              </a:rPr>
-              <a:t>數</a:t>
-            </a:r>
-            <a:r>
-              <a:rPr lang="en-US" altLang="zh-TW" sz="1200" b="0" i="0" kern="1200" dirty="0">
-                <a:solidFill>
-                  <a:schemeClr val="tx2"/>
-                </a:solidFill>
-                <a:effectLst/>
-                <a:latin typeface="Microsoft JhengHei UI" panose="020B0604030504040204" pitchFamily="34" charset="-120"/>
-                <a:ea typeface="Microsoft JhengHei UI" panose="020B0604030504040204" pitchFamily="34" charset="-120"/>
-                <a:cs typeface="+mn-cs"/>
-              </a:rPr>
-              <a:t>:</a:t>
-            </a:r>
-            <a:r>
-              <a:rPr lang="zh-TW" altLang="en-US" sz="1200" b="0" i="0" kern="1200" dirty="0">
-                <a:solidFill>
-                  <a:schemeClr val="tx2"/>
-                </a:solidFill>
-                <a:effectLst/>
-                <a:latin typeface="Microsoft JhengHei UI" panose="020B0604030504040204" pitchFamily="34" charset="-120"/>
-                <a:ea typeface="Microsoft JhengHei UI" panose="020B0604030504040204" pitchFamily="34" charset="-120"/>
-                <a:cs typeface="+mn-cs"/>
-              </a:rPr>
-              <a:t> </a:t>
-            </a:r>
-            <a:r>
-              <a:rPr lang="en-US" altLang="zh-TW" sz="1200" b="0" i="0" kern="1200" dirty="0">
-                <a:solidFill>
-                  <a:schemeClr val="tx2"/>
-                </a:solidFill>
-                <a:effectLst/>
-                <a:latin typeface="Microsoft JhengHei UI" panose="020B0604030504040204" pitchFamily="34" charset="-120"/>
-                <a:ea typeface="Microsoft JhengHei UI" panose="020B0604030504040204" pitchFamily="34" charset="-120"/>
-                <a:cs typeface="+mn-cs"/>
-              </a:rPr>
-              <a:t>RB#0</a:t>
-            </a:r>
-            <a:r>
-              <a:rPr lang="zh-TW" altLang="en-US" sz="1200" b="0" i="0" kern="1200" dirty="0">
-                <a:solidFill>
-                  <a:schemeClr val="tx2"/>
-                </a:solidFill>
-                <a:effectLst/>
-                <a:latin typeface="Microsoft JhengHei UI" panose="020B0604030504040204" pitchFamily="34" charset="-120"/>
-                <a:ea typeface="Microsoft JhengHei UI" panose="020B0604030504040204" pitchFamily="34" charset="-120"/>
-                <a:cs typeface="+mn-cs"/>
-              </a:rPr>
-              <a:t>決定了</a:t>
-            </a:r>
-            <a:r>
-              <a:rPr lang="en-US" altLang="zh-TW" sz="1200" b="0" i="0" kern="1200" dirty="0">
-                <a:solidFill>
-                  <a:schemeClr val="tx2"/>
-                </a:solidFill>
-                <a:effectLst/>
-                <a:latin typeface="Microsoft JhengHei UI" panose="020B0604030504040204" pitchFamily="34" charset="-120"/>
-                <a:ea typeface="Microsoft JhengHei UI" panose="020B0604030504040204" pitchFamily="34" charset="-120"/>
-                <a:cs typeface="+mn-cs"/>
-              </a:rPr>
-              <a:t>NR</a:t>
-            </a:r>
-            <a:r>
-              <a:rPr lang="zh-TW" altLang="en-US" sz="1200" b="0" i="0" kern="1200" dirty="0">
-                <a:solidFill>
-                  <a:schemeClr val="tx2"/>
-                </a:solidFill>
-                <a:effectLst/>
-                <a:latin typeface="Microsoft JhengHei UI" panose="020B0604030504040204" pitchFamily="34" charset="-120"/>
-                <a:ea typeface="Microsoft JhengHei UI" panose="020B0604030504040204" pitchFamily="34" charset="-120"/>
-                <a:cs typeface="+mn-cs"/>
-              </a:rPr>
-              <a:t> </a:t>
-            </a:r>
-            <a:r>
-              <a:rPr lang="en-US" altLang="zh-TW" sz="1200" b="0" i="0" kern="1200" dirty="0">
-                <a:solidFill>
-                  <a:schemeClr val="tx2"/>
-                </a:solidFill>
-                <a:effectLst/>
-                <a:latin typeface="Microsoft JhengHei UI" panose="020B0604030504040204" pitchFamily="34" charset="-120"/>
-                <a:ea typeface="Microsoft JhengHei UI" panose="020B0604030504040204" pitchFamily="34" charset="-120"/>
-                <a:cs typeface="+mn-cs"/>
-              </a:rPr>
-              <a:t>RF</a:t>
-            </a:r>
-            <a:r>
-              <a:rPr lang="zh-TW" altLang="en-US" sz="1200" b="0" i="0" kern="1200" dirty="0">
-                <a:solidFill>
-                  <a:schemeClr val="tx2"/>
-                </a:solidFill>
-                <a:effectLst/>
-                <a:latin typeface="Microsoft JhengHei UI" panose="020B0604030504040204" pitchFamily="34" charset="-120"/>
-                <a:ea typeface="Microsoft JhengHei UI" panose="020B0604030504040204" pitchFamily="34" charset="-120"/>
-                <a:cs typeface="+mn-cs"/>
-              </a:rPr>
-              <a:t>的基準頻率</a:t>
-            </a:r>
-            <a:endParaRPr lang="en-US" altLang="zh-TW" sz="1200" b="0" i="0" kern="1200" dirty="0">
-              <a:solidFill>
-                <a:schemeClr val="tx2"/>
-              </a:solidFill>
-              <a:effectLst/>
-              <a:latin typeface="Microsoft JhengHei UI" panose="020B0604030504040204" pitchFamily="34" charset="-120"/>
-              <a:ea typeface="Microsoft JhengHei UI" panose="020B0604030504040204" pitchFamily="34" charset="-120"/>
-              <a:cs typeface="+mn-cs"/>
-            </a:endParaRPr>
-          </a:p>
-          <a:p>
-            <a:endParaRPr lang="en-US" altLang="zh-TW" sz="1200" b="0" i="0" kern="1200" dirty="0">
-              <a:solidFill>
-                <a:schemeClr val="tx2"/>
-              </a:solidFill>
-              <a:effectLst/>
-              <a:latin typeface="Microsoft JhengHei UI" panose="020B0604030504040204" pitchFamily="34" charset="-120"/>
-              <a:ea typeface="Microsoft JhengHei UI" panose="020B0604030504040204" pitchFamily="34" charset="-120"/>
-              <a:cs typeface="+mn-cs"/>
-            </a:endParaRPr>
-          </a:p>
-          <a:p>
-            <a:endParaRPr lang="en-US" altLang="zh-TW" sz="1200" b="0" i="0" kern="1200" dirty="0">
-              <a:solidFill>
-                <a:schemeClr val="tx2"/>
-              </a:solidFill>
-              <a:effectLst/>
-              <a:latin typeface="Microsoft JhengHei UI" panose="020B0604030504040204" pitchFamily="34" charset="-120"/>
-              <a:ea typeface="Microsoft JhengHei UI" panose="020B0604030504040204" pitchFamily="34" charset="-120"/>
-              <a:cs typeface="+mn-cs"/>
-            </a:endParaRPr>
-          </a:p>
-          <a:p>
-            <a:endParaRPr lang="en-US" altLang="zh-TW" sz="1200" b="0" i="0" kern="1200" dirty="0">
-              <a:solidFill>
-                <a:schemeClr val="tx2"/>
-              </a:solidFill>
-              <a:effectLst/>
-              <a:latin typeface="Microsoft JhengHei UI" panose="020B0604030504040204" pitchFamily="34" charset="-120"/>
-              <a:ea typeface="Microsoft JhengHei UI" panose="020B0604030504040204" pitchFamily="34" charset="-120"/>
-              <a:cs typeface="+mn-cs"/>
-            </a:endParaRPr>
-          </a:p>
-          <a:p>
+              <a:t>NR channel</a:t>
+            </a:r>
             <a:endParaRPr lang="zh-TW" altLang="en-US" dirty="0"/>
           </a:p>
         </p:txBody>
@@ -2335,7 +2724,7 @@
             <a:spLocks noGrp="1"/>
           </p:cNvSpPr>
           <p:nvPr>
-            <p:ph type="sldNum" sz="quarter" idx="10"/>
+            <p:ph type="sldNum" sz="quarter" idx="5"/>
           </p:nvPr>
         </p:nvSpPr>
         <p:spPr/>
@@ -2355,7 +2744,7 @@
     </p:spTree>
     <p:extLst>
       <p:ext uri="{BB962C8B-B14F-4D97-AF65-F5344CB8AC3E}">
-        <p14:creationId xmlns:p14="http://schemas.microsoft.com/office/powerpoint/2010/main" val="3498101492"/>
+        <p14:creationId xmlns:p14="http://schemas.microsoft.com/office/powerpoint/2010/main" val="2532385192"/>
       </p:ext>
     </p:extLst>
   </p:cSld>
@@ -2384,7 +2773,7 @@
       </p:grpSpPr>
       <p:sp>
         <p:nvSpPr>
-          <p:cNvPr id="2" name="投影片影像版面配置區 1"/>
+          <p:cNvPr id="2" name="投影片圖像版面配置區 1"/>
           <p:cNvSpPr>
             <a:spLocks noGrp="1" noRot="1" noChangeAspect="1"/>
           </p:cNvSpPr>
@@ -2419,7 +2808,7 @@
                 <a:ea typeface="Microsoft JhengHei UI" panose="020B0604030504040204" pitchFamily="34" charset="-120"/>
                 <a:cs typeface="+mn-cs"/>
               </a:rPr>
-              <a:t>如圖</a:t>
+              <a:t>一個</a:t>
             </a:r>
             <a:r>
               <a:rPr lang="en-US" altLang="zh-TW" sz="1200" b="0" i="0" kern="1200" dirty="0">
@@ -2431,7 +2820,7 @@
                 <a:ea typeface="Microsoft JhengHei UI" panose="020B0604030504040204" pitchFamily="34" charset="-120"/>
                 <a:cs typeface="+mn-cs"/>
               </a:rPr>
-              <a:t>5.2.1.3-1</a:t>
+              <a:t>PRB</a:t>
             </a:r>
             <a:r>
               <a:rPr lang="zh-TW" altLang="en-US" sz="1200" b="0" i="0" kern="1200" dirty="0">
@@ -2443,7 +2832,7 @@
                 <a:ea typeface="Microsoft JhengHei UI" panose="020B0604030504040204" pitchFamily="34" charset="-120"/>
                 <a:cs typeface="+mn-cs"/>
               </a:rPr>
-              <a:t>所示，若</a:t>
+              <a:t>是由</a:t>
             </a:r>
             <a:r>
               <a:rPr lang="en-US" altLang="zh-TW" sz="1200" b="0" i="0" kern="1200" dirty="0">
@@ -2455,7 +2844,7 @@
                 <a:ea typeface="Microsoft JhengHei UI" panose="020B0604030504040204" pitchFamily="34" charset="-120"/>
                 <a:cs typeface="+mn-cs"/>
               </a:rPr>
-              <a:t>NRBNRB</a:t>
+              <a:t>12</a:t>
             </a:r>
             <a:r>
               <a:rPr lang="zh-TW" altLang="en-US" sz="1200" b="0" i="0" kern="1200" dirty="0">
@@ -2467,7 +2856,7 @@
                 <a:ea typeface="Microsoft JhengHei UI" panose="020B0604030504040204" pitchFamily="34" charset="-120"/>
                 <a:cs typeface="+mn-cs"/>
               </a:rPr>
-              <a:t>為偶數</a:t>
+              <a:t>個子載波組成 </a:t>
             </a:r>
             <a:r>
               <a:rPr lang="en-US" altLang="zh-TW" sz="1200" b="0" i="0" kern="1200" dirty="0">
@@ -2479,7 +2868,7 @@
                 <a:ea typeface="Microsoft JhengHei UI" panose="020B0604030504040204" pitchFamily="34" charset="-120"/>
                 <a:cs typeface="+mn-cs"/>
               </a:rPr>
-              <a:t>:RB#(−NRB/2−NRB/2)</a:t>
+              <a:t>spec</a:t>
             </a:r>
             <a:r>
               <a:rPr lang="zh-TW" altLang="en-US" sz="1200" b="0" i="0" kern="1200" dirty="0">
@@ -2491,7 +2880,7 @@
                 <a:ea typeface="Microsoft JhengHei UI" panose="020B0604030504040204" pitchFamily="34" charset="-120"/>
                 <a:cs typeface="+mn-cs"/>
               </a:rPr>
-              <a:t>為</a:t>
+              <a:t>這邊叫它</a:t>
             </a:r>
             <a:r>
               <a:rPr lang="en-US" altLang="zh-TW" sz="1200" b="0" i="0" kern="1200" dirty="0">
@@ -2503,7 +2892,7 @@
                 <a:ea typeface="Microsoft JhengHei UI" panose="020B0604030504040204" pitchFamily="34" charset="-120"/>
                 <a:cs typeface="+mn-cs"/>
               </a:rPr>
-              <a:t>NR RF</a:t>
+              <a:t>Tone </a:t>
             </a:r>
             <a:r>
               <a:rPr lang="zh-TW" altLang="en-US" sz="1200" b="0" i="0" kern="1200" dirty="0">
@@ -2515,11 +2904,8 @@
                 <a:ea typeface="Microsoft JhengHei UI" panose="020B0604030504040204" pitchFamily="34" charset="-120"/>
                 <a:cs typeface="+mn-cs"/>
               </a:rPr>
-              <a:t>的頻帶下緣</a:t>
-            </a:r>
-          </a:p>
-          <a:p>
-            <a:pPr lvl="1"/>
+              <a:t>或</a:t>
+            </a:r>
             <a:r>
               <a:rPr lang="en-US" altLang="zh-TW" sz="1200" b="0" i="0" kern="1200" dirty="0">
                 <a:solidFill>
@@ -2530,7 +2916,7 @@
                 <a:ea typeface="Microsoft JhengHei UI" panose="020B0604030504040204" pitchFamily="34" charset="-120"/>
                 <a:cs typeface="+mn-cs"/>
               </a:rPr>
-              <a:t>Subcarrier#(−NRB/2∗12−NRB/2∗12)</a:t>
+              <a:t>subcarrier</a:t>
             </a:r>
             <a:r>
               <a:rPr lang="zh-TW" altLang="en-US" sz="1200" b="0" i="0" kern="1200" dirty="0">
@@ -2542,7 +2928,7 @@
                 <a:ea typeface="Microsoft JhengHei UI" panose="020B0604030504040204" pitchFamily="34" charset="-120"/>
                 <a:cs typeface="+mn-cs"/>
               </a:rPr>
-              <a:t>是</a:t>
+              <a:t>，編號</a:t>
             </a:r>
             <a:r>
               <a:rPr lang="en-US" altLang="zh-TW" sz="1200" b="0" i="0" kern="1200" dirty="0">
@@ -2554,8 +2940,10 @@
                 <a:ea typeface="Microsoft JhengHei UI" panose="020B0604030504040204" pitchFamily="34" charset="-120"/>
                 <a:cs typeface="+mn-cs"/>
               </a:rPr>
-              <a:t>NR RF</a:t>
-            </a:r>
+              <a:t>0~11</a:t>
+            </a:r>
+          </a:p>
+          <a:p>
             <a:r>
               <a:rPr lang="zh-TW" altLang="en-US" sz="1200" b="0" i="0" kern="1200" dirty="0">
                 <a:solidFill>
@@ -2566,7 +2954,7 @@
                 <a:ea typeface="Microsoft JhengHei UI" panose="020B0604030504040204" pitchFamily="34" charset="-120"/>
                 <a:cs typeface="+mn-cs"/>
               </a:rPr>
-              <a:t>的頻帶下緣的第一個</a:t>
+              <a:t>因此</a:t>
             </a:r>
             <a:r>
               <a:rPr lang="en-US" altLang="zh-TW" sz="1200" b="0" i="0" kern="1200" dirty="0">
@@ -2578,7 +2966,7 @@
                 <a:ea typeface="Microsoft JhengHei UI" panose="020B0604030504040204" pitchFamily="34" charset="-120"/>
                 <a:cs typeface="+mn-cs"/>
               </a:rPr>
-              <a:t>subcarrier</a:t>
+              <a:t>Tone#0 </a:t>
             </a:r>
             <a:r>
               <a:rPr lang="zh-TW" altLang="en-US" sz="1200" b="0" i="0" kern="1200" dirty="0">
@@ -2590,10 +2978,8 @@
                 <a:ea typeface="Microsoft JhengHei UI" panose="020B0604030504040204" pitchFamily="34" charset="-120"/>
                 <a:cs typeface="+mn-cs"/>
               </a:rPr>
-              <a:t>。</a:t>
-            </a:r>
-          </a:p>
-          <a:p>
+              <a:t>是當前</a:t>
+            </a:r>
             <a:r>
               <a:rPr lang="en-US" altLang="zh-TW" sz="1200" b="0" i="0" kern="1200" dirty="0">
                 <a:solidFill>
@@ -2604,7 +2990,7 @@
                 <a:ea typeface="Microsoft JhengHei UI" panose="020B0604030504040204" pitchFamily="34" charset="-120"/>
                 <a:cs typeface="+mn-cs"/>
               </a:rPr>
-              <a:t>RB#(NRB/2NRB/2)</a:t>
+              <a:t>RB</a:t>
             </a:r>
             <a:r>
               <a:rPr lang="zh-TW" altLang="en-US" sz="1200" b="0" i="0" kern="1200" dirty="0">
@@ -2616,7 +3002,7 @@
                 <a:ea typeface="Microsoft JhengHei UI" panose="020B0604030504040204" pitchFamily="34" charset="-120"/>
                 <a:cs typeface="+mn-cs"/>
               </a:rPr>
-              <a:t>為</a:t>
+              <a:t>裡的第一個</a:t>
             </a:r>
             <a:r>
               <a:rPr lang="en-US" altLang="zh-TW" sz="1200" b="0" i="0" kern="1200" dirty="0">
@@ -2628,8 +3014,10 @@
                 <a:ea typeface="Microsoft JhengHei UI" panose="020B0604030504040204" pitchFamily="34" charset="-120"/>
                 <a:cs typeface="+mn-cs"/>
               </a:rPr>
-              <a:t>NR RF</a:t>
-            </a:r>
+              <a:t>tone</a:t>
+            </a:r>
+          </a:p>
+          <a:p>
             <a:r>
               <a:rPr lang="zh-TW" altLang="en-US" sz="1200" b="0" i="0" kern="1200" dirty="0">
                 <a:solidFill>
@@ -2640,11 +3028,8 @@
                 <a:ea typeface="Microsoft JhengHei UI" panose="020B0604030504040204" pitchFamily="34" charset="-120"/>
                 <a:cs typeface="+mn-cs"/>
               </a:rPr>
-              <a:t>的頻帶上緣</a:t>
-            </a:r>
-          </a:p>
-          <a:p>
-            <a:pPr lvl="1"/>
+              <a:t>若 </a:t>
+            </a:r>
             <a:r>
               <a:rPr lang="en-US" altLang="zh-TW" sz="1200" b="0" i="0" kern="1200" dirty="0">
                 <a:solidFill>
@@ -2655,7 +3040,7 @@
                 <a:ea typeface="Microsoft JhengHei UI" panose="020B0604030504040204" pitchFamily="34" charset="-120"/>
                 <a:cs typeface="+mn-cs"/>
               </a:rPr>
-              <a:t>Subcarrier#(NRB/2∗12−1NRB/2∗12−1)</a:t>
+              <a:t>NRB</a:t>
             </a:r>
             <a:r>
               <a:rPr lang="zh-TW" altLang="en-US" sz="1200" b="0" i="0" kern="1200" dirty="0">
@@ -2667,7 +3052,7 @@
                 <a:ea typeface="Microsoft JhengHei UI" panose="020B0604030504040204" pitchFamily="34" charset="-120"/>
                 <a:cs typeface="+mn-cs"/>
               </a:rPr>
-              <a:t>是</a:t>
+              <a:t>是某個</a:t>
             </a:r>
             <a:r>
               <a:rPr lang="en-US" altLang="zh-TW" sz="1200" b="0" i="0" kern="1200" dirty="0">
@@ -2679,7 +3064,7 @@
                 <a:ea typeface="Microsoft JhengHei UI" panose="020B0604030504040204" pitchFamily="34" charset="-120"/>
                 <a:cs typeface="+mn-cs"/>
               </a:rPr>
-              <a:t>NR RF</a:t>
+              <a:t>NR</a:t>
             </a:r>
             <a:r>
               <a:rPr lang="zh-TW" altLang="en-US" sz="1200" b="0" i="0" kern="1200" dirty="0">
@@ -2691,7 +3076,7 @@
                 <a:ea typeface="Microsoft JhengHei UI" panose="020B0604030504040204" pitchFamily="34" charset="-120"/>
                 <a:cs typeface="+mn-cs"/>
               </a:rPr>
-              <a:t>的頻帶上緣的最後一個</a:t>
+              <a:t>帶寬的</a:t>
             </a:r>
             <a:r>
               <a:rPr lang="en-US" altLang="zh-TW" sz="1200" b="0" i="0" kern="1200" dirty="0">
@@ -2703,7 +3088,7 @@
                 <a:ea typeface="Microsoft JhengHei UI" panose="020B0604030504040204" pitchFamily="34" charset="-120"/>
                 <a:cs typeface="+mn-cs"/>
               </a:rPr>
-              <a:t>subcarrier</a:t>
+              <a:t>RB</a:t>
             </a:r>
             <a:r>
               <a:rPr lang="zh-TW" altLang="en-US" sz="1200" b="0" i="0" kern="1200" dirty="0">
@@ -2715,8 +3100,146 @@
                 <a:ea typeface="Microsoft JhengHei UI" panose="020B0604030504040204" pitchFamily="34" charset="-120"/>
                 <a:cs typeface="+mn-cs"/>
               </a:rPr>
-              <a:t>。</a:t>
-            </a:r>
+              <a:t>數</a:t>
+            </a:r>
+            <a:r>
+              <a:rPr lang="en-US" altLang="zh-TW" sz="1200" b="0" i="0" kern="1200" dirty="0">
+                <a:solidFill>
+                  <a:schemeClr val="tx2"/>
+                </a:solidFill>
+                <a:effectLst/>
+                <a:latin typeface="Microsoft JhengHei UI" panose="020B0604030504040204" pitchFamily="34" charset="-120"/>
+                <a:ea typeface="Microsoft JhengHei UI" panose="020B0604030504040204" pitchFamily="34" charset="-120"/>
+                <a:cs typeface="+mn-cs"/>
+              </a:rPr>
+              <a:t>:</a:t>
+            </a:r>
+            <a:r>
+              <a:rPr lang="zh-TW" altLang="en-US" sz="1200" b="0" i="0" kern="1200" dirty="0">
+                <a:solidFill>
+                  <a:schemeClr val="tx2"/>
+                </a:solidFill>
+                <a:effectLst/>
+                <a:latin typeface="Microsoft JhengHei UI" panose="020B0604030504040204" pitchFamily="34" charset="-120"/>
+                <a:ea typeface="Microsoft JhengHei UI" panose="020B0604030504040204" pitchFamily="34" charset="-120"/>
+                <a:cs typeface="+mn-cs"/>
+              </a:rPr>
+              <a:t> </a:t>
+            </a:r>
+            <a:r>
+              <a:rPr lang="en-US" altLang="zh-TW" sz="1200" b="0" i="0" kern="1200" dirty="0">
+                <a:solidFill>
+                  <a:schemeClr val="tx2"/>
+                </a:solidFill>
+                <a:effectLst/>
+                <a:latin typeface="Microsoft JhengHei UI" panose="020B0604030504040204" pitchFamily="34" charset="-120"/>
+                <a:ea typeface="Microsoft JhengHei UI" panose="020B0604030504040204" pitchFamily="34" charset="-120"/>
+                <a:cs typeface="+mn-cs"/>
+              </a:rPr>
+              <a:t>RB#0</a:t>
+            </a:r>
+            <a:r>
+              <a:rPr lang="zh-TW" altLang="en-US" sz="1200" b="0" i="0" kern="1200" dirty="0">
+                <a:solidFill>
+                  <a:schemeClr val="tx2"/>
+                </a:solidFill>
+                <a:effectLst/>
+                <a:latin typeface="Microsoft JhengHei UI" panose="020B0604030504040204" pitchFamily="34" charset="-120"/>
+                <a:ea typeface="Microsoft JhengHei UI" panose="020B0604030504040204" pitchFamily="34" charset="-120"/>
+                <a:cs typeface="+mn-cs"/>
+              </a:rPr>
+              <a:t>決定了</a:t>
+            </a:r>
+            <a:r>
+              <a:rPr lang="en-US" altLang="zh-TW" sz="1200" b="0" i="0" kern="1200" dirty="0">
+                <a:solidFill>
+                  <a:schemeClr val="tx2"/>
+                </a:solidFill>
+                <a:effectLst/>
+                <a:latin typeface="Microsoft JhengHei UI" panose="020B0604030504040204" pitchFamily="34" charset="-120"/>
+                <a:ea typeface="Microsoft JhengHei UI" panose="020B0604030504040204" pitchFamily="34" charset="-120"/>
+                <a:cs typeface="+mn-cs"/>
+              </a:rPr>
+              <a:t>NR</a:t>
+            </a:r>
+            <a:r>
+              <a:rPr lang="zh-TW" altLang="en-US" sz="1200" b="0" i="0" kern="1200" dirty="0">
+                <a:solidFill>
+                  <a:schemeClr val="tx2"/>
+                </a:solidFill>
+                <a:effectLst/>
+                <a:latin typeface="Microsoft JhengHei UI" panose="020B0604030504040204" pitchFamily="34" charset="-120"/>
+                <a:ea typeface="Microsoft JhengHei UI" panose="020B0604030504040204" pitchFamily="34" charset="-120"/>
+                <a:cs typeface="+mn-cs"/>
+              </a:rPr>
+              <a:t> </a:t>
+            </a:r>
+            <a:r>
+              <a:rPr lang="en-US" altLang="zh-TW" sz="1200" b="0" i="0" kern="1200" dirty="0">
+                <a:solidFill>
+                  <a:schemeClr val="tx2"/>
+                </a:solidFill>
+                <a:effectLst/>
+                <a:latin typeface="Microsoft JhengHei UI" panose="020B0604030504040204" pitchFamily="34" charset="-120"/>
+                <a:ea typeface="Microsoft JhengHei UI" panose="020B0604030504040204" pitchFamily="34" charset="-120"/>
+                <a:cs typeface="+mn-cs"/>
+              </a:rPr>
+              <a:t>RF</a:t>
+            </a:r>
+            <a:r>
+              <a:rPr lang="zh-TW" altLang="en-US" sz="1200" b="0" i="0" kern="1200" dirty="0">
+                <a:solidFill>
+                  <a:schemeClr val="tx2"/>
+                </a:solidFill>
+                <a:effectLst/>
+                <a:latin typeface="Microsoft JhengHei UI" panose="020B0604030504040204" pitchFamily="34" charset="-120"/>
+                <a:ea typeface="Microsoft JhengHei UI" panose="020B0604030504040204" pitchFamily="34" charset="-120"/>
+                <a:cs typeface="+mn-cs"/>
+              </a:rPr>
+              <a:t>的基準頻率</a:t>
+            </a:r>
+            <a:endParaRPr lang="en-US" altLang="zh-TW" sz="1200" b="0" i="0" kern="1200" dirty="0">
+              <a:solidFill>
+                <a:schemeClr val="tx2"/>
+              </a:solidFill>
+              <a:effectLst/>
+              <a:latin typeface="Microsoft JhengHei UI" panose="020B0604030504040204" pitchFamily="34" charset="-120"/>
+              <a:ea typeface="Microsoft JhengHei UI" panose="020B0604030504040204" pitchFamily="34" charset="-120"/>
+              <a:cs typeface="+mn-cs"/>
+            </a:endParaRPr>
+          </a:p>
+          <a:p>
+            <a:endParaRPr lang="en-US" altLang="zh-TW" sz="1200" b="0" i="0" kern="1200" dirty="0">
+              <a:solidFill>
+                <a:schemeClr val="tx2"/>
+              </a:solidFill>
+              <a:effectLst/>
+              <a:latin typeface="Microsoft JhengHei UI" panose="020B0604030504040204" pitchFamily="34" charset="-120"/>
+              <a:ea typeface="Microsoft JhengHei UI" panose="020B0604030504040204" pitchFamily="34" charset="-120"/>
+              <a:cs typeface="+mn-cs"/>
+            </a:endParaRPr>
+          </a:p>
+          <a:p>
+            <a:endParaRPr lang="en-US" altLang="zh-TW" sz="1200" b="0" i="0" kern="1200" dirty="0">
+              <a:solidFill>
+                <a:schemeClr val="tx2"/>
+              </a:solidFill>
+              <a:effectLst/>
+              <a:latin typeface="Microsoft JhengHei UI" panose="020B0604030504040204" pitchFamily="34" charset="-120"/>
+              <a:ea typeface="Microsoft JhengHei UI" panose="020B0604030504040204" pitchFamily="34" charset="-120"/>
+              <a:cs typeface="+mn-cs"/>
+            </a:endParaRPr>
+          </a:p>
+          <a:p>
+            <a:endParaRPr lang="en-US" altLang="zh-TW" sz="1200" b="0" i="0" kern="1200" dirty="0">
+              <a:solidFill>
+                <a:schemeClr val="tx2"/>
+              </a:solidFill>
+              <a:effectLst/>
+              <a:latin typeface="Microsoft JhengHei UI" panose="020B0604030504040204" pitchFamily="34" charset="-120"/>
+              <a:ea typeface="Microsoft JhengHei UI" panose="020B0604030504040204" pitchFamily="34" charset="-120"/>
+              <a:cs typeface="+mn-cs"/>
+            </a:endParaRPr>
           </a:p>
           <a:p>
             <a:endParaRPr lang="zh-TW" altLang="en-US" dirty="0"/>
@@ -2730,7 +3253,7 @@
             <a:spLocks noGrp="1"/>
           </p:cNvSpPr>
           <p:nvPr>
-            <p:ph type="sldNum" sz="quarter" idx="5"/>
+            <p:ph type="sldNum" sz="quarter" idx="10"/>
           </p:nvPr>
         </p:nvSpPr>
         <p:spPr/>
@@ -2750,7 +3273,7 @@
     </p:spTree>
     <p:extLst>
       <p:ext uri="{BB962C8B-B14F-4D97-AF65-F5344CB8AC3E}">
-        <p14:creationId xmlns:p14="http://schemas.microsoft.com/office/powerpoint/2010/main" val="595743005"/>
+        <p14:creationId xmlns:p14="http://schemas.microsoft.com/office/powerpoint/2010/main" val="3498101492"/>
       </p:ext>
     </p:extLst>
   </p:cSld>
@@ -2826,7 +3349,7 @@
                 <a:ea typeface="Microsoft JhengHei UI" panose="020B0604030504040204" pitchFamily="34" charset="-120"/>
                 <a:cs typeface="+mn-cs"/>
               </a:rPr>
-              <a:t>5.2.1.3-2</a:t>
+              <a:t>5.2.1.3-1</a:t>
             </a:r>
             <a:r>
               <a:rPr lang="zh-TW" altLang="en-US" sz="1200" b="0" i="0" kern="1200" dirty="0">
@@ -2862,7 +3385,7 @@
                 <a:ea typeface="Microsoft JhengHei UI" panose="020B0604030504040204" pitchFamily="34" charset="-120"/>
                 <a:cs typeface="+mn-cs"/>
               </a:rPr>
-              <a:t>為奇數</a:t>
+              <a:t>為偶數</a:t>
             </a:r>
             <a:r>
               <a:rPr lang="en-US" altLang="zh-TW" sz="1200" b="0" i="0" kern="1200" dirty="0">
@@ -2874,7 +3397,7 @@
                 <a:ea typeface="Microsoft JhengHei UI" panose="020B0604030504040204" pitchFamily="34" charset="-120"/>
                 <a:cs typeface="+mn-cs"/>
               </a:rPr>
-              <a:t>:RB#(−(NRB−1)/2−(NRB−1)/2)</a:t>
+              <a:t>:RB#(−NRB/2−NRB/2)</a:t>
             </a:r>
             <a:r>
               <a:rPr lang="zh-TW" altLang="en-US" sz="1200" b="0" i="0" kern="1200" dirty="0">
@@ -2925,7 +3448,7 @@
                 <a:ea typeface="Microsoft JhengHei UI" panose="020B0604030504040204" pitchFamily="34" charset="-120"/>
                 <a:cs typeface="+mn-cs"/>
               </a:rPr>
-              <a:t>Subcarrier#(−(NRB−1)/2∗12−(NRB−1)/2∗12)</a:t>
+              <a:t>Subcarrier#(−NRB/2∗12−NRB/2∗12)</a:t>
             </a:r>
             <a:r>
               <a:rPr lang="zh-TW" altLang="en-US" sz="1200" b="0" i="0" kern="1200" dirty="0">
@@ -2999,7 +3522,7 @@
                 <a:ea typeface="Microsoft JhengHei UI" panose="020B0604030504040204" pitchFamily="34" charset="-120"/>
                 <a:cs typeface="+mn-cs"/>
               </a:rPr>
-              <a:t>RB#((NRB−1)/2(NRB−1)/2)</a:t>
+              <a:t>RB#(NRB/2NRB/2)</a:t>
             </a:r>
             <a:r>
               <a:rPr lang="zh-TW" altLang="en-US" sz="1200" b="0" i="0" kern="1200" dirty="0">
@@ -3050,7 +3573,7 @@
                 <a:ea typeface="Microsoft JhengHei UI" panose="020B0604030504040204" pitchFamily="34" charset="-120"/>
                 <a:cs typeface="+mn-cs"/>
               </a:rPr>
-              <a:t>Subcarrier#((NRB+1)/2∗12−1(NRB+1)/2∗12−1)</a:t>
+              <a:t>Subcarrier#(NRB/2∗12−1NRB/2∗12−1)</a:t>
             </a:r>
             <a:r>
               <a:rPr lang="zh-TW" altLang="en-US" sz="1200" b="0" i="0" kern="1200" dirty="0">
@@ -3145,7 +3668,7 @@
     </p:spTree>
     <p:extLst>
       <p:ext uri="{BB962C8B-B14F-4D97-AF65-F5344CB8AC3E}">
-        <p14:creationId xmlns:p14="http://schemas.microsoft.com/office/powerpoint/2010/main" val="486262683"/>
+        <p14:creationId xmlns:p14="http://schemas.microsoft.com/office/powerpoint/2010/main" val="595743005"/>
       </p:ext>
     </p:extLst>
   </p:cSld>
@@ -3200,65 +3723,316 @@
           <a:lstStyle/>
           <a:p>
             <a:r>
-              <a:rPr lang="zh-TW" altLang="en-US" dirty="0"/>
-              <a:t>這邊舉一個例子當</a:t>
-            </a:r>
-            <a:r>
-              <a:rPr lang="en-US" altLang="zh-TW" dirty="0"/>
-              <a:t>NB</a:t>
-            </a:r>
-            <a:r>
-              <a:rPr lang="zh-TW" altLang="en-US" dirty="0"/>
-              <a:t>數量為</a:t>
-            </a:r>
-            <a:r>
-              <a:rPr lang="en-US" altLang="zh-TW" dirty="0"/>
-              <a:t>20</a:t>
-            </a:r>
-            <a:r>
-              <a:rPr lang="zh-TW" altLang="en-US" dirty="0"/>
-              <a:t>的時候  我們可以算出它的</a:t>
-            </a:r>
-            <a:r>
-              <a:rPr lang="en-US" altLang="zh-TW" dirty="0"/>
-              <a:t>lower edge </a:t>
-            </a:r>
-            <a:r>
-              <a:rPr lang="zh-TW" altLang="en-US" dirty="0"/>
-              <a:t>與</a:t>
-            </a:r>
-            <a:r>
-              <a:rPr lang="en-US" altLang="zh-TW" dirty="0"/>
-              <a:t>upper edge</a:t>
-            </a:r>
-            <a:r>
-              <a:rPr lang="zh-TW" altLang="en-US" dirty="0"/>
-              <a:t> 以及該</a:t>
-            </a:r>
-            <a:r>
-              <a:rPr lang="en-US" altLang="zh-TW" dirty="0"/>
-              <a:t>edge RB</a:t>
-            </a:r>
-            <a:r>
-              <a:rPr lang="zh-TW" altLang="en-US" dirty="0"/>
-              <a:t>的第一個</a:t>
-            </a:r>
-            <a:r>
-              <a:rPr lang="en-US" altLang="zh-TW" dirty="0"/>
+              <a:rPr lang="zh-TW" altLang="en-US" sz="1200" b="0" i="0" kern="1200" dirty="0">
+                <a:solidFill>
+                  <a:schemeClr val="tx2"/>
+                </a:solidFill>
+                <a:effectLst/>
+                <a:latin typeface="Microsoft JhengHei UI" panose="020B0604030504040204" pitchFamily="34" charset="-120"/>
+                <a:ea typeface="Microsoft JhengHei UI" panose="020B0604030504040204" pitchFamily="34" charset="-120"/>
+                <a:cs typeface="+mn-cs"/>
+              </a:rPr>
+              <a:t>如圖</a:t>
+            </a:r>
+            <a:r>
+              <a:rPr lang="en-US" altLang="zh-TW" sz="1200" b="0" i="0" kern="1200" dirty="0">
+                <a:solidFill>
+                  <a:schemeClr val="tx2"/>
+                </a:solidFill>
+                <a:effectLst/>
+                <a:latin typeface="Microsoft JhengHei UI" panose="020B0604030504040204" pitchFamily="34" charset="-120"/>
+                <a:ea typeface="Microsoft JhengHei UI" panose="020B0604030504040204" pitchFamily="34" charset="-120"/>
+                <a:cs typeface="+mn-cs"/>
+              </a:rPr>
+              <a:t>5.2.1.3-2</a:t>
+            </a:r>
+            <a:r>
+              <a:rPr lang="zh-TW" altLang="en-US" sz="1200" b="0" i="0" kern="1200" dirty="0">
+                <a:solidFill>
+                  <a:schemeClr val="tx2"/>
+                </a:solidFill>
+                <a:effectLst/>
+                <a:latin typeface="Microsoft JhengHei UI" panose="020B0604030504040204" pitchFamily="34" charset="-120"/>
+                <a:ea typeface="Microsoft JhengHei UI" panose="020B0604030504040204" pitchFamily="34" charset="-120"/>
+                <a:cs typeface="+mn-cs"/>
+              </a:rPr>
+              <a:t>所示，若</a:t>
+            </a:r>
+            <a:r>
+              <a:rPr lang="en-US" altLang="zh-TW" sz="1200" b="0" i="0" kern="1200" dirty="0">
+                <a:solidFill>
+                  <a:schemeClr val="tx2"/>
+                </a:solidFill>
+                <a:effectLst/>
+                <a:latin typeface="Microsoft JhengHei UI" panose="020B0604030504040204" pitchFamily="34" charset="-120"/>
+                <a:ea typeface="Microsoft JhengHei UI" panose="020B0604030504040204" pitchFamily="34" charset="-120"/>
+                <a:cs typeface="+mn-cs"/>
+              </a:rPr>
+              <a:t>NRBNRB</a:t>
+            </a:r>
+            <a:r>
+              <a:rPr lang="zh-TW" altLang="en-US" sz="1200" b="0" i="0" kern="1200" dirty="0">
+                <a:solidFill>
+                  <a:schemeClr val="tx2"/>
+                </a:solidFill>
+                <a:effectLst/>
+                <a:latin typeface="Microsoft JhengHei UI" panose="020B0604030504040204" pitchFamily="34" charset="-120"/>
+                <a:ea typeface="Microsoft JhengHei UI" panose="020B0604030504040204" pitchFamily="34" charset="-120"/>
+                <a:cs typeface="+mn-cs"/>
+              </a:rPr>
+              <a:t>為奇數</a:t>
+            </a:r>
+            <a:r>
+              <a:rPr lang="en-US" altLang="zh-TW" sz="1200" b="0" i="0" kern="1200" dirty="0">
+                <a:solidFill>
+                  <a:schemeClr val="tx2"/>
+                </a:solidFill>
+                <a:effectLst/>
+                <a:latin typeface="Microsoft JhengHei UI" panose="020B0604030504040204" pitchFamily="34" charset="-120"/>
+                <a:ea typeface="Microsoft JhengHei UI" panose="020B0604030504040204" pitchFamily="34" charset="-120"/>
+                <a:cs typeface="+mn-cs"/>
+              </a:rPr>
+              <a:t>:RB#(−(NRB−1)/2−(NRB−1)/2)</a:t>
+            </a:r>
+            <a:r>
+              <a:rPr lang="zh-TW" altLang="en-US" sz="1200" b="0" i="0" kern="1200" dirty="0">
+                <a:solidFill>
+                  <a:schemeClr val="tx2"/>
+                </a:solidFill>
+                <a:effectLst/>
+                <a:latin typeface="Microsoft JhengHei UI" panose="020B0604030504040204" pitchFamily="34" charset="-120"/>
+                <a:ea typeface="Microsoft JhengHei UI" panose="020B0604030504040204" pitchFamily="34" charset="-120"/>
+                <a:cs typeface="+mn-cs"/>
+              </a:rPr>
+              <a:t>為</a:t>
+            </a:r>
+            <a:r>
+              <a:rPr lang="en-US" altLang="zh-TW" sz="1200" b="0" i="0" kern="1200" dirty="0">
+                <a:solidFill>
+                  <a:schemeClr val="tx2"/>
+                </a:solidFill>
+                <a:effectLst/>
+                <a:latin typeface="Microsoft JhengHei UI" panose="020B0604030504040204" pitchFamily="34" charset="-120"/>
+                <a:ea typeface="Microsoft JhengHei UI" panose="020B0604030504040204" pitchFamily="34" charset="-120"/>
+                <a:cs typeface="+mn-cs"/>
+              </a:rPr>
+              <a:t>NR RF</a:t>
+            </a:r>
+            <a:r>
+              <a:rPr lang="zh-TW" altLang="en-US" sz="1200" b="0" i="0" kern="1200" dirty="0">
+                <a:solidFill>
+                  <a:schemeClr val="tx2"/>
+                </a:solidFill>
+                <a:effectLst/>
+                <a:latin typeface="Microsoft JhengHei UI" panose="020B0604030504040204" pitchFamily="34" charset="-120"/>
+                <a:ea typeface="Microsoft JhengHei UI" panose="020B0604030504040204" pitchFamily="34" charset="-120"/>
+                <a:cs typeface="+mn-cs"/>
+              </a:rPr>
+              <a:t>的頻帶下緣</a:t>
+            </a:r>
+          </a:p>
+          <a:p>
+            <a:pPr lvl="1"/>
+            <a:r>
+              <a:rPr lang="en-US" altLang="zh-TW" sz="1200" b="0" i="0" kern="1200" dirty="0">
+                <a:solidFill>
+                  <a:schemeClr val="tx2"/>
+                </a:solidFill>
+                <a:effectLst/>
+                <a:latin typeface="Microsoft JhengHei UI" panose="020B0604030504040204" pitchFamily="34" charset="-120"/>
+                <a:ea typeface="Microsoft JhengHei UI" panose="020B0604030504040204" pitchFamily="34" charset="-120"/>
+                <a:cs typeface="+mn-cs"/>
+              </a:rPr>
+              <a:t>Subcarrier#(−(NRB−1)/2∗12−(NRB−1)/2∗12)</a:t>
+            </a:r>
+            <a:r>
+              <a:rPr lang="zh-TW" altLang="en-US" sz="1200" b="0" i="0" kern="1200" dirty="0">
+                <a:solidFill>
+                  <a:schemeClr val="tx2"/>
+                </a:solidFill>
+                <a:effectLst/>
+                <a:latin typeface="Microsoft JhengHei UI" panose="020B0604030504040204" pitchFamily="34" charset="-120"/>
+                <a:ea typeface="Microsoft JhengHei UI" panose="020B0604030504040204" pitchFamily="34" charset="-120"/>
+                <a:cs typeface="+mn-cs"/>
+              </a:rPr>
+              <a:t>是</a:t>
+            </a:r>
+            <a:r>
+              <a:rPr lang="en-US" altLang="zh-TW" sz="1200" b="0" i="0" kern="1200" dirty="0">
+                <a:solidFill>
+                  <a:schemeClr val="tx2"/>
+                </a:solidFill>
+                <a:effectLst/>
+                <a:latin typeface="Microsoft JhengHei UI" panose="020B0604030504040204" pitchFamily="34" charset="-120"/>
+                <a:ea typeface="Microsoft JhengHei UI" panose="020B0604030504040204" pitchFamily="34" charset="-120"/>
+                <a:cs typeface="+mn-cs"/>
+              </a:rPr>
+              <a:t>NR RF</a:t>
+            </a:r>
+            <a:r>
+              <a:rPr lang="zh-TW" altLang="en-US" sz="1200" b="0" i="0" kern="1200" dirty="0">
+                <a:solidFill>
+                  <a:schemeClr val="tx2"/>
+                </a:solidFill>
+                <a:effectLst/>
+                <a:latin typeface="Microsoft JhengHei UI" panose="020B0604030504040204" pitchFamily="34" charset="-120"/>
+                <a:ea typeface="Microsoft JhengHei UI" panose="020B0604030504040204" pitchFamily="34" charset="-120"/>
+                <a:cs typeface="+mn-cs"/>
+              </a:rPr>
+              <a:t>的頻帶下緣的第一個</a:t>
+            </a:r>
+            <a:r>
+              <a:rPr lang="en-US" altLang="zh-TW" sz="1200" b="0" i="0" kern="1200" dirty="0">
+                <a:solidFill>
+                  <a:schemeClr val="tx2"/>
+                </a:solidFill>
+                <a:effectLst/>
+                <a:latin typeface="Microsoft JhengHei UI" panose="020B0604030504040204" pitchFamily="34" charset="-120"/>
+                <a:ea typeface="Microsoft JhengHei UI" panose="020B0604030504040204" pitchFamily="34" charset="-120"/>
+                <a:cs typeface="+mn-cs"/>
+              </a:rPr>
               <a:t>subcarrier</a:t>
             </a:r>
             <a:r>
-              <a:rPr lang="zh-TW" altLang="en-US" dirty="0"/>
-              <a:t>，與最後一個</a:t>
-            </a:r>
-            <a:r>
-              <a:rPr lang="en-US" altLang="zh-TW" dirty="0"/>
+              <a:rPr lang="zh-TW" altLang="en-US" sz="1200" b="0" i="0" kern="1200" dirty="0">
+                <a:solidFill>
+                  <a:schemeClr val="tx2"/>
+                </a:solidFill>
+                <a:effectLst/>
+                <a:latin typeface="Microsoft JhengHei UI" panose="020B0604030504040204" pitchFamily="34" charset="-120"/>
+                <a:ea typeface="Microsoft JhengHei UI" panose="020B0604030504040204" pitchFamily="34" charset="-120"/>
+                <a:cs typeface="+mn-cs"/>
+              </a:rPr>
+              <a:t>。</a:t>
+            </a:r>
+          </a:p>
+          <a:p>
+            <a:r>
+              <a:rPr lang="en-US" altLang="zh-TW" sz="1200" b="0" i="0" kern="1200" dirty="0">
+                <a:solidFill>
+                  <a:schemeClr val="tx2"/>
+                </a:solidFill>
+                <a:effectLst/>
+                <a:latin typeface="Microsoft JhengHei UI" panose="020B0604030504040204" pitchFamily="34" charset="-120"/>
+                <a:ea typeface="Microsoft JhengHei UI" panose="020B0604030504040204" pitchFamily="34" charset="-120"/>
+                <a:cs typeface="+mn-cs"/>
+              </a:rPr>
+              <a:t>RB#((NRB−1)/2(NRB−1)/2)</a:t>
+            </a:r>
+            <a:r>
+              <a:rPr lang="zh-TW" altLang="en-US" sz="1200" b="0" i="0" kern="1200" dirty="0">
+                <a:solidFill>
+                  <a:schemeClr val="tx2"/>
+                </a:solidFill>
+                <a:effectLst/>
+                <a:latin typeface="Microsoft JhengHei UI" panose="020B0604030504040204" pitchFamily="34" charset="-120"/>
+                <a:ea typeface="Microsoft JhengHei UI" panose="020B0604030504040204" pitchFamily="34" charset="-120"/>
+                <a:cs typeface="+mn-cs"/>
+              </a:rPr>
+              <a:t>為</a:t>
+            </a:r>
+            <a:r>
+              <a:rPr lang="en-US" altLang="zh-TW" sz="1200" b="0" i="0" kern="1200" dirty="0">
+                <a:solidFill>
+                  <a:schemeClr val="tx2"/>
+                </a:solidFill>
+                <a:effectLst/>
+                <a:latin typeface="Microsoft JhengHei UI" panose="020B0604030504040204" pitchFamily="34" charset="-120"/>
+                <a:ea typeface="Microsoft JhengHei UI" panose="020B0604030504040204" pitchFamily="34" charset="-120"/>
+                <a:cs typeface="+mn-cs"/>
+              </a:rPr>
+              <a:t>NR RF</a:t>
+            </a:r>
+            <a:r>
+              <a:rPr lang="zh-TW" altLang="en-US" sz="1200" b="0" i="0" kern="1200" dirty="0">
+                <a:solidFill>
+                  <a:schemeClr val="tx2"/>
+                </a:solidFill>
+                <a:effectLst/>
+                <a:latin typeface="Microsoft JhengHei UI" panose="020B0604030504040204" pitchFamily="34" charset="-120"/>
+                <a:ea typeface="Microsoft JhengHei UI" panose="020B0604030504040204" pitchFamily="34" charset="-120"/>
+                <a:cs typeface="+mn-cs"/>
+              </a:rPr>
+              <a:t>的頻帶上緣</a:t>
+            </a:r>
+          </a:p>
+          <a:p>
+            <a:pPr lvl="1"/>
+            <a:r>
+              <a:rPr lang="en-US" altLang="zh-TW" sz="1200" b="0" i="0" kern="1200" dirty="0">
+                <a:solidFill>
+                  <a:schemeClr val="tx2"/>
+                </a:solidFill>
+                <a:effectLst/>
+                <a:latin typeface="Microsoft JhengHei UI" panose="020B0604030504040204" pitchFamily="34" charset="-120"/>
+                <a:ea typeface="Microsoft JhengHei UI" panose="020B0604030504040204" pitchFamily="34" charset="-120"/>
+                <a:cs typeface="+mn-cs"/>
+              </a:rPr>
+              <a:t>Subcarrier#((NRB+1)/2∗12−1(NRB+1)/2∗12−1)</a:t>
+            </a:r>
+            <a:r>
+              <a:rPr lang="zh-TW" altLang="en-US" sz="1200" b="0" i="0" kern="1200" dirty="0">
+                <a:solidFill>
+                  <a:schemeClr val="tx2"/>
+                </a:solidFill>
+                <a:effectLst/>
+                <a:latin typeface="Microsoft JhengHei UI" panose="020B0604030504040204" pitchFamily="34" charset="-120"/>
+                <a:ea typeface="Microsoft JhengHei UI" panose="020B0604030504040204" pitchFamily="34" charset="-120"/>
+                <a:cs typeface="+mn-cs"/>
+              </a:rPr>
+              <a:t>是</a:t>
+            </a:r>
+            <a:r>
+              <a:rPr lang="en-US" altLang="zh-TW" sz="1200" b="0" i="0" kern="1200" dirty="0">
+                <a:solidFill>
+                  <a:schemeClr val="tx2"/>
+                </a:solidFill>
+                <a:effectLst/>
+                <a:latin typeface="Microsoft JhengHei UI" panose="020B0604030504040204" pitchFamily="34" charset="-120"/>
+                <a:ea typeface="Microsoft JhengHei UI" panose="020B0604030504040204" pitchFamily="34" charset="-120"/>
+                <a:cs typeface="+mn-cs"/>
+              </a:rPr>
+              <a:t>NR RF</a:t>
+            </a:r>
+            <a:r>
+              <a:rPr lang="zh-TW" altLang="en-US" sz="1200" b="0" i="0" kern="1200" dirty="0">
+                <a:solidFill>
+                  <a:schemeClr val="tx2"/>
+                </a:solidFill>
+                <a:effectLst/>
+                <a:latin typeface="Microsoft JhengHei UI" panose="020B0604030504040204" pitchFamily="34" charset="-120"/>
+                <a:ea typeface="Microsoft JhengHei UI" panose="020B0604030504040204" pitchFamily="34" charset="-120"/>
+                <a:cs typeface="+mn-cs"/>
+              </a:rPr>
+              <a:t>的頻帶上緣的最後一個</a:t>
+            </a:r>
+            <a:r>
+              <a:rPr lang="en-US" altLang="zh-TW" sz="1200" b="0" i="0" kern="1200" dirty="0">
+                <a:solidFill>
+                  <a:schemeClr val="tx2"/>
+                </a:solidFill>
+                <a:effectLst/>
+                <a:latin typeface="Microsoft JhengHei UI" panose="020B0604030504040204" pitchFamily="34" charset="-120"/>
+                <a:ea typeface="Microsoft JhengHei UI" panose="020B0604030504040204" pitchFamily="34" charset="-120"/>
+                <a:cs typeface="+mn-cs"/>
+              </a:rPr>
               <a:t>subcarrier</a:t>
             </a:r>
             <a:r>
-              <a:rPr lang="zh-TW" altLang="en-US" dirty="0"/>
+              <a:rPr lang="zh-TW" altLang="en-US" sz="1200" b="0" i="0" kern="1200" dirty="0">
+                <a:solidFill>
+                  <a:schemeClr val="tx2"/>
+                </a:solidFill>
+                <a:effectLst/>
+                <a:latin typeface="Microsoft JhengHei UI" panose="020B0604030504040204" pitchFamily="34" charset="-120"/>
+                <a:ea typeface="Microsoft JhengHei UI" panose="020B0604030504040204" pitchFamily="34" charset="-120"/>
+                <a:cs typeface="+mn-cs"/>
+              </a:rPr>
               <a:t>。</a:t>
             </a:r>
+          </a:p>
+          <a:p>
+            <a:endParaRPr lang="zh-TW" altLang="en-US" dirty="0"/>
           </a:p>
         </p:txBody>
       </p:sp>
@@ -3289,7 +4063,7 @@
     </p:spTree>
     <p:extLst>
       <p:ext uri="{BB962C8B-B14F-4D97-AF65-F5344CB8AC3E}">
-        <p14:creationId xmlns:p14="http://schemas.microsoft.com/office/powerpoint/2010/main" val="3337621243"/>
+        <p14:creationId xmlns:p14="http://schemas.microsoft.com/office/powerpoint/2010/main" val="486262683"/>
       </p:ext>
     </p:extLst>
   </p:cSld>
@@ -3344,133 +4118,65 @@
           <a:lstStyle/>
           <a:p>
             <a:r>
+              <a:rPr lang="zh-TW" altLang="en-US" dirty="0"/>
+              <a:t>這邊舉一個例子當</a:t>
+            </a:r>
+            <a:r>
               <a:rPr lang="en-US" altLang="zh-TW" dirty="0"/>
-              <a:t>NR </a:t>
+              <a:t>NB</a:t>
             </a:r>
             <a:r>
               <a:rPr lang="zh-TW" altLang="en-US" dirty="0"/>
-              <a:t>有兩種類型的</a:t>
+              <a:t>數量為</a:t>
             </a:r>
             <a:r>
               <a:rPr lang="en-US" altLang="zh-TW" dirty="0"/>
-              <a:t>channel raster:</a:t>
-            </a:r>
-          </a:p>
-          <a:p>
-            <a:pPr marL="514350" indent="-514350">
-              <a:buFont typeface="+mj-lt"/>
-              <a:buAutoNum type="arabicPeriod"/>
-            </a:pPr>
+              <a:t>20</a:t>
+            </a:r>
             <a:r>
               <a:rPr lang="zh-TW" altLang="en-US" dirty="0"/>
-              <a:t>基於</a:t>
+              <a:t>的時候  我們可以算出它的</a:t>
             </a:r>
             <a:r>
               <a:rPr lang="en-US" altLang="zh-TW" dirty="0"/>
-              <a:t>100kHz</a:t>
+              <a:t>lower edge </a:t>
             </a:r>
             <a:r>
               <a:rPr lang="zh-TW" altLang="en-US" dirty="0"/>
-              <a:t>的</a:t>
+              <a:t>與</a:t>
             </a:r>
             <a:r>
               <a:rPr lang="en-US" altLang="zh-TW" dirty="0"/>
-              <a:t>channel raster</a:t>
+              <a:t>upper edge</a:t>
             </a:r>
             <a:r>
               <a:rPr lang="zh-TW" altLang="en-US" dirty="0"/>
-              <a:t>，主要用在</a:t>
+              <a:t> 以及該</a:t>
             </a:r>
             <a:r>
               <a:rPr lang="en-US" altLang="zh-TW" dirty="0"/>
-              <a:t>LTE</a:t>
+              <a:t>edge RB</a:t>
             </a:r>
             <a:r>
               <a:rPr lang="zh-TW" altLang="en-US" dirty="0"/>
-              <a:t>重新劃分的</a:t>
+              <a:t>的第一個</a:t>
             </a:r>
             <a:r>
               <a:rPr lang="en-US" altLang="zh-TW" dirty="0"/>
-              <a:t>NR</a:t>
+              <a:t>subcarrier</a:t>
             </a:r>
             <a:r>
               <a:rPr lang="zh-TW" altLang="en-US" dirty="0"/>
-              <a:t>頻段。</a:t>
-            </a:r>
-            <a:endParaRPr lang="en-US" altLang="zh-TW" dirty="0"/>
-          </a:p>
-          <a:p>
-            <a:pPr marL="514350" indent="-514350">
-              <a:buFont typeface="+mj-lt"/>
-              <a:buAutoNum type="arabicPeriod"/>
-            </a:pPr>
+              <a:t>，與最後一個</a:t>
+            </a:r>
+            <a:r>
+              <a:rPr lang="en-US" altLang="zh-TW" dirty="0"/>
+              <a:t>subcarrier</a:t>
+            </a:r>
             <a:r>
               <a:rPr lang="zh-TW" altLang="en-US" dirty="0"/>
-              <a:t>基於</a:t>
-            </a:r>
-            <a:r>
-              <a:rPr lang="en-US" altLang="zh-TW" dirty="0"/>
-              <a:t>SCS</a:t>
-            </a:r>
-            <a:r>
-              <a:rPr lang="zh-TW" altLang="en-US" dirty="0"/>
-              <a:t>的</a:t>
-            </a:r>
-            <a:r>
-              <a:rPr lang="en-US" altLang="zh-TW" dirty="0"/>
-              <a:t>channel raster</a:t>
-            </a:r>
-            <a:r>
-              <a:rPr lang="zh-TW" altLang="en-US" dirty="0"/>
-              <a:t>，在</a:t>
-            </a:r>
-            <a:r>
-              <a:rPr lang="en-US" altLang="zh-TW" sz="1200" b="0" i="0" kern="1200" dirty="0">
-                <a:solidFill>
-                  <a:schemeClr val="tx2"/>
-                </a:solidFill>
-                <a:effectLst/>
-                <a:latin typeface="Microsoft JhengHei UI" panose="020B0604030504040204" pitchFamily="34" charset="-120"/>
-                <a:ea typeface="Microsoft JhengHei UI" panose="020B0604030504040204" pitchFamily="34" charset="-120"/>
-                <a:cs typeface="+mn-cs"/>
-              </a:rPr>
-              <a:t> frequency range 1</a:t>
-            </a:r>
-            <a:r>
-              <a:rPr lang="zh-TW" altLang="en-US" dirty="0"/>
-              <a:t>可為</a:t>
-            </a:r>
-            <a:r>
-              <a:rPr lang="en-US" altLang="zh-TW" dirty="0"/>
-              <a:t>15 or 30 kHz </a:t>
-            </a:r>
-            <a:endParaRPr lang="zh-TW" altLang="en-US" dirty="0"/>
-          </a:p>
-          <a:p>
-            <a:endParaRPr lang="en-US" altLang="zh-TW" sz="1200" b="0" i="0" kern="1200" dirty="0">
-              <a:solidFill>
-                <a:schemeClr val="tx2"/>
-              </a:solidFill>
-              <a:effectLst/>
-              <a:latin typeface="Microsoft JhengHei UI" panose="020B0604030504040204" pitchFamily="34" charset="-120"/>
-              <a:ea typeface="Microsoft JhengHei UI" panose="020B0604030504040204" pitchFamily="34" charset="-120"/>
-              <a:cs typeface="+mn-cs"/>
-            </a:endParaRPr>
-          </a:p>
-          <a:p>
-            <a:r>
-              <a:rPr lang="en-US" altLang="zh-TW" sz="1200" b="0" i="0" kern="1200" dirty="0">
-                <a:solidFill>
-                  <a:schemeClr val="tx2"/>
-                </a:solidFill>
-                <a:effectLst/>
-                <a:latin typeface="Microsoft JhengHei UI" panose="020B0604030504040204" pitchFamily="34" charset="-120"/>
-                <a:ea typeface="Microsoft JhengHei UI" panose="020B0604030504040204" pitchFamily="34" charset="-120"/>
-                <a:cs typeface="+mn-cs"/>
-              </a:rPr>
-              <a:t>FR1:  frequency range 1</a:t>
-            </a:r>
-            <a:endParaRPr lang="zh-TW" altLang="en-US" dirty="0"/>
+              <a:t>。</a:t>
+            </a:r>
           </a:p>
         </p:txBody>
       </p:sp>
@@ -3492,7 +4198,7 @@
             <a:fld id="{841221E5-7225-48EB-A4EE-420E7BFCF705}" type="slidenum">
               <a:rPr lang="en-US" altLang="zh-TW" smtClean="0"/>
               <a:pPr/>
-              <a:t>8</a:t>
+              <a:t>7</a:t>
             </a:fld>
             <a:endParaRPr lang="zh-TW" altLang="en-US" dirty="0"/>
           </a:p>
@@ -3501,7 +4207,7 @@
     </p:spTree>
     <p:extLst>
       <p:ext uri="{BB962C8B-B14F-4D97-AF65-F5344CB8AC3E}">
-        <p14:creationId xmlns:p14="http://schemas.microsoft.com/office/powerpoint/2010/main" val="2016683422"/>
+        <p14:creationId xmlns:p14="http://schemas.microsoft.com/office/powerpoint/2010/main" val="3337621243"/>
       </p:ext>
     </p:extLst>
   </p:cSld>
@@ -3556,16 +4262,85 @@
           <a:lstStyle/>
           <a:p>
             <a:r>
-              <a:rPr lang="zh-TW" altLang="en-US" sz="1200" b="0" i="0" kern="1200" dirty="0">
-                <a:solidFill>
-                  <a:schemeClr val="tx2"/>
-                </a:solidFill>
-                <a:effectLst/>
-                <a:latin typeface="Microsoft JhengHei UI" panose="020B0604030504040204" pitchFamily="34" charset="-120"/>
-                <a:ea typeface="Microsoft JhengHei UI" panose="020B0604030504040204" pitchFamily="34" charset="-120"/>
-                <a:cs typeface="+mn-cs"/>
-              </a:rPr>
-              <a:t>根據指定</a:t>
+              <a:rPr lang="en-US" altLang="zh-TW" dirty="0"/>
+              <a:t>NR </a:t>
+            </a:r>
+            <a:r>
+              <a:rPr lang="zh-TW" altLang="en-US" dirty="0"/>
+              <a:t>有兩種類型的</a:t>
+            </a:r>
+            <a:r>
+              <a:rPr lang="en-US" altLang="zh-TW" dirty="0"/>
+              <a:t>channel raster:</a:t>
+            </a:r>
+          </a:p>
+          <a:p>
+            <a:pPr marL="514350" indent="-514350">
+              <a:buFont typeface="+mj-lt"/>
+              <a:buAutoNum type="arabicPeriod"/>
+            </a:pPr>
+            <a:r>
+              <a:rPr lang="zh-TW" altLang="en-US" dirty="0"/>
+              <a:t>基於</a:t>
+            </a:r>
+            <a:r>
+              <a:rPr lang="en-US" altLang="zh-TW" dirty="0"/>
+              <a:t>100kHz</a:t>
+            </a:r>
+            <a:r>
+              <a:rPr lang="zh-TW" altLang="en-US" dirty="0"/>
+              <a:t>的</a:t>
+            </a:r>
+            <a:r>
+              <a:rPr lang="en-US" altLang="zh-TW" dirty="0"/>
+              <a:t>channel raster</a:t>
+            </a:r>
+            <a:r>
+              <a:rPr lang="zh-TW" altLang="en-US" dirty="0"/>
+              <a:t>，主要用在</a:t>
+            </a:r>
+            <a:r>
+              <a:rPr lang="en-US" altLang="zh-TW" dirty="0"/>
+              <a:t>LTE</a:t>
+            </a:r>
+            <a:r>
+              <a:rPr lang="zh-TW" altLang="en-US" dirty="0"/>
+              <a:t>重新劃分的</a:t>
+            </a:r>
+            <a:r>
+              <a:rPr lang="en-US" altLang="zh-TW" dirty="0"/>
+              <a:t>NR</a:t>
+            </a:r>
+            <a:r>
+              <a:rPr lang="zh-TW" altLang="en-US" dirty="0"/>
+              <a:t>頻段。</a:t>
+            </a:r>
+            <a:endParaRPr lang="en-US" altLang="zh-TW" dirty="0"/>
+          </a:p>
+          <a:p>
+            <a:pPr marL="514350" indent="-514350">
+              <a:buFont typeface="+mj-lt"/>
+              <a:buAutoNum type="arabicPeriod"/>
+            </a:pPr>
+            <a:r>
+              <a:rPr lang="zh-TW" altLang="en-US" dirty="0"/>
+              <a:t>基於</a:t>
+            </a:r>
+            <a:r>
+              <a:rPr lang="en-US" altLang="zh-TW" dirty="0"/>
+              <a:t>SCS</a:t>
+            </a:r>
+            <a:r>
+              <a:rPr lang="zh-TW" altLang="en-US" dirty="0"/>
+              <a:t>的</a:t>
+            </a:r>
+            <a:r>
+              <a:rPr lang="en-US" altLang="zh-TW" dirty="0"/>
+              <a:t>channel raster</a:t>
+            </a:r>
+            <a:r>
+              <a:rPr lang="zh-TW" altLang="en-US" dirty="0"/>
+              <a:t>，在</a:t>
             </a:r>
             <a:r>
               <a:rPr lang="en-US" altLang="zh-TW" sz="1200" b="0" i="0" kern="1200" dirty="0">
@@ -3577,68 +4352,19 @@
                 <a:ea typeface="Microsoft JhengHei UI" panose="020B0604030504040204" pitchFamily="34" charset="-120"/>
                 <a:cs typeface="+mn-cs"/>
               </a:rPr>
-              <a:t>RB</a:t>
-            </a:r>
-            <a:r>
-              <a:rPr lang="zh-TW" altLang="en-US" sz="1200" b="0" i="0" kern="1200" dirty="0">
-                <a:solidFill>
-                  <a:schemeClr val="tx2"/>
-                </a:solidFill>
-                <a:effectLst/>
-                <a:latin typeface="Microsoft JhengHei UI" panose="020B0604030504040204" pitchFamily="34" charset="-120"/>
-                <a:ea typeface="Microsoft JhengHei UI" panose="020B0604030504040204" pitchFamily="34" charset="-120"/>
-                <a:cs typeface="+mn-cs"/>
-              </a:rPr>
-              <a:t>（</a:t>
-            </a:r>
-            <a:r>
-              <a:rPr lang="en-US" altLang="zh-TW" sz="1200" b="0" i="0" kern="1200" dirty="0">
-                <a:solidFill>
-                  <a:schemeClr val="tx2"/>
-                </a:solidFill>
-                <a:effectLst/>
-                <a:latin typeface="Microsoft JhengHei UI" panose="020B0604030504040204" pitchFamily="34" charset="-120"/>
-                <a:ea typeface="Microsoft JhengHei UI" panose="020B0604030504040204" pitchFamily="34" charset="-120"/>
-                <a:cs typeface="+mn-cs"/>
-              </a:rPr>
-              <a:t>NRB</a:t>
-            </a:r>
-            <a:r>
-              <a:rPr lang="zh-TW" altLang="en-US" sz="1200" b="0" i="0" kern="1200" dirty="0">
-                <a:solidFill>
-                  <a:schemeClr val="tx2"/>
-                </a:solidFill>
-                <a:effectLst/>
-                <a:latin typeface="Microsoft JhengHei UI" panose="020B0604030504040204" pitchFamily="34" charset="-120"/>
-                <a:ea typeface="Microsoft JhengHei UI" panose="020B0604030504040204" pitchFamily="34" charset="-120"/>
-                <a:cs typeface="+mn-cs"/>
-              </a:rPr>
-              <a:t>）的數量來標識</a:t>
-            </a:r>
-            <a:r>
-              <a:rPr lang="en-US" altLang="zh-TW" sz="1200" b="0" i="0" kern="1200" dirty="0">
-                <a:solidFill>
-                  <a:schemeClr val="tx2"/>
-                </a:solidFill>
-                <a:effectLst/>
-                <a:latin typeface="Microsoft JhengHei UI" panose="020B0604030504040204" pitchFamily="34" charset="-120"/>
-                <a:ea typeface="Microsoft JhengHei UI" panose="020B0604030504040204" pitchFamily="34" charset="-120"/>
-                <a:cs typeface="+mn-cs"/>
-              </a:rPr>
-              <a:t>RF</a:t>
-            </a:r>
-            <a:r>
-              <a:rPr lang="zh-TW" altLang="en-US" sz="1200" b="0" i="0" kern="1200" dirty="0">
-                <a:solidFill>
-                  <a:schemeClr val="tx2"/>
-                </a:solidFill>
-                <a:effectLst/>
-                <a:latin typeface="Microsoft JhengHei UI" panose="020B0604030504040204" pitchFamily="34" charset="-120"/>
-                <a:ea typeface="Microsoft JhengHei UI" panose="020B0604030504040204" pitchFamily="34" charset="-120"/>
-                <a:cs typeface="+mn-cs"/>
-              </a:rPr>
-              <a:t>頻道位置：</a:t>
-            </a:r>
+              <a:t> frequency range 1</a:t>
+            </a:r>
+            <a:r>
+              <a:rPr lang="zh-TW" altLang="en-US" dirty="0"/>
+              <a:t>可為</a:t>
+            </a:r>
+            <a:r>
+              <a:rPr lang="en-US" altLang="zh-TW" dirty="0"/>
+              <a:t>15 or 30 kHz </a:t>
+            </a:r>
+            <a:endParaRPr lang="zh-TW" altLang="en-US" dirty="0"/>
+          </a:p>
+          <a:p>
             <a:endParaRPr lang="en-US" altLang="zh-TW" sz="1200" b="0" i="0" kern="1200" dirty="0">
               <a:solidFill>
                 <a:schemeClr val="tx2"/>
@@ -3651,18 +4377,6 @@
           </a:p>
           <a:p>
             <a:r>
-              <a:rPr lang="zh-TW" altLang="en-US" sz="1200" b="0" i="0" kern="1200" dirty="0">
-                <a:solidFill>
-                  <a:schemeClr val="tx2"/>
-                </a:solidFill>
-                <a:effectLst/>
-                <a:latin typeface="Microsoft JhengHei UI" panose="020B0604030504040204" pitchFamily="34" charset="-120"/>
-                <a:ea typeface="Microsoft JhengHei UI" panose="020B0604030504040204" pitchFamily="34" charset="-120"/>
-                <a:cs typeface="+mn-cs"/>
-              </a:rPr>
-              <a:t>若為偶數</a:t>
-            </a:r>
-            <a:r>
               <a:rPr lang="en-US" altLang="zh-TW" sz="1200" b="0" i="0" kern="1200" dirty="0">
                 <a:solidFill>
                   <a:schemeClr val="tx2"/>
@@ -3672,227 +4386,7 @@
                 <a:ea typeface="Microsoft JhengHei UI" panose="020B0604030504040204" pitchFamily="34" charset="-120"/>
                 <a:cs typeface="+mn-cs"/>
               </a:rPr>
-              <a:t>, </a:t>
-            </a:r>
-            <a:r>
-              <a:rPr lang="zh-TW" altLang="en-US" sz="1200" b="0" i="0" kern="1200" dirty="0">
-                <a:solidFill>
-                  <a:schemeClr val="tx2"/>
-                </a:solidFill>
-                <a:effectLst/>
-                <a:latin typeface="Microsoft JhengHei UI" panose="020B0604030504040204" pitchFamily="34" charset="-120"/>
-                <a:ea typeface="Microsoft JhengHei UI" panose="020B0604030504040204" pitchFamily="34" charset="-120"/>
-                <a:cs typeface="+mn-cs"/>
-              </a:rPr>
-              <a:t>則</a:t>
-            </a:r>
-            <a:r>
-              <a:rPr lang="en-US" altLang="zh-TW" sz="1200" b="0" i="0" kern="1200" dirty="0">
-                <a:solidFill>
-                  <a:schemeClr val="tx2"/>
-                </a:solidFill>
-                <a:effectLst/>
-                <a:latin typeface="Microsoft JhengHei UI" panose="020B0604030504040204" pitchFamily="34" charset="-120"/>
-                <a:ea typeface="Microsoft JhengHei UI" panose="020B0604030504040204" pitchFamily="34" charset="-120"/>
-                <a:cs typeface="+mn-cs"/>
-              </a:rPr>
-              <a:t>RB #0 </a:t>
-            </a:r>
-            <a:r>
-              <a:rPr lang="zh-TW" altLang="en-US" sz="1200" b="0" i="0" kern="1200" dirty="0">
-                <a:solidFill>
-                  <a:schemeClr val="tx2"/>
-                </a:solidFill>
-                <a:effectLst/>
-                <a:latin typeface="Microsoft JhengHei UI" panose="020B0604030504040204" pitchFamily="34" charset="-120"/>
-                <a:ea typeface="Microsoft JhengHei UI" panose="020B0604030504040204" pitchFamily="34" charset="-120"/>
-                <a:cs typeface="+mn-cs"/>
-              </a:rPr>
-              <a:t>指向</a:t>
-            </a:r>
-            <a:r>
-              <a:rPr lang="en-US" altLang="zh-TW" sz="1200" b="0" i="0" kern="1200" dirty="0">
-                <a:solidFill>
-                  <a:schemeClr val="tx2"/>
-                </a:solidFill>
-                <a:effectLst/>
-                <a:latin typeface="Microsoft JhengHei UI" panose="020B0604030504040204" pitchFamily="34" charset="-120"/>
-                <a:ea typeface="Microsoft JhengHei UI" panose="020B0604030504040204" pitchFamily="34" charset="-120"/>
-                <a:cs typeface="+mn-cs"/>
-              </a:rPr>
-              <a:t>subcarrier #0 (</a:t>
-            </a:r>
-            <a:r>
-              <a:rPr lang="zh-TW" altLang="en-US" sz="1200" b="0" i="0" kern="1200" dirty="0">
-                <a:solidFill>
-                  <a:schemeClr val="tx2"/>
-                </a:solidFill>
-                <a:effectLst/>
-                <a:latin typeface="Microsoft JhengHei UI" panose="020B0604030504040204" pitchFamily="34" charset="-120"/>
-                <a:ea typeface="Microsoft JhengHei UI" panose="020B0604030504040204" pitchFamily="34" charset="-120"/>
-                <a:cs typeface="+mn-cs"/>
-              </a:rPr>
-              <a:t>也就是第一個</a:t>
-            </a:r>
-            <a:r>
-              <a:rPr lang="en-US" altLang="zh-TW" sz="1200" b="0" i="0" kern="1200" dirty="0">
-                <a:solidFill>
-                  <a:schemeClr val="tx2"/>
-                </a:solidFill>
-                <a:effectLst/>
-                <a:latin typeface="Microsoft JhengHei UI" panose="020B0604030504040204" pitchFamily="34" charset="-120"/>
-                <a:ea typeface="Microsoft JhengHei UI" panose="020B0604030504040204" pitchFamily="34" charset="-120"/>
-                <a:cs typeface="+mn-cs"/>
-              </a:rPr>
-              <a:t>)</a:t>
-            </a:r>
-          </a:p>
-          <a:p>
-            <a:r>
-              <a:rPr lang="zh-TW" altLang="en-US" sz="1200" b="0" i="0" kern="1200" dirty="0">
-                <a:solidFill>
-                  <a:schemeClr val="tx2"/>
-                </a:solidFill>
-                <a:effectLst/>
-                <a:latin typeface="Microsoft JhengHei UI" panose="020B0604030504040204" pitchFamily="34" charset="-120"/>
-                <a:ea typeface="Microsoft JhengHei UI" panose="020B0604030504040204" pitchFamily="34" charset="-120"/>
-                <a:cs typeface="+mn-cs"/>
-              </a:rPr>
-              <a:t>若為奇數</a:t>
-            </a:r>
-            <a:r>
-              <a:rPr lang="en-US" altLang="zh-TW" sz="1200" b="0" i="0" kern="1200" dirty="0">
-                <a:solidFill>
-                  <a:schemeClr val="tx2"/>
-                </a:solidFill>
-                <a:effectLst/>
-                <a:latin typeface="Microsoft JhengHei UI" panose="020B0604030504040204" pitchFamily="34" charset="-120"/>
-                <a:ea typeface="Microsoft JhengHei UI" panose="020B0604030504040204" pitchFamily="34" charset="-120"/>
-                <a:cs typeface="+mn-cs"/>
-              </a:rPr>
-              <a:t>, </a:t>
-            </a:r>
-            <a:r>
-              <a:rPr lang="zh-TW" altLang="en-US" sz="1200" b="0" i="0" kern="1200" dirty="0">
-                <a:solidFill>
-                  <a:schemeClr val="tx2"/>
-                </a:solidFill>
-                <a:effectLst/>
-                <a:latin typeface="Microsoft JhengHei UI" panose="020B0604030504040204" pitchFamily="34" charset="-120"/>
-                <a:ea typeface="Microsoft JhengHei UI" panose="020B0604030504040204" pitchFamily="34" charset="-120"/>
-                <a:cs typeface="+mn-cs"/>
-              </a:rPr>
-              <a:t>則</a:t>
-            </a:r>
-            <a:r>
-              <a:rPr lang="en-US" altLang="zh-TW" sz="1200" b="0" i="0" kern="1200" dirty="0">
-                <a:solidFill>
-                  <a:schemeClr val="tx2"/>
-                </a:solidFill>
-                <a:effectLst/>
-                <a:latin typeface="Microsoft JhengHei UI" panose="020B0604030504040204" pitchFamily="34" charset="-120"/>
-                <a:ea typeface="Microsoft JhengHei UI" panose="020B0604030504040204" pitchFamily="34" charset="-120"/>
-                <a:cs typeface="+mn-cs"/>
-              </a:rPr>
-              <a:t>RB #0 </a:t>
-            </a:r>
-            <a:r>
-              <a:rPr lang="zh-TW" altLang="en-US" sz="1200" b="0" i="0" kern="1200" dirty="0">
-                <a:solidFill>
-                  <a:schemeClr val="tx2"/>
-                </a:solidFill>
-                <a:effectLst/>
-                <a:latin typeface="Microsoft JhengHei UI" panose="020B0604030504040204" pitchFamily="34" charset="-120"/>
-                <a:ea typeface="Microsoft JhengHei UI" panose="020B0604030504040204" pitchFamily="34" charset="-120"/>
-                <a:cs typeface="+mn-cs"/>
-              </a:rPr>
-              <a:t>指向</a:t>
-            </a:r>
-            <a:r>
-              <a:rPr lang="en-US" altLang="zh-TW" sz="1200" b="0" i="0" kern="1200" dirty="0">
-                <a:solidFill>
-                  <a:schemeClr val="tx2"/>
-                </a:solidFill>
-                <a:effectLst/>
-                <a:latin typeface="Microsoft JhengHei UI" panose="020B0604030504040204" pitchFamily="34" charset="-120"/>
-                <a:ea typeface="Microsoft JhengHei UI" panose="020B0604030504040204" pitchFamily="34" charset="-120"/>
-                <a:cs typeface="+mn-cs"/>
-              </a:rPr>
-              <a:t>subcarrier #6</a:t>
-            </a:r>
-          </a:p>
-          <a:p>
-            <a:r>
-              <a:rPr lang="zh-TW" altLang="en-US" sz="1200" b="0" i="0" kern="1200" dirty="0">
-                <a:solidFill>
-                  <a:schemeClr val="tx2"/>
-                </a:solidFill>
-                <a:effectLst/>
-                <a:latin typeface="Microsoft JhengHei UI" panose="020B0604030504040204" pitchFamily="34" charset="-120"/>
-                <a:ea typeface="Microsoft JhengHei UI" panose="020B0604030504040204" pitchFamily="34" charset="-120"/>
-                <a:cs typeface="+mn-cs"/>
-              </a:rPr>
-              <a:t>那就可以知道</a:t>
-            </a:r>
-            <a:r>
-              <a:rPr lang="en-US" altLang="zh-TW" sz="1200" b="0" i="0" kern="1200" dirty="0">
-                <a:solidFill>
-                  <a:schemeClr val="tx2"/>
-                </a:solidFill>
-                <a:effectLst/>
-                <a:latin typeface="Microsoft JhengHei UI" panose="020B0604030504040204" pitchFamily="34" charset="-120"/>
-                <a:ea typeface="Microsoft JhengHei UI" panose="020B0604030504040204" pitchFamily="34" charset="-120"/>
-                <a:cs typeface="+mn-cs"/>
-              </a:rPr>
-              <a:t>NR</a:t>
-            </a:r>
-            <a:r>
-              <a:rPr lang="zh-TW" altLang="en-US" sz="1200" b="0" i="0" kern="1200" dirty="0">
-                <a:solidFill>
-                  <a:schemeClr val="tx2"/>
-                </a:solidFill>
-                <a:effectLst/>
-                <a:latin typeface="Microsoft JhengHei UI" panose="020B0604030504040204" pitchFamily="34" charset="-120"/>
-                <a:ea typeface="Microsoft JhengHei UI" panose="020B0604030504040204" pitchFamily="34" charset="-120"/>
-                <a:cs typeface="+mn-cs"/>
-              </a:rPr>
-              <a:t> </a:t>
-            </a:r>
-            <a:r>
-              <a:rPr lang="en-US" altLang="zh-TW" sz="1200" b="0" i="0" kern="1200" dirty="0">
-                <a:solidFill>
-                  <a:schemeClr val="tx2"/>
-                </a:solidFill>
-                <a:effectLst/>
-                <a:latin typeface="Microsoft JhengHei UI" panose="020B0604030504040204" pitchFamily="34" charset="-120"/>
-                <a:ea typeface="Microsoft JhengHei UI" panose="020B0604030504040204" pitchFamily="34" charset="-120"/>
-                <a:cs typeface="+mn-cs"/>
-              </a:rPr>
-              <a:t>RF</a:t>
-            </a:r>
-            <a:r>
-              <a:rPr lang="zh-TW" altLang="en-US" sz="1200" b="0" i="0" kern="1200" dirty="0">
-                <a:solidFill>
-                  <a:schemeClr val="tx2"/>
-                </a:solidFill>
-                <a:effectLst/>
-                <a:latin typeface="Microsoft JhengHei UI" panose="020B0604030504040204" pitchFamily="34" charset="-120"/>
-                <a:ea typeface="Microsoft JhengHei UI" panose="020B0604030504040204" pitchFamily="34" charset="-120"/>
-                <a:cs typeface="+mn-cs"/>
-              </a:rPr>
-              <a:t>的基準頻率到底看哪個</a:t>
-            </a:r>
-            <a:r>
-              <a:rPr lang="en-US" altLang="zh-TW" sz="1200" b="0" i="0" kern="1200" dirty="0">
-                <a:solidFill>
-                  <a:schemeClr val="tx2"/>
-                </a:solidFill>
-                <a:effectLst/>
-                <a:latin typeface="Microsoft JhengHei UI" panose="020B0604030504040204" pitchFamily="34" charset="-120"/>
-                <a:ea typeface="Microsoft JhengHei UI" panose="020B0604030504040204" pitchFamily="34" charset="-120"/>
-                <a:cs typeface="+mn-cs"/>
-              </a:rPr>
-              <a:t>tone</a:t>
+              <a:t>FR1:  frequency range 1</a:t>
             </a:r>
             <a:endParaRPr lang="zh-TW" altLang="en-US" dirty="0"/>
           </a:p>
@@ -3925,7 +4419,7 @@
     </p:spTree>
     <p:extLst>
       <p:ext uri="{BB962C8B-B14F-4D97-AF65-F5344CB8AC3E}">
-        <p14:creationId xmlns:p14="http://schemas.microsoft.com/office/powerpoint/2010/main" val="3525283993"/>
+        <p14:creationId xmlns:p14="http://schemas.microsoft.com/office/powerpoint/2010/main" val="2016683422"/>
       </p:ext>
     </p:extLst>
   </p:cSld>
@@ -3989,7 +4483,79 @@
                 <a:ea typeface="Microsoft JhengHei UI" panose="020B0604030504040204" pitchFamily="34" charset="-120"/>
                 <a:cs typeface="+mn-cs"/>
               </a:rPr>
-              <a:t>新舊系統在同一頻帶提供服務時同步信號與控制信號間如何避免干擾是很重要的問題。</a:t>
+              <a:t>根據指定</a:t>
+            </a:r>
+            <a:r>
+              <a:rPr lang="en-US" altLang="zh-TW" sz="1200" b="0" i="0" kern="1200" dirty="0">
+                <a:solidFill>
+                  <a:schemeClr val="tx2"/>
+                </a:solidFill>
+                <a:effectLst/>
+                <a:latin typeface="Microsoft JhengHei UI" panose="020B0604030504040204" pitchFamily="34" charset="-120"/>
+                <a:ea typeface="Microsoft JhengHei UI" panose="020B0604030504040204" pitchFamily="34" charset="-120"/>
+                <a:cs typeface="+mn-cs"/>
+              </a:rPr>
+              <a:t>RB</a:t>
+            </a:r>
+            <a:r>
+              <a:rPr lang="zh-TW" altLang="en-US" sz="1200" b="0" i="0" kern="1200" dirty="0">
+                <a:solidFill>
+                  <a:schemeClr val="tx2"/>
+                </a:solidFill>
+                <a:effectLst/>
+                <a:latin typeface="Microsoft JhengHei UI" panose="020B0604030504040204" pitchFamily="34" charset="-120"/>
+                <a:ea typeface="Microsoft JhengHei UI" panose="020B0604030504040204" pitchFamily="34" charset="-120"/>
+                <a:cs typeface="+mn-cs"/>
+              </a:rPr>
+              <a:t>（</a:t>
+            </a:r>
+            <a:r>
+              <a:rPr lang="en-US" altLang="zh-TW" sz="1200" b="0" i="0" kern="1200" dirty="0">
+                <a:solidFill>
+                  <a:schemeClr val="tx2"/>
+                </a:solidFill>
+                <a:effectLst/>
+                <a:latin typeface="Microsoft JhengHei UI" panose="020B0604030504040204" pitchFamily="34" charset="-120"/>
+                <a:ea typeface="Microsoft JhengHei UI" panose="020B0604030504040204" pitchFamily="34" charset="-120"/>
+                <a:cs typeface="+mn-cs"/>
+              </a:rPr>
+              <a:t>NRB</a:t>
+            </a:r>
+            <a:r>
+              <a:rPr lang="zh-TW" altLang="en-US" sz="1200" b="0" i="0" kern="1200" dirty="0">
+                <a:solidFill>
+                  <a:schemeClr val="tx2"/>
+                </a:solidFill>
+                <a:effectLst/>
+                <a:latin typeface="Microsoft JhengHei UI" panose="020B0604030504040204" pitchFamily="34" charset="-120"/>
+                <a:ea typeface="Microsoft JhengHei UI" panose="020B0604030504040204" pitchFamily="34" charset="-120"/>
+                <a:cs typeface="+mn-cs"/>
+              </a:rPr>
+              <a:t>）的數量來標識</a:t>
+            </a:r>
+            <a:r>
+              <a:rPr lang="en-US" altLang="zh-TW" sz="1200" b="0" i="0" kern="1200" dirty="0">
+                <a:solidFill>
+                  <a:schemeClr val="tx2"/>
+                </a:solidFill>
+                <a:effectLst/>
+                <a:latin typeface="Microsoft JhengHei UI" panose="020B0604030504040204" pitchFamily="34" charset="-120"/>
+                <a:ea typeface="Microsoft JhengHei UI" panose="020B0604030504040204" pitchFamily="34" charset="-120"/>
+                <a:cs typeface="+mn-cs"/>
+              </a:rPr>
+              <a:t>RF</a:t>
+            </a:r>
+            <a:r>
+              <a:rPr lang="zh-TW" altLang="en-US" sz="1200" b="0" i="0" kern="1200" dirty="0">
+                <a:solidFill>
+                  <a:schemeClr val="tx2"/>
+                </a:solidFill>
+                <a:effectLst/>
+                <a:latin typeface="Microsoft JhengHei UI" panose="020B0604030504040204" pitchFamily="34" charset="-120"/>
+                <a:ea typeface="Microsoft JhengHei UI" panose="020B0604030504040204" pitchFamily="34" charset="-120"/>
+                <a:cs typeface="+mn-cs"/>
+              </a:rPr>
+              <a:t>頻道位置：</a:t>
             </a:r>
             <a:endParaRPr lang="en-US" altLang="zh-TW" sz="1200" b="0" i="0" kern="1200" dirty="0">
               <a:solidFill>
@@ -4003,6 +4569,18 @@
           </a:p>
           <a:p>
             <a:r>
+              <a:rPr lang="zh-TW" altLang="en-US" sz="1200" b="0" i="0" kern="1200" dirty="0">
+                <a:solidFill>
+                  <a:schemeClr val="tx2"/>
+                </a:solidFill>
+                <a:effectLst/>
+                <a:latin typeface="Microsoft JhengHei UI" panose="020B0604030504040204" pitchFamily="34" charset="-120"/>
+                <a:ea typeface="Microsoft JhengHei UI" panose="020B0604030504040204" pitchFamily="34" charset="-120"/>
+                <a:cs typeface="+mn-cs"/>
+              </a:rPr>
+              <a:t>若為偶數</a:t>
+            </a:r>
+            <a:r>
               <a:rPr lang="en-US" altLang="zh-TW" sz="1200" b="0" i="0" kern="1200" dirty="0">
                 <a:solidFill>
                   <a:schemeClr val="tx2"/>
@@ -4012,7 +4590,7 @@
                 <a:ea typeface="Microsoft JhengHei UI" panose="020B0604030504040204" pitchFamily="34" charset="-120"/>
                 <a:cs typeface="+mn-cs"/>
               </a:rPr>
-              <a:t>PSS </a:t>
+              <a:t>, </a:t>
             </a:r>
             <a:r>
               <a:rPr lang="zh-TW" altLang="en-US" sz="1200" b="0" i="0" kern="1200" dirty="0">
@@ -4024,7 +4602,7 @@
                 <a:ea typeface="Microsoft JhengHei UI" panose="020B0604030504040204" pitchFamily="34" charset="-120"/>
                 <a:cs typeface="+mn-cs"/>
               </a:rPr>
-              <a:t>與</a:t>
+              <a:t>則</a:t>
             </a:r>
             <a:r>
               <a:rPr lang="en-US" altLang="zh-TW" sz="1200" b="0" i="0" kern="1200" dirty="0">
@@ -4036,7 +4614,7 @@
                 <a:ea typeface="Microsoft JhengHei UI" panose="020B0604030504040204" pitchFamily="34" charset="-120"/>
                 <a:cs typeface="+mn-cs"/>
               </a:rPr>
-              <a:t>SSS</a:t>
+              <a:t>RB #0 </a:t>
             </a:r>
             <a:r>
               <a:rPr lang="zh-TW" altLang="en-US" sz="1200" b="0" i="0" kern="1200" dirty="0">
@@ -4048,7 +4626,7 @@
                 <a:ea typeface="Microsoft JhengHei UI" panose="020B0604030504040204" pitchFamily="34" charset="-120"/>
                 <a:cs typeface="+mn-cs"/>
               </a:rPr>
-              <a:t>是用來提供用戶端在搜尋基地台時能夠同時進行時序與頻率的同步依據，非常重要，因此</a:t>
+              <a:t>指向</a:t>
             </a:r>
             <a:r>
               <a:rPr lang="en-US" altLang="zh-TW" sz="1200" b="0" i="0" kern="1200" dirty="0">
@@ -4060,7 +4638,7 @@
                 <a:ea typeface="Microsoft JhengHei UI" panose="020B0604030504040204" pitchFamily="34" charset="-120"/>
                 <a:cs typeface="+mn-cs"/>
               </a:rPr>
-              <a:t>NB-IoT</a:t>
+              <a:t>subcarrier #0 (</a:t>
             </a:r>
             <a:r>
               <a:rPr lang="zh-TW" altLang="en-US" sz="1200" b="0" i="0" kern="1200" dirty="0">
@@ -4072,7 +4650,19 @@
                 <a:ea typeface="Microsoft JhengHei UI" panose="020B0604030504040204" pitchFamily="34" charset="-120"/>
                 <a:cs typeface="+mn-cs"/>
               </a:rPr>
-              <a:t>不會重疊這些區塊。</a:t>
+              <a:t>也就是第一個</a:t>
+            </a:r>
+            <a:r>
+              <a:rPr lang="en-US" altLang="zh-TW" sz="1200" b="0" i="0" kern="1200" dirty="0">
+                <a:solidFill>
+                  <a:schemeClr val="tx2"/>
+                </a:solidFill>
+                <a:effectLst/>
+                <a:latin typeface="Microsoft JhengHei UI" panose="020B0604030504040204" pitchFamily="34" charset="-120"/>
+                <a:ea typeface="Microsoft JhengHei UI" panose="020B0604030504040204" pitchFamily="34" charset="-120"/>
+                <a:cs typeface="+mn-cs"/>
+              </a:rPr>
+              <a:t>)</a:t>
             </a:r>
           </a:p>
           <a:p>
@@ -4086,7 +4676,7 @@
                 <a:ea typeface="Microsoft JhengHei UI" panose="020B0604030504040204" pitchFamily="34" charset="-120"/>
                 <a:cs typeface="+mn-cs"/>
               </a:rPr>
-              <a:t>下圖是新設計的同步信號與廣播通道的區塊 </a:t>
+              <a:t>若為奇數</a:t>
             </a:r>
             <a:r>
               <a:rPr lang="en-US" altLang="zh-TW" sz="1200" b="0" i="0" kern="1200" dirty="0">
@@ -4098,10 +4688,8 @@
                 <a:ea typeface="Microsoft JhengHei UI" panose="020B0604030504040204" pitchFamily="34" charset="-120"/>
                 <a:cs typeface="+mn-cs"/>
               </a:rPr>
-              <a:t>- SSB</a:t>
-            </a:r>
-          </a:p>
-          <a:p>
+              <a:t>, </a:t>
+            </a:r>
             <a:r>
               <a:rPr lang="zh-TW" altLang="en-US" sz="1200" b="0" i="0" kern="1200" dirty="0">
                 <a:solidFill>
@@ -4112,7 +4700,7 @@
                 <a:ea typeface="Microsoft JhengHei UI" panose="020B0604030504040204" pitchFamily="34" charset="-120"/>
                 <a:cs typeface="+mn-cs"/>
               </a:rPr>
-              <a:t>一個</a:t>
+              <a:t>則</a:t>
             </a:r>
             <a:r>
               <a:rPr lang="en-US" altLang="zh-TW" sz="1200" b="0" i="0" kern="1200" dirty="0">
@@ -4124,7 +4712,7 @@
                 <a:ea typeface="Microsoft JhengHei UI" panose="020B0604030504040204" pitchFamily="34" charset="-120"/>
                 <a:cs typeface="+mn-cs"/>
               </a:rPr>
-              <a:t>SSB</a:t>
+              <a:t>RB #0 </a:t>
             </a:r>
             <a:r>
               <a:rPr lang="zh-TW" altLang="en-US" sz="1200" b="0" i="0" kern="1200" dirty="0">
@@ -4136,7 +4724,7 @@
                 <a:ea typeface="Microsoft JhengHei UI" panose="020B0604030504040204" pitchFamily="34" charset="-120"/>
                 <a:cs typeface="+mn-cs"/>
               </a:rPr>
-              <a:t>包含時間上</a:t>
+              <a:t>指向</a:t>
             </a:r>
             <a:r>
               <a:rPr lang="en-US" altLang="zh-TW" sz="1200" b="0" i="0" kern="1200" dirty="0">
@@ -4148,8 +4736,10 @@
                 <a:ea typeface="Microsoft JhengHei UI" panose="020B0604030504040204" pitchFamily="34" charset="-120"/>
                 <a:cs typeface="+mn-cs"/>
               </a:rPr>
-              <a:t>4</a:t>
-            </a:r>
+              <a:t>subcarrier #6</a:t>
+            </a:r>
+          </a:p>
+          <a:p>
             <a:r>
               <a:rPr lang="zh-TW" altLang="en-US" sz="1200" b="0" i="0" kern="1200" dirty="0">
                 <a:solidFill>
@@ -4160,7 +4750,7 @@
                 <a:ea typeface="Microsoft JhengHei UI" panose="020B0604030504040204" pitchFamily="34" charset="-120"/>
                 <a:cs typeface="+mn-cs"/>
               </a:rPr>
-              <a:t>個</a:t>
+              <a:t>那就可以知道</a:t>
             </a:r>
             <a:r>
               <a:rPr lang="en-US" altLang="zh-TW" sz="1200" b="0" i="0" kern="1200" dirty="0">
@@ -4172,7 +4762,7 @@
                 <a:ea typeface="Microsoft JhengHei UI" panose="020B0604030504040204" pitchFamily="34" charset="-120"/>
                 <a:cs typeface="+mn-cs"/>
               </a:rPr>
-              <a:t>OFDM symbols</a:t>
+              <a:t>NR</a:t>
             </a:r>
             <a:r>
               <a:rPr lang="zh-TW" altLang="en-US" sz="1200" b="0" i="0" kern="1200" dirty="0">
@@ -4184,7 +4774,7 @@
                 <a:ea typeface="Microsoft JhengHei UI" panose="020B0604030504040204" pitchFamily="34" charset="-120"/>
                 <a:cs typeface="+mn-cs"/>
               </a:rPr>
-              <a:t>，頻率上</a:t>
+              <a:t> </a:t>
             </a:r>
             <a:r>
               <a:rPr lang="en-US" altLang="zh-TW" sz="1200" b="0" i="0" kern="1200" dirty="0">
@@ -4196,7 +4786,7 @@
                 <a:ea typeface="Microsoft JhengHei UI" panose="020B0604030504040204" pitchFamily="34" charset="-120"/>
                 <a:cs typeface="+mn-cs"/>
               </a:rPr>
-              <a:t>20</a:t>
+              <a:t>RF</a:t>
             </a:r>
             <a:r>
               <a:rPr lang="zh-TW" altLang="en-US" sz="1200" b="0" i="0" kern="1200" dirty="0">
@@ -4208,7 +4798,7 @@
                 <a:ea typeface="Microsoft JhengHei UI" panose="020B0604030504040204" pitchFamily="34" charset="-120"/>
                 <a:cs typeface="+mn-cs"/>
               </a:rPr>
-              <a:t>個</a:t>
+              <a:t>的基準頻率到底看哪個</a:t>
             </a:r>
             <a:r>
               <a:rPr lang="en-US" altLang="zh-TW" sz="1200" b="0" i="0" kern="1200" dirty="0">
@@ -4220,499 +4810,7 @@
                 <a:ea typeface="Microsoft JhengHei UI" panose="020B0604030504040204" pitchFamily="34" charset="-120"/>
                 <a:cs typeface="+mn-cs"/>
               </a:rPr>
-              <a:t>RBs</a:t>
-            </a:r>
-            <a:r>
-              <a:rPr lang="zh-TW" altLang="en-US" sz="1200" b="0" i="0" kern="1200" dirty="0">
-                <a:solidFill>
-                  <a:schemeClr val="tx2"/>
-                </a:solidFill>
-                <a:effectLst/>
-                <a:latin typeface="Microsoft JhengHei UI" panose="020B0604030504040204" pitchFamily="34" charset="-120"/>
-                <a:ea typeface="Microsoft JhengHei UI" panose="020B0604030504040204" pitchFamily="34" charset="-120"/>
-                <a:cs typeface="+mn-cs"/>
-              </a:rPr>
-              <a:t>，也就是</a:t>
-            </a:r>
-            <a:r>
-              <a:rPr lang="en-US" altLang="zh-TW" sz="1200" b="0" i="0" kern="1200" dirty="0">
-                <a:solidFill>
-                  <a:schemeClr val="tx2"/>
-                </a:solidFill>
-                <a:effectLst/>
-                <a:latin typeface="Microsoft JhengHei UI" panose="020B0604030504040204" pitchFamily="34" charset="-120"/>
-                <a:ea typeface="Microsoft JhengHei UI" panose="020B0604030504040204" pitchFamily="34" charset="-120"/>
-                <a:cs typeface="+mn-cs"/>
-              </a:rPr>
-              <a:t>240</a:t>
-            </a:r>
-            <a:r>
-              <a:rPr lang="zh-TW" altLang="en-US" sz="1200" b="0" i="0" kern="1200" dirty="0">
-                <a:solidFill>
-                  <a:schemeClr val="tx2"/>
-                </a:solidFill>
-                <a:effectLst/>
-                <a:latin typeface="Microsoft JhengHei UI" panose="020B0604030504040204" pitchFamily="34" charset="-120"/>
-                <a:ea typeface="Microsoft JhengHei UI" panose="020B0604030504040204" pitchFamily="34" charset="-120"/>
-                <a:cs typeface="+mn-cs"/>
-              </a:rPr>
-              <a:t>個子載波，其中</a:t>
-            </a:r>
-            <a:r>
-              <a:rPr lang="en-US" altLang="zh-TW" sz="1200" b="0" i="0" kern="1200" dirty="0">
-                <a:solidFill>
-                  <a:schemeClr val="tx2"/>
-                </a:solidFill>
-                <a:effectLst/>
-                <a:latin typeface="Microsoft JhengHei UI" panose="020B0604030504040204" pitchFamily="34" charset="-120"/>
-                <a:ea typeface="Microsoft JhengHei UI" panose="020B0604030504040204" pitchFamily="34" charset="-120"/>
-                <a:cs typeface="+mn-cs"/>
-              </a:rPr>
-              <a:t>PSS</a:t>
-            </a:r>
-            <a:r>
-              <a:rPr lang="zh-TW" altLang="en-US" sz="1200" b="0" i="0" kern="1200" dirty="0">
-                <a:solidFill>
-                  <a:schemeClr val="tx2"/>
-                </a:solidFill>
-                <a:effectLst/>
-                <a:latin typeface="Microsoft JhengHei UI" panose="020B0604030504040204" pitchFamily="34" charset="-120"/>
-                <a:ea typeface="Microsoft JhengHei UI" panose="020B0604030504040204" pitchFamily="34" charset="-120"/>
-                <a:cs typeface="+mn-cs"/>
-              </a:rPr>
-              <a:t>與</a:t>
-            </a:r>
-            <a:r>
-              <a:rPr lang="en-US" altLang="zh-TW" sz="1200" b="0" i="0" kern="1200" dirty="0">
-                <a:solidFill>
-                  <a:schemeClr val="tx2"/>
-                </a:solidFill>
-                <a:effectLst/>
-                <a:latin typeface="Microsoft JhengHei UI" panose="020B0604030504040204" pitchFamily="34" charset="-120"/>
-                <a:ea typeface="Microsoft JhengHei UI" panose="020B0604030504040204" pitchFamily="34" charset="-120"/>
-                <a:cs typeface="+mn-cs"/>
-              </a:rPr>
-              <a:t>SSS</a:t>
-            </a:r>
-            <a:r>
-              <a:rPr lang="zh-TW" altLang="en-US" sz="1200" b="0" i="0" kern="1200" dirty="0">
-                <a:solidFill>
-                  <a:schemeClr val="tx2"/>
-                </a:solidFill>
-                <a:effectLst/>
-                <a:latin typeface="Microsoft JhengHei UI" panose="020B0604030504040204" pitchFamily="34" charset="-120"/>
-                <a:ea typeface="Microsoft JhengHei UI" panose="020B0604030504040204" pitchFamily="34" charset="-120"/>
-                <a:cs typeface="+mn-cs"/>
-              </a:rPr>
-              <a:t>分別被定義在此區塊的第一個及第三個</a:t>
-            </a:r>
-            <a:r>
-              <a:rPr lang="en-US" altLang="zh-TW" sz="1200" b="0" i="0" kern="1200" dirty="0">
-                <a:solidFill>
-                  <a:schemeClr val="tx2"/>
-                </a:solidFill>
-                <a:effectLst/>
-                <a:latin typeface="Microsoft JhengHei UI" panose="020B0604030504040204" pitchFamily="34" charset="-120"/>
-                <a:ea typeface="Microsoft JhengHei UI" panose="020B0604030504040204" pitchFamily="34" charset="-120"/>
-                <a:cs typeface="+mn-cs"/>
-              </a:rPr>
-              <a:t>OFDM symbol</a:t>
-            </a:r>
-            <a:r>
-              <a:rPr lang="zh-TW" altLang="en-US" sz="1200" b="0" i="0" kern="1200" dirty="0">
-                <a:solidFill>
-                  <a:schemeClr val="tx2"/>
-                </a:solidFill>
-                <a:effectLst/>
-                <a:latin typeface="Microsoft JhengHei UI" panose="020B0604030504040204" pitchFamily="34" charset="-120"/>
-                <a:ea typeface="Microsoft JhengHei UI" panose="020B0604030504040204" pitchFamily="34" charset="-120"/>
-                <a:cs typeface="+mn-cs"/>
-              </a:rPr>
-              <a:t>，而</a:t>
-            </a:r>
-            <a:r>
-              <a:rPr lang="en-US" altLang="zh-TW" sz="1200" b="0" i="0" kern="1200" dirty="0">
-                <a:solidFill>
-                  <a:schemeClr val="tx2"/>
-                </a:solidFill>
-                <a:effectLst/>
-                <a:latin typeface="Microsoft JhengHei UI" panose="020B0604030504040204" pitchFamily="34" charset="-120"/>
-                <a:ea typeface="Microsoft JhengHei UI" panose="020B0604030504040204" pitchFamily="34" charset="-120"/>
-                <a:cs typeface="+mn-cs"/>
-              </a:rPr>
-              <a:t>PBCH</a:t>
-            </a:r>
-            <a:r>
-              <a:rPr lang="zh-TW" altLang="en-US" sz="1200" b="0" i="0" kern="1200" dirty="0">
-                <a:solidFill>
-                  <a:schemeClr val="tx2"/>
-                </a:solidFill>
-                <a:effectLst/>
-                <a:latin typeface="Microsoft JhengHei UI" panose="020B0604030504040204" pitchFamily="34" charset="-120"/>
-                <a:ea typeface="Microsoft JhengHei UI" panose="020B0604030504040204" pitchFamily="34" charset="-120"/>
-                <a:cs typeface="+mn-cs"/>
-              </a:rPr>
-              <a:t>則傳送在第二、四個</a:t>
-            </a:r>
-            <a:r>
-              <a:rPr lang="en-US" altLang="zh-TW" sz="1200" b="0" i="0" kern="1200" dirty="0">
-                <a:solidFill>
-                  <a:schemeClr val="tx2"/>
-                </a:solidFill>
-                <a:effectLst/>
-                <a:latin typeface="Microsoft JhengHei UI" panose="020B0604030504040204" pitchFamily="34" charset="-120"/>
-                <a:ea typeface="Microsoft JhengHei UI" panose="020B0604030504040204" pitchFamily="34" charset="-120"/>
-                <a:cs typeface="+mn-cs"/>
-              </a:rPr>
-              <a:t>OFDM symbols</a:t>
-            </a:r>
-            <a:r>
-              <a:rPr lang="zh-TW" altLang="en-US" sz="1200" b="0" i="0" kern="1200" dirty="0">
-                <a:solidFill>
-                  <a:schemeClr val="tx2"/>
-                </a:solidFill>
-                <a:effectLst/>
-                <a:latin typeface="Microsoft JhengHei UI" panose="020B0604030504040204" pitchFamily="34" charset="-120"/>
-                <a:ea typeface="Microsoft JhengHei UI" panose="020B0604030504040204" pitchFamily="34" charset="-120"/>
-                <a:cs typeface="+mn-cs"/>
-              </a:rPr>
-              <a:t>的完整</a:t>
-            </a:r>
-            <a:r>
-              <a:rPr lang="en-US" altLang="zh-TW" sz="1200" b="0" i="0" kern="1200" dirty="0">
-                <a:solidFill>
-                  <a:schemeClr val="tx2"/>
-                </a:solidFill>
-                <a:effectLst/>
-                <a:latin typeface="Microsoft JhengHei UI" panose="020B0604030504040204" pitchFamily="34" charset="-120"/>
-                <a:ea typeface="Microsoft JhengHei UI" panose="020B0604030504040204" pitchFamily="34" charset="-120"/>
-                <a:cs typeface="+mn-cs"/>
-              </a:rPr>
-              <a:t>240 RBs</a:t>
-            </a:r>
-            <a:r>
-              <a:rPr lang="zh-TW" altLang="en-US" sz="1200" b="0" i="0" kern="1200" dirty="0">
-                <a:solidFill>
-                  <a:schemeClr val="tx2"/>
-                </a:solidFill>
-                <a:effectLst/>
-                <a:latin typeface="Microsoft JhengHei UI" panose="020B0604030504040204" pitchFamily="34" charset="-120"/>
-                <a:ea typeface="Microsoft JhengHei UI" panose="020B0604030504040204" pitchFamily="34" charset="-120"/>
-                <a:cs typeface="+mn-cs"/>
-              </a:rPr>
-              <a:t>，以及第三個</a:t>
-            </a:r>
-            <a:r>
-              <a:rPr lang="en-US" altLang="zh-TW" sz="1200" b="0" i="0" kern="1200" dirty="0">
-                <a:solidFill>
-                  <a:schemeClr val="tx2"/>
-                </a:solidFill>
-                <a:effectLst/>
-                <a:latin typeface="Microsoft JhengHei UI" panose="020B0604030504040204" pitchFamily="34" charset="-120"/>
-                <a:ea typeface="Microsoft JhengHei UI" panose="020B0604030504040204" pitchFamily="34" charset="-120"/>
-                <a:cs typeface="+mn-cs"/>
-              </a:rPr>
-              <a:t>OFDM symbol</a:t>
-            </a:r>
-            <a:r>
-              <a:rPr lang="zh-TW" altLang="en-US" sz="1200" b="0" i="0" kern="1200" dirty="0">
-                <a:solidFill>
-                  <a:schemeClr val="tx2"/>
-                </a:solidFill>
-                <a:effectLst/>
-                <a:latin typeface="Microsoft JhengHei UI" panose="020B0604030504040204" pitchFamily="34" charset="-120"/>
-                <a:ea typeface="Microsoft JhengHei UI" panose="020B0604030504040204" pitchFamily="34" charset="-120"/>
-                <a:cs typeface="+mn-cs"/>
-              </a:rPr>
-              <a:t>的兩端各</a:t>
-            </a:r>
-            <a:r>
-              <a:rPr lang="en-US" altLang="zh-TW" sz="1200" b="0" i="0" kern="1200" dirty="0">
-                <a:solidFill>
-                  <a:schemeClr val="tx2"/>
-                </a:solidFill>
-                <a:effectLst/>
-                <a:latin typeface="Microsoft JhengHei UI" panose="020B0604030504040204" pitchFamily="34" charset="-120"/>
-                <a:ea typeface="Microsoft JhengHei UI" panose="020B0604030504040204" pitchFamily="34" charset="-120"/>
-                <a:cs typeface="+mn-cs"/>
-              </a:rPr>
-              <a:t>48</a:t>
-            </a:r>
-            <a:r>
-              <a:rPr lang="zh-TW" altLang="en-US" sz="1200" b="0" i="0" kern="1200" dirty="0">
-                <a:solidFill>
-                  <a:schemeClr val="tx2"/>
-                </a:solidFill>
-                <a:effectLst/>
-                <a:latin typeface="Microsoft JhengHei UI" panose="020B0604030504040204" pitchFamily="34" charset="-120"/>
-                <a:ea typeface="Microsoft JhengHei UI" panose="020B0604030504040204" pitchFamily="34" charset="-120"/>
-                <a:cs typeface="+mn-cs"/>
-              </a:rPr>
-              <a:t>個</a:t>
-            </a:r>
-            <a:r>
-              <a:rPr lang="en-US" altLang="zh-TW" sz="1200" b="0" i="0" kern="1200" dirty="0">
-                <a:solidFill>
-                  <a:schemeClr val="tx2"/>
-                </a:solidFill>
-                <a:effectLst/>
-                <a:latin typeface="Microsoft JhengHei UI" panose="020B0604030504040204" pitchFamily="34" charset="-120"/>
-                <a:ea typeface="Microsoft JhengHei UI" panose="020B0604030504040204" pitchFamily="34" charset="-120"/>
-                <a:cs typeface="+mn-cs"/>
-              </a:rPr>
-              <a:t>REs</a:t>
-            </a:r>
-            <a:r>
-              <a:rPr lang="zh-TW" altLang="en-US" sz="1200" b="0" i="0" kern="1200" dirty="0">
-                <a:solidFill>
-                  <a:schemeClr val="tx2"/>
-                </a:solidFill>
-                <a:effectLst/>
-                <a:latin typeface="Microsoft JhengHei UI" panose="020B0604030504040204" pitchFamily="34" charset="-120"/>
-                <a:ea typeface="Microsoft JhengHei UI" panose="020B0604030504040204" pitchFamily="34" charset="-120"/>
-                <a:cs typeface="+mn-cs"/>
-              </a:rPr>
-              <a:t>，</a:t>
-            </a:r>
-            <a:r>
-              <a:rPr lang="en-US" altLang="zh-TW" sz="1200" b="0" i="0" kern="1200" dirty="0">
-                <a:solidFill>
-                  <a:schemeClr val="tx2"/>
-                </a:solidFill>
-                <a:effectLst/>
-                <a:latin typeface="Microsoft JhengHei UI" panose="020B0604030504040204" pitchFamily="34" charset="-120"/>
-                <a:ea typeface="Microsoft JhengHei UI" panose="020B0604030504040204" pitchFamily="34" charset="-120"/>
-                <a:cs typeface="+mn-cs"/>
-              </a:rPr>
-              <a:t>(</a:t>
-            </a:r>
-            <a:r>
-              <a:rPr lang="zh-TW" altLang="en-US" sz="1200" b="0" i="0" kern="1200" dirty="0">
-                <a:solidFill>
-                  <a:schemeClr val="tx2"/>
-                </a:solidFill>
-                <a:effectLst/>
-                <a:latin typeface="Microsoft JhengHei UI" panose="020B0604030504040204" pitchFamily="34" charset="-120"/>
-                <a:ea typeface="Microsoft JhengHei UI" panose="020B0604030504040204" pitchFamily="34" charset="-120"/>
-                <a:cs typeface="+mn-cs"/>
-              </a:rPr>
-              <a:t>這樣的設計可以在時間域上不要佔據太長的時間，讓基地台在高頻運作時可以同時考量波束成型</a:t>
-            </a:r>
-            <a:r>
-              <a:rPr lang="en-US" altLang="zh-TW" sz="1200" b="0" i="0" kern="1200" dirty="0">
-                <a:solidFill>
-                  <a:schemeClr val="tx2"/>
-                </a:solidFill>
-                <a:effectLst/>
-                <a:latin typeface="Microsoft JhengHei UI" panose="020B0604030504040204" pitchFamily="34" charset="-120"/>
-                <a:ea typeface="Microsoft JhengHei UI" panose="020B0604030504040204" pitchFamily="34" charset="-120"/>
-                <a:cs typeface="+mn-cs"/>
-              </a:rPr>
-              <a:t>(beamforming)</a:t>
-            </a:r>
-            <a:r>
-              <a:rPr lang="zh-TW" altLang="en-US" sz="1200" b="0" i="0" kern="1200" dirty="0">
-                <a:solidFill>
-                  <a:schemeClr val="tx2"/>
-                </a:solidFill>
-                <a:effectLst/>
-                <a:latin typeface="Microsoft JhengHei UI" panose="020B0604030504040204" pitchFamily="34" charset="-120"/>
-                <a:ea typeface="Microsoft JhengHei UI" panose="020B0604030504040204" pitchFamily="34" charset="-120"/>
-                <a:cs typeface="+mn-cs"/>
-              </a:rPr>
-              <a:t>以及波束掃動</a:t>
-            </a:r>
-            <a:r>
-              <a:rPr lang="en-US" altLang="zh-TW" sz="1200" b="0" i="0" kern="1200" dirty="0">
-                <a:solidFill>
-                  <a:schemeClr val="tx2"/>
-                </a:solidFill>
-                <a:effectLst/>
-                <a:latin typeface="Microsoft JhengHei UI" panose="020B0604030504040204" pitchFamily="34" charset="-120"/>
-                <a:ea typeface="Microsoft JhengHei UI" panose="020B0604030504040204" pitchFamily="34" charset="-120"/>
-                <a:cs typeface="+mn-cs"/>
-              </a:rPr>
-              <a:t>(beam sweep)</a:t>
-            </a:r>
-            <a:r>
-              <a:rPr lang="zh-TW" altLang="en-US" sz="1200" b="0" i="0" kern="1200" dirty="0">
-                <a:solidFill>
-                  <a:schemeClr val="tx2"/>
-                </a:solidFill>
-                <a:effectLst/>
-                <a:latin typeface="Microsoft JhengHei UI" panose="020B0604030504040204" pitchFamily="34" charset="-120"/>
-                <a:ea typeface="Microsoft JhengHei UI" panose="020B0604030504040204" pitchFamily="34" charset="-120"/>
-                <a:cs typeface="+mn-cs"/>
-              </a:rPr>
-              <a:t>時傳送此區塊的效率。而</a:t>
-            </a:r>
-            <a:r>
-              <a:rPr lang="en-US" altLang="zh-TW" sz="1200" b="0" i="0" kern="1200" dirty="0">
-                <a:solidFill>
-                  <a:schemeClr val="tx2"/>
-                </a:solidFill>
-                <a:effectLst/>
-                <a:latin typeface="Microsoft JhengHei UI" panose="020B0604030504040204" pitchFamily="34" charset="-120"/>
-                <a:ea typeface="Microsoft JhengHei UI" panose="020B0604030504040204" pitchFamily="34" charset="-120"/>
-                <a:cs typeface="+mn-cs"/>
-              </a:rPr>
-              <a:t>SSS</a:t>
-            </a:r>
-            <a:r>
-              <a:rPr lang="zh-TW" altLang="en-US" sz="1200" b="0" i="0" kern="1200" dirty="0">
-                <a:solidFill>
-                  <a:schemeClr val="tx2"/>
-                </a:solidFill>
-                <a:effectLst/>
-                <a:latin typeface="Microsoft JhengHei UI" panose="020B0604030504040204" pitchFamily="34" charset="-120"/>
-                <a:ea typeface="Microsoft JhengHei UI" panose="020B0604030504040204" pitchFamily="34" charset="-120"/>
-                <a:cs typeface="+mn-cs"/>
-              </a:rPr>
-              <a:t>配置於</a:t>
-            </a:r>
-            <a:r>
-              <a:rPr lang="en-US" altLang="zh-TW" sz="1200" b="0" i="0" kern="1200" dirty="0">
-                <a:solidFill>
-                  <a:schemeClr val="tx2"/>
-                </a:solidFill>
-                <a:effectLst/>
-                <a:latin typeface="Microsoft JhengHei UI" panose="020B0604030504040204" pitchFamily="34" charset="-120"/>
-                <a:ea typeface="Microsoft JhengHei UI" panose="020B0604030504040204" pitchFamily="34" charset="-120"/>
-                <a:cs typeface="+mn-cs"/>
-              </a:rPr>
-              <a:t>PBCH</a:t>
-            </a:r>
-            <a:r>
-              <a:rPr lang="zh-TW" altLang="en-US" sz="1200" b="0" i="0" kern="1200" dirty="0">
-                <a:solidFill>
-                  <a:schemeClr val="tx2"/>
-                </a:solidFill>
-                <a:effectLst/>
-                <a:latin typeface="Microsoft JhengHei UI" panose="020B0604030504040204" pitchFamily="34" charset="-120"/>
-                <a:ea typeface="Microsoft JhengHei UI" panose="020B0604030504040204" pitchFamily="34" charset="-120"/>
-                <a:cs typeface="+mn-cs"/>
-              </a:rPr>
-              <a:t>之間可藉由</a:t>
-            </a:r>
-            <a:r>
-              <a:rPr lang="en-US" altLang="zh-TW" sz="1200" b="0" i="0" kern="1200" dirty="0">
-                <a:solidFill>
-                  <a:schemeClr val="tx2"/>
-                </a:solidFill>
-                <a:effectLst/>
-                <a:latin typeface="Microsoft JhengHei UI" panose="020B0604030504040204" pitchFamily="34" charset="-120"/>
-                <a:ea typeface="Microsoft JhengHei UI" panose="020B0604030504040204" pitchFamily="34" charset="-120"/>
-                <a:cs typeface="+mn-cs"/>
-              </a:rPr>
-              <a:t>SSS</a:t>
-            </a:r>
-            <a:r>
-              <a:rPr lang="zh-TW" altLang="en-US" sz="1200" b="0" i="0" kern="1200" dirty="0">
-                <a:solidFill>
-                  <a:schemeClr val="tx2"/>
-                </a:solidFill>
-                <a:effectLst/>
-                <a:latin typeface="Microsoft JhengHei UI" panose="020B0604030504040204" pitchFamily="34" charset="-120"/>
-                <a:ea typeface="Microsoft JhengHei UI" panose="020B0604030504040204" pitchFamily="34" charset="-120"/>
-                <a:cs typeface="+mn-cs"/>
-              </a:rPr>
-              <a:t>信號得到相關資源的通道訊息，以進一步增加</a:t>
-            </a:r>
-            <a:r>
-              <a:rPr lang="en-US" altLang="zh-TW" sz="1200" b="0" i="0" kern="1200" dirty="0">
-                <a:solidFill>
-                  <a:schemeClr val="tx2"/>
-                </a:solidFill>
-                <a:effectLst/>
-                <a:latin typeface="Microsoft JhengHei UI" panose="020B0604030504040204" pitchFamily="34" charset="-120"/>
-                <a:ea typeface="Microsoft JhengHei UI" panose="020B0604030504040204" pitchFamily="34" charset="-120"/>
-                <a:cs typeface="+mn-cs"/>
-              </a:rPr>
-              <a:t>PBCH</a:t>
-            </a:r>
-            <a:r>
-              <a:rPr lang="zh-TW" altLang="en-US" sz="1200" b="0" i="0" kern="1200" dirty="0">
-                <a:solidFill>
-                  <a:schemeClr val="tx2"/>
-                </a:solidFill>
-                <a:effectLst/>
-                <a:latin typeface="Microsoft JhengHei UI" panose="020B0604030504040204" pitchFamily="34" charset="-120"/>
-                <a:ea typeface="Microsoft JhengHei UI" panose="020B0604030504040204" pitchFamily="34" charset="-120"/>
-                <a:cs typeface="+mn-cs"/>
-              </a:rPr>
-              <a:t>的偵測可靠度。而區塊中其餘未被定義的部分則假設未被配置任何信號。像是</a:t>
-            </a:r>
-            <a:r>
-              <a:rPr lang="en-US" altLang="zh-TW" sz="1200" b="0" i="0" kern="1200" dirty="0">
-                <a:solidFill>
-                  <a:schemeClr val="tx2"/>
-                </a:solidFill>
-                <a:effectLst/>
-                <a:latin typeface="Microsoft JhengHei UI" panose="020B0604030504040204" pitchFamily="34" charset="-120"/>
-                <a:ea typeface="Microsoft JhengHei UI" panose="020B0604030504040204" pitchFamily="34" charset="-120"/>
-                <a:cs typeface="+mn-cs"/>
-              </a:rPr>
-              <a:t>SSS</a:t>
-            </a:r>
-            <a:r>
-              <a:rPr lang="zh-TW" altLang="en-US" sz="1200" b="0" i="0" kern="1200" dirty="0">
-                <a:solidFill>
-                  <a:schemeClr val="tx2"/>
-                </a:solidFill>
-                <a:effectLst/>
-                <a:latin typeface="Microsoft JhengHei UI" panose="020B0604030504040204" pitchFamily="34" charset="-120"/>
-                <a:ea typeface="Microsoft JhengHei UI" panose="020B0604030504040204" pitchFamily="34" charset="-120"/>
-                <a:cs typeface="+mn-cs"/>
-              </a:rPr>
-              <a:t>兩側分別留下</a:t>
-            </a:r>
-            <a:r>
-              <a:rPr lang="en-US" altLang="zh-TW" sz="1200" b="0" i="0" kern="1200" dirty="0">
-                <a:solidFill>
-                  <a:schemeClr val="tx2"/>
-                </a:solidFill>
-                <a:effectLst/>
-                <a:latin typeface="Microsoft JhengHei UI" panose="020B0604030504040204" pitchFamily="34" charset="-120"/>
-                <a:ea typeface="Microsoft JhengHei UI" panose="020B0604030504040204" pitchFamily="34" charset="-120"/>
-                <a:cs typeface="+mn-cs"/>
-              </a:rPr>
-              <a:t>8</a:t>
-            </a:r>
-            <a:r>
-              <a:rPr lang="zh-TW" altLang="en-US" sz="1200" b="0" i="0" kern="1200" dirty="0">
-                <a:solidFill>
-                  <a:schemeClr val="tx2"/>
-                </a:solidFill>
-                <a:effectLst/>
-                <a:latin typeface="Microsoft JhengHei UI" panose="020B0604030504040204" pitchFamily="34" charset="-120"/>
-                <a:ea typeface="Microsoft JhengHei UI" panose="020B0604030504040204" pitchFamily="34" charset="-120"/>
-                <a:cs typeface="+mn-cs"/>
-              </a:rPr>
-              <a:t>個</a:t>
-            </a:r>
-            <a:r>
-              <a:rPr lang="en-US" altLang="zh-TW" sz="1200" b="0" i="0" kern="1200" dirty="0">
-                <a:solidFill>
-                  <a:schemeClr val="tx2"/>
-                </a:solidFill>
-                <a:effectLst/>
-                <a:latin typeface="Microsoft JhengHei UI" panose="020B0604030504040204" pitchFamily="34" charset="-120"/>
-                <a:ea typeface="Microsoft JhengHei UI" panose="020B0604030504040204" pitchFamily="34" charset="-120"/>
-                <a:cs typeface="+mn-cs"/>
-              </a:rPr>
-              <a:t>RB</a:t>
-            </a:r>
-            <a:r>
-              <a:rPr lang="zh-TW" altLang="en-US" sz="1200" b="0" i="0" kern="1200" dirty="0">
-                <a:solidFill>
-                  <a:schemeClr val="tx2"/>
-                </a:solidFill>
-                <a:effectLst/>
-                <a:latin typeface="Microsoft JhengHei UI" panose="020B0604030504040204" pitchFamily="34" charset="-120"/>
-                <a:ea typeface="Microsoft JhengHei UI" panose="020B0604030504040204" pitchFamily="34" charset="-120"/>
-                <a:cs typeface="+mn-cs"/>
-              </a:rPr>
-              <a:t>作為保護帶。</a:t>
+              <a:t>tone</a:t>
             </a:r>
             <a:endParaRPr lang="zh-TW" altLang="en-US" dirty="0"/>
           </a:p>
@@ -4736,7 +4834,7 @@
             <a:fld id="{841221E5-7225-48EB-A4EE-420E7BFCF705}" type="slidenum">
               <a:rPr lang="en-US" altLang="zh-TW" smtClean="0"/>
               <a:pPr/>
-              <a:t>12</a:t>
+              <a:t>10</a:t>
             </a:fld>
             <a:endParaRPr lang="zh-TW" altLang="en-US" dirty="0"/>
           </a:p>
@@ -4745,7 +4843,7 @@
     </p:spTree>
     <p:extLst>
       <p:ext uri="{BB962C8B-B14F-4D97-AF65-F5344CB8AC3E}">
-        <p14:creationId xmlns:p14="http://schemas.microsoft.com/office/powerpoint/2010/main" val="944889726"/>
+        <p14:creationId xmlns:p14="http://schemas.microsoft.com/office/powerpoint/2010/main" val="3525283993"/>
       </p:ext>
     </p:extLst>
   </p:cSld>
@@ -5703,7 +5801,7 @@
             <a:fld id="{EBEE1D24-97AF-452C-9908-FCD24AA8B9C4}" type="datetime2">
               <a:rPr lang="zh-TW" altLang="en-US" smtClean="0"/>
               <a:pPr/>
-              <a:t>2020年2月13日</a:t>
+              <a:t>2020年2月14日</a:t>
             </a:fld>
             <a:endParaRPr lang="zh-TW" altLang="en-US" dirty="0"/>
           </a:p>
@@ -5937,7 +6035,7 @@
             <a:fld id="{3DCE46B0-F473-449A-B31D-B97A729DF96A}" type="datetime2">
               <a:rPr lang="zh-TW" altLang="en-US" smtClean="0"/>
               <a:pPr/>
-              <a:t>2020年2月13日</a:t>
+              <a:t>2020年2月14日</a:t>
             </a:fld>
             <a:endParaRPr lang="zh-TW" altLang="en-US" dirty="0"/>
           </a:p>
@@ -6826,7 +6924,7 @@
             <a:fld id="{2A4782A2-0879-41DC-8E75-FA3C9CCBBA68}" type="datetime2">
               <a:rPr lang="zh-TW" altLang="en-US" smtClean="0"/>
               <a:pPr/>
-              <a:t>2020年2月13日</a:t>
+              <a:t>2020年2月14日</a:t>
             </a:fld>
             <a:endParaRPr lang="zh-TW" altLang="en-US" dirty="0"/>
           </a:p>
@@ -7049,7 +7147,7 @@
             <a:fld id="{29E91F04-D044-41B7-860D-08EA8B1AA432}" type="datetime2">
               <a:rPr lang="zh-TW" altLang="en-US" smtClean="0"/>
               <a:pPr/>
-              <a:t>2020年2月13日</a:t>
+              <a:t>2020年2月14日</a:t>
             </a:fld>
             <a:endParaRPr lang="zh-TW" altLang="en-US" dirty="0"/>
           </a:p>
@@ -8362,7 +8460,7 @@
             <a:fld id="{DC88BC1A-1ADD-4516-A6FA-9CA48C444AA6}" type="datetime2">
               <a:rPr lang="zh-TW" altLang="en-US" smtClean="0"/>
               <a:pPr/>
-              <a:t>2020年2月13日</a:t>
+              <a:t>2020年2月14日</a:t>
             </a:fld>
             <a:endParaRPr lang="zh-TW" altLang="en-US" dirty="0"/>
           </a:p>
@@ -8698,7 +8796,7 @@
             <a:fld id="{232EFAA0-412B-4CDA-BF7E-4CD81AF93DCF}" type="datetime2">
               <a:rPr lang="zh-TW" altLang="en-US" smtClean="0"/>
               <a:pPr/>
-              <a:t>2020年2月13日</a:t>
+              <a:t>2020年2月14日</a:t>
             </a:fld>
             <a:endParaRPr lang="zh-TW" altLang="en-US" dirty="0"/>
           </a:p>
@@ -9157,7 +9255,7 @@
             <a:fld id="{4F20B265-170A-4695-B0E3-638953AF3093}" type="datetime2">
               <a:rPr lang="zh-TW" altLang="en-US" smtClean="0"/>
               <a:pPr/>
-              <a:t>2020年2月13日</a:t>
+              <a:t>2020年2月14日</a:t>
             </a:fld>
             <a:endParaRPr lang="zh-TW" altLang="en-US" dirty="0"/>
           </a:p>
@@ -9298,7 +9396,7 @@
             <a:fld id="{E65686EB-6CAB-4728-BC07-6A243664D983}" type="datetime2">
               <a:rPr lang="zh-TW" altLang="en-US" smtClean="0"/>
               <a:pPr/>
-              <a:t>2020年2月13日</a:t>
+              <a:t>2020年2月14日</a:t>
             </a:fld>
             <a:endParaRPr lang="zh-TW" altLang="en-US" dirty="0"/>
           </a:p>
@@ -9658,7 +9756,7 @@
             <a:fld id="{DA67C8A8-5D14-46D7-9EA9-D217E30519F9}" type="datetime2">
               <a:rPr lang="zh-TW" altLang="en-US" smtClean="0"/>
               <a:pPr/>
-              <a:t>2020年2月13日</a:t>
+              <a:t>2020年2月14日</a:t>
             </a:fld>
             <a:endParaRPr lang="zh-TW" altLang="en-US" dirty="0"/>
           </a:p>
@@ -10200,7 +10298,7 @@
             <a:fld id="{A58DCB90-D45B-4EEB-95EF-58798D5539DF}" type="datetime2">
               <a:rPr lang="zh-TW" altLang="en-US" smtClean="0"/>
               <a:pPr/>
-              <a:t>2020年2月13日</a:t>
+              <a:t>2020年2月14日</a:t>
             </a:fld>
             <a:endParaRPr lang="zh-TW" altLang="en-US" dirty="0"/>
           </a:p>
@@ -10687,7 +10785,7 @@
             <a:fld id="{9EA5BDA3-55C7-41F4-B5C7-3BDDDE43E98E}" type="datetime2">
               <a:rPr lang="zh-TW" altLang="en-US" smtClean="0"/>
               <a:pPr/>
-              <a:t>2020年2月13日</a:t>
+              <a:t>2020年2月14日</a:t>
             </a:fld>
             <a:endParaRPr lang="zh-TW" altLang="en-US" dirty="0"/>
           </a:p>
@@ -11611,7 +11709,7 @@
             <a:fld id="{A77832FB-C6E3-4E1D-A0D2-65305D9CB2C9}" type="datetime2">
               <a:rPr lang="zh-TW" altLang="en-US" smtClean="0"/>
               <a:pPr/>
-              <a:t>2020年2月13日</a:t>
+              <a:t>2020年2月14日</a:t>
             </a:fld>
             <a:endParaRPr lang="zh-TW" altLang="en-US" dirty="0"/>
           </a:p>
@@ -12139,6 +12237,111 @@
       </p:grpSpPr>
       <p:sp>
         <p:nvSpPr>
+          <p:cNvPr id="3" name="內容版面配置區 2">
+            <a:extLst>
+              <a:ext uri="{FF2B5EF4-FFF2-40B4-BE49-F238E27FC236}">
+                <a16:creationId xmlns:a16="http://schemas.microsoft.com/office/drawing/2014/main" id="{BF47C8FA-1B84-42C0-B328-EAC1E5E97EF8}"/>
+              </a:ext>
+            </a:extLst>
+          </p:cNvPr>
+          <p:cNvSpPr>
+            <a:spLocks noGrp="1"/>
+          </p:cNvSpPr>
+          <p:nvPr>
+            <p:ph idx="1"/>
+          </p:nvPr>
+        </p:nvSpPr>
+        <p:spPr>
+          <a:xfrm>
+            <a:off x="1593436" y="548680"/>
+            <a:ext cx="9782801" cy="5623520"/>
+          </a:xfrm>
+        </p:spPr>
+        <p:txBody>
+          <a:bodyPr/>
+          <a:lstStyle/>
+          <a:p>
+            <a:r>
+              <a:rPr lang="en-GB" altLang="zh-TW" dirty="0"/>
+              <a:t>The RF reference frequency defined by this channel raster identifies the RF channel position depending on the number of specified RBs (N</a:t>
+            </a:r>
+            <a:r>
+              <a:rPr lang="en-GB" altLang="zh-TW" baseline="-25000" dirty="0"/>
+              <a:t>RB</a:t>
+            </a:r>
+            <a:r>
+              <a:rPr lang="en-GB" altLang="zh-TW" dirty="0"/>
+              <a:t>) by the spectrum utilization for a given SCS and channel bandwidth:</a:t>
+            </a:r>
+          </a:p>
+          <a:p>
+            <a:endParaRPr lang="zh-TW" altLang="zh-TW" dirty="0"/>
+          </a:p>
+          <a:p>
+            <a:pPr lvl="1"/>
+            <a:r>
+              <a:rPr lang="en-US" altLang="zh-TW" dirty="0"/>
+              <a:t>If this number is even, then it points to the subcarrier #0 (first one) of RB index #0</a:t>
+            </a:r>
+          </a:p>
+          <a:p>
+            <a:pPr lvl="1"/>
+            <a:endParaRPr lang="en-US" altLang="zh-TW" dirty="0"/>
+          </a:p>
+          <a:p>
+            <a:pPr lvl="1"/>
+            <a:r>
+              <a:rPr lang="en-GB" altLang="zh-TW" dirty="0"/>
+              <a:t>If this number is odd, then it points to the subcarrier #6 of RB index #0</a:t>
+            </a:r>
+            <a:endParaRPr lang="zh-TW" altLang="en-US" dirty="0"/>
+          </a:p>
+        </p:txBody>
+      </p:sp>
+    </p:spTree>
+    <p:extLst>
+      <p:ext uri="{BB962C8B-B14F-4D97-AF65-F5344CB8AC3E}">
+        <p14:creationId xmlns:p14="http://schemas.microsoft.com/office/powerpoint/2010/main" val="3965913674"/>
+      </p:ext>
+    </p:extLst>
+  </p:cSld>
+  <p:clrMapOvr>
+    <a:masterClrMapping/>
+  </p:clrMapOvr>
+  <mc:AlternateContent xmlns:mc="http://schemas.openxmlformats.org/markup-compatibility/2006" xmlns:p14="http://schemas.microsoft.com/office/powerpoint/2010/main">
+    <mc:Choice Requires="p14">
+      <p:transition spd="med" p14:dur="700">
+        <p:fade/>
+      </p:transition>
+    </mc:Choice>
+    <mc:Fallback xmlns="">
+      <p:transition spd="med">
+        <p:fade/>
+      </p:transition>
+    </mc:Fallback>
+  </mc:AlternateContent>
+</p:sld>
+</file>
+
+<file path=ppt/slides/slide11.xml><?xml version="1.0" encoding="utf-8"?>
+<p:sld xmlns:a="http://schemas.openxmlformats.org/drawingml/2006/main" xmlns:r="http://schemas.openxmlformats.org/officeDocument/2006/relationships" xmlns:p="http://schemas.openxmlformats.org/presentationml/2006/main">
+  <p:cSld>
+    <p:spTree>
+      <p:nvGrpSpPr>
+        <p:cNvPr id="1" name=""/>
+        <p:cNvGrpSpPr/>
+        <p:nvPr/>
+      </p:nvGrpSpPr>
+      <p:grpSpPr>
+        <a:xfrm>
+          <a:off x="0" y="0"/>
+          <a:ext cx="0" cy="0"/>
+          <a:chOff x="0" y="0"/>
+          <a:chExt cx="0" cy="0"/>
+        </a:xfrm>
+      </p:grpSpPr>
+      <p:sp>
+        <p:nvSpPr>
           <p:cNvPr id="2" name="標題 1">
             <a:extLst>
               <a:ext uri="{FF2B5EF4-FFF2-40B4-BE49-F238E27FC236}">
@@ -12292,8 +12495,8 @@
           </a:p>
         </p:txBody>
       </p:sp>
-      <mc:AlternateContent xmlns:mc="http://schemas.openxmlformats.org/markup-compatibility/2006">
-        <mc:Choice xmlns:a14="http://schemas.microsoft.com/office/drawing/2010/main" Requires="a14">
+      <mc:AlternateContent xmlns:mc="http://schemas.openxmlformats.org/markup-compatibility/2006" xmlns:a14="http://schemas.microsoft.com/office/drawing/2010/main">
+        <mc:Choice Requires="a14">
           <p:sp>
             <p:nvSpPr>
               <p:cNvPr id="8" name="矩形 7">
@@ -12359,7 +12562,7 @@
             </p:txBody>
           </p:sp>
         </mc:Choice>
-        <mc:Fallback>
+        <mc:Fallback xmlns="">
           <p:sp>
             <p:nvSpPr>
               <p:cNvPr id="8" name="矩形 7">
@@ -12553,7 +12756,7 @@
 </p:sld>
 </file>
 
-<file path=ppt/slides/slide11.xml><?xml version="1.0" encoding="utf-8"?>
+<file path=ppt/slides/slide12.xml><?xml version="1.0" encoding="utf-8"?>
 <p:sld xmlns:a="http://schemas.openxmlformats.org/drawingml/2006/main" xmlns:r="http://schemas.openxmlformats.org/officeDocument/2006/relationships" xmlns:p="http://schemas.openxmlformats.org/presentationml/2006/main">
   <p:cSld>
     <p:spTree>
@@ -12595,8 +12798,8 @@
           </a:p>
         </p:txBody>
       </p:sp>
-      <mc:AlternateContent xmlns:mc="http://schemas.openxmlformats.org/markup-compatibility/2006">
-        <mc:Choice xmlns:a14="http://schemas.microsoft.com/office/drawing/2010/main" Requires="a14">
+      <mc:AlternateContent xmlns:mc="http://schemas.openxmlformats.org/markup-compatibility/2006" xmlns:a14="http://schemas.microsoft.com/office/drawing/2010/main">
+        <mc:Choice Requires="a14">
           <p:sp>
             <p:nvSpPr>
               <p:cNvPr id="3" name="內容版面配置區 2">
@@ -12656,7 +12859,7 @@
             </p:txBody>
           </p:sp>
         </mc:Choice>
-        <mc:Fallback>
+        <mc:Fallback xmlns="">
           <p:sp>
             <p:nvSpPr>
               <p:cNvPr id="3" name="內容版面配置區 2">
@@ -12974,7 +13177,7 @@
 </p:sld>
 </file>
 
-<file path=ppt/slides/slide12.xml><?xml version="1.0" encoding="utf-8"?>
+<file path=ppt/slides/slide13.xml><?xml version="1.0" encoding="utf-8"?>
 <p:sld xmlns:a="http://schemas.openxmlformats.org/drawingml/2006/main" xmlns:r="http://schemas.openxmlformats.org/officeDocument/2006/relationships" xmlns:p="http://schemas.openxmlformats.org/presentationml/2006/main">
   <p:cSld>
     <p:spTree>
@@ -13116,7 +13319,7 @@
 </p:sld>
 </file>
 
-<file path=ppt/slides/slide13.xml><?xml version="1.0" encoding="utf-8"?>
+<file path=ppt/slides/slide14.xml><?xml version="1.0" encoding="utf-8"?>
 <p:sld xmlns:a="http://schemas.openxmlformats.org/drawingml/2006/main" xmlns:r="http://schemas.openxmlformats.org/officeDocument/2006/relationships" xmlns:p="http://schemas.openxmlformats.org/presentationml/2006/main">
   <p:cSld>
     <p:spTree>
@@ -13158,8 +13361,8 @@
           </a:p>
         </p:txBody>
       </p:sp>
-      <mc:AlternateContent xmlns:mc="http://schemas.openxmlformats.org/markup-compatibility/2006">
-        <mc:Choice xmlns:a14="http://schemas.microsoft.com/office/drawing/2010/main" Requires="a14">
+      <mc:AlternateContent xmlns:mc="http://schemas.openxmlformats.org/markup-compatibility/2006" xmlns:a14="http://schemas.microsoft.com/office/drawing/2010/main">
+        <mc:Choice Requires="a14">
           <p:sp>
             <p:nvSpPr>
               <p:cNvPr id="3" name="內容版面配置區 2">
@@ -13191,12 +13394,16 @@
                     <m:sSub>
                       <m:sSubPr>
                         <m:ctrlPr>
-                          <a:rPr lang="zh-TW" altLang="zh-TW" i="1"/>
+                          <a:rPr lang="zh-TW" altLang="zh-TW" i="1">
+                            <a:latin typeface="Cambria Math" panose="02040503050406030204" pitchFamily="18" charset="0"/>
+                          </a:rPr>
                         </m:ctrlPr>
                       </m:sSubPr>
                       <m:e>
                         <m:r>
-                          <a:rPr lang="en-GB" altLang="zh-TW" i="1"/>
+                          <a:rPr lang="en-GB" altLang="zh-TW" i="1">
+                            <a:latin typeface="Cambria Math" panose="02040503050406030204" pitchFamily="18" charset="0"/>
+                          </a:rPr>
                           <m:t>𝐹</m:t>
                         </m:r>
                       </m:e>
@@ -13205,37 +13412,49 @@
                           <m:rPr>
                             <m:sty m:val="p"/>
                           </m:rPr>
-                          <a:rPr lang="en-GB" altLang="zh-TW"/>
+                          <a:rPr lang="en-GB" altLang="zh-TW">
+                            <a:latin typeface="Cambria Math" panose="02040503050406030204" pitchFamily="18" charset="0"/>
+                          </a:rPr>
                           <m:t>SSB</m:t>
                         </m:r>
                         <m:r>
-                          <a:rPr lang="en-GB" altLang="zh-TW"/>
+                          <a:rPr lang="en-GB" altLang="zh-TW">
+                            <a:latin typeface="Cambria Math" panose="02040503050406030204" pitchFamily="18" charset="0"/>
+                          </a:rPr>
                           <m:t>,</m:t>
                         </m:r>
                         <m:r>
                           <m:rPr>
                             <m:sty m:val="p"/>
                           </m:rPr>
-                          <a:rPr lang="en-GB" altLang="zh-TW"/>
+                          <a:rPr lang="en-GB" altLang="zh-TW">
+                            <a:latin typeface="Cambria Math" panose="02040503050406030204" pitchFamily="18" charset="0"/>
+                          </a:rPr>
                           <m:t>min</m:t>
                         </m:r>
                       </m:sub>
                     </m:sSub>
                     <m:r>
-                      <a:rPr lang="en-GB" altLang="zh-TW" i="1"/>
+                      <a:rPr lang="en-GB" altLang="zh-TW" i="1">
+                        <a:latin typeface="Cambria Math" panose="02040503050406030204" pitchFamily="18" charset="0"/>
+                      </a:rPr>
                       <m:t>=</m:t>
                     </m:r>
                     <m:r>
                       <m:rPr>
                         <m:sty m:val="p"/>
                       </m:rPr>
-                      <a:rPr lang="en-GB" altLang="zh-TW"/>
+                      <a:rPr lang="en-GB" altLang="zh-TW">
+                        <a:latin typeface="Cambria Math" panose="02040503050406030204" pitchFamily="18" charset="0"/>
+                      </a:rPr>
                       <m:t>S</m:t>
                     </m:r>
                     <m:sSub>
                       <m:sSubPr>
                         <m:ctrlPr>
-                          <a:rPr lang="zh-TW" altLang="zh-TW" i="1"/>
+                          <a:rPr lang="zh-TW" altLang="zh-TW" i="1">
+                            <a:latin typeface="Cambria Math" panose="02040503050406030204" pitchFamily="18" charset="0"/>
+                          </a:rPr>
                         </m:ctrlPr>
                       </m:sSubPr>
                       <m:e>
@@ -13243,7 +13462,9 @@
                           <m:rPr>
                             <m:sty m:val="p"/>
                           </m:rPr>
-                          <a:rPr lang="en-GB" altLang="zh-TW"/>
+                          <a:rPr lang="en-GB" altLang="zh-TW">
+                            <a:latin typeface="Cambria Math" panose="02040503050406030204" pitchFamily="18" charset="0"/>
+                          </a:rPr>
                           <m:t>S</m:t>
                         </m:r>
                       </m:e>
@@ -13252,38 +13473,52 @@
                           <m:rPr>
                             <m:sty m:val="p"/>
                           </m:rPr>
-                          <a:rPr lang="en-GB" altLang="zh-TW"/>
+                          <a:rPr lang="en-GB" altLang="zh-TW">
+                            <a:latin typeface="Cambria Math" panose="02040503050406030204" pitchFamily="18" charset="0"/>
+                          </a:rPr>
                           <m:t>REF</m:t>
                         </m:r>
                       </m:sub>
                     </m:sSub>
                     <m:r>
-                      <a:rPr lang="en-GB" altLang="zh-TW" i="1"/>
+                      <a:rPr lang="en-GB" altLang="zh-TW" i="1">
+                        <a:latin typeface="Cambria Math" panose="02040503050406030204" pitchFamily="18" charset="0"/>
+                      </a:rPr>
                       <m:t>−</m:t>
                     </m:r>
                     <m:d>
                       <m:dPr>
                         <m:ctrlPr>
-                          <a:rPr lang="zh-TW" altLang="zh-TW" i="1"/>
+                          <a:rPr lang="zh-TW" altLang="zh-TW" i="1">
+                            <a:latin typeface="Cambria Math" panose="02040503050406030204" pitchFamily="18" charset="0"/>
+                          </a:rPr>
                         </m:ctrlPr>
                       </m:dPr>
                       <m:e>
                         <m:r>
-                          <a:rPr lang="en-GB" altLang="zh-TW" i="1"/>
+                          <a:rPr lang="en-GB" altLang="zh-TW" i="1">
+                            <a:latin typeface="Cambria Math" panose="02040503050406030204" pitchFamily="18" charset="0"/>
+                          </a:rPr>
                           <m:t>10</m:t>
                         </m:r>
                         <m:r>
-                          <a:rPr lang="en-GB" altLang="zh-TW"/>
+                          <a:rPr lang="en-GB" altLang="zh-TW">
+                            <a:latin typeface="Cambria Math" panose="02040503050406030204" pitchFamily="18" charset="0"/>
+                          </a:rPr>
                           <m:t>×</m:t>
                         </m:r>
                         <m:r>
-                          <a:rPr lang="en-GB" altLang="zh-TW" i="1"/>
+                          <a:rPr lang="en-GB" altLang="zh-TW" i="1">
+                            <a:latin typeface="Cambria Math" panose="02040503050406030204" pitchFamily="18" charset="0"/>
+                          </a:rPr>
                           <m:t>180</m:t>
                         </m:r>
                       </m:e>
                     </m:d>
                     <m:r>
-                      <a:rPr lang="en-GB" altLang="zh-TW" i="1"/>
+                      <a:rPr lang="en-GB" altLang="zh-TW" i="1">
+                        <a:latin typeface="Cambria Math" panose="02040503050406030204" pitchFamily="18" charset="0"/>
+                      </a:rPr>
                       <m:t>−7.5,  </m:t>
                     </m:r>
                     <m:d>
@@ -13291,7 +13526,9 @@
                         <m:begChr m:val="["/>
                         <m:endChr m:val="]"/>
                         <m:ctrlPr>
-                          <a:rPr lang="zh-TW" altLang="zh-TW" i="1"/>
+                          <a:rPr lang="zh-TW" altLang="zh-TW" i="1">
+                            <a:latin typeface="Cambria Math" panose="02040503050406030204" pitchFamily="18" charset="0"/>
+                          </a:rPr>
                         </m:ctrlPr>
                       </m:dPr>
                       <m:e>
@@ -13299,7 +13536,9 @@
                           <m:rPr>
                             <m:sty m:val="p"/>
                           </m:rPr>
-                          <a:rPr lang="en-GB" altLang="zh-TW"/>
+                          <a:rPr lang="en-GB" altLang="zh-TW">
+                            <a:latin typeface="Cambria Math" panose="02040503050406030204" pitchFamily="18" charset="0"/>
+                          </a:rPr>
                           <m:t>kHz</m:t>
                         </m:r>
                       </m:e>
@@ -13314,12 +13553,16 @@
                     <m:sSub>
                       <m:sSubPr>
                         <m:ctrlPr>
-                          <a:rPr lang="zh-TW" altLang="zh-TW" i="1"/>
+                          <a:rPr lang="zh-TW" altLang="zh-TW" i="1">
+                            <a:latin typeface="Cambria Math" panose="02040503050406030204" pitchFamily="18" charset="0"/>
+                          </a:rPr>
                         </m:ctrlPr>
                       </m:sSubPr>
                       <m:e>
                         <m:r>
-                          <a:rPr lang="en-GB" altLang="zh-TW" i="1"/>
+                          <a:rPr lang="en-GB" altLang="zh-TW" i="1">
+                            <a:latin typeface="Cambria Math" panose="02040503050406030204" pitchFamily="18" charset="0"/>
+                          </a:rPr>
                           <m:t>𝐹</m:t>
                         </m:r>
                       </m:e>
@@ -13328,35 +13571,47 @@
                           <m:rPr>
                             <m:sty m:val="p"/>
                           </m:rPr>
-                          <a:rPr lang="en-GB" altLang="zh-TW"/>
+                          <a:rPr lang="en-GB" altLang="zh-TW">
+                            <a:latin typeface="Cambria Math" panose="02040503050406030204" pitchFamily="18" charset="0"/>
+                          </a:rPr>
                           <m:t>SSB</m:t>
                         </m:r>
                         <m:r>
-                          <a:rPr lang="en-GB" altLang="zh-TW"/>
+                          <a:rPr lang="en-GB" altLang="zh-TW">
+                            <a:latin typeface="Cambria Math" panose="02040503050406030204" pitchFamily="18" charset="0"/>
+                          </a:rPr>
                           <m:t>,</m:t>
                         </m:r>
                         <m:r>
                           <m:rPr>
                             <m:sty m:val="p"/>
                           </m:rPr>
-                          <a:rPr lang="en-GB" altLang="zh-TW"/>
+                          <a:rPr lang="en-GB" altLang="zh-TW">
+                            <a:latin typeface="Cambria Math" panose="02040503050406030204" pitchFamily="18" charset="0"/>
+                          </a:rPr>
                           <m:t>max</m:t>
                         </m:r>
                       </m:sub>
                     </m:sSub>
                     <m:r>
-                      <a:rPr lang="en-GB" altLang="zh-TW" i="1"/>
+                      <a:rPr lang="en-GB" altLang="zh-TW" i="1">
+                        <a:latin typeface="Cambria Math" panose="02040503050406030204" pitchFamily="18" charset="0"/>
+                      </a:rPr>
                       <m:t>=</m:t>
                     </m:r>
                     <m:sSub>
                       <m:sSubPr>
                         <m:ctrlPr>
-                          <a:rPr lang="zh-TW" altLang="zh-TW" i="1"/>
+                          <a:rPr lang="zh-TW" altLang="zh-TW" i="1">
+                            <a:latin typeface="Cambria Math" panose="02040503050406030204" pitchFamily="18" charset="0"/>
+                          </a:rPr>
                         </m:ctrlPr>
                       </m:sSubPr>
                       <m:e>
                         <m:r>
-                          <a:rPr lang="en-GB" altLang="zh-TW" i="1"/>
+                          <a:rPr lang="en-GB" altLang="zh-TW" i="1">
+                            <a:latin typeface="Cambria Math" panose="02040503050406030204" pitchFamily="18" charset="0"/>
+                          </a:rPr>
                           <m:t>𝐹</m:t>
                         </m:r>
                       </m:e>
@@ -13365,49 +13620,67 @@
                           <m:rPr>
                             <m:sty m:val="p"/>
                           </m:rPr>
-                          <a:rPr lang="en-GB" altLang="zh-TW"/>
+                          <a:rPr lang="en-GB" altLang="zh-TW">
+                            <a:latin typeface="Cambria Math" panose="02040503050406030204" pitchFamily="18" charset="0"/>
+                          </a:rPr>
                           <m:t>SSB</m:t>
                         </m:r>
                         <m:r>
-                          <a:rPr lang="en-GB" altLang="zh-TW"/>
+                          <a:rPr lang="en-GB" altLang="zh-TW">
+                            <a:latin typeface="Cambria Math" panose="02040503050406030204" pitchFamily="18" charset="0"/>
+                          </a:rPr>
                           <m:t>,</m:t>
                         </m:r>
                         <m:r>
                           <m:rPr>
                             <m:sty m:val="p"/>
                           </m:rPr>
-                          <a:rPr lang="en-GB" altLang="zh-TW"/>
+                          <a:rPr lang="en-GB" altLang="zh-TW">
+                            <a:latin typeface="Cambria Math" panose="02040503050406030204" pitchFamily="18" charset="0"/>
+                          </a:rPr>
                           <m:t>min</m:t>
                         </m:r>
                       </m:sub>
                     </m:sSub>
                     <m:r>
-                      <a:rPr lang="en-GB" altLang="zh-TW" i="1"/>
+                      <a:rPr lang="en-GB" altLang="zh-TW" i="1">
+                        <a:latin typeface="Cambria Math" panose="02040503050406030204" pitchFamily="18" charset="0"/>
+                      </a:rPr>
                       <m:t>+</m:t>
                     </m:r>
                     <m:d>
                       <m:dPr>
                         <m:ctrlPr>
-                          <a:rPr lang="zh-TW" altLang="zh-TW" i="1"/>
+                          <a:rPr lang="zh-TW" altLang="zh-TW" i="1">
+                            <a:latin typeface="Cambria Math" panose="02040503050406030204" pitchFamily="18" charset="0"/>
+                          </a:rPr>
                         </m:ctrlPr>
                       </m:dPr>
                       <m:e>
                         <m:r>
-                          <a:rPr lang="en-GB" altLang="zh-TW" i="1"/>
+                          <a:rPr lang="en-GB" altLang="zh-TW" i="1">
+                            <a:latin typeface="Cambria Math" panose="02040503050406030204" pitchFamily="18" charset="0"/>
+                          </a:rPr>
                           <m:t>20</m:t>
                         </m:r>
                         <m:r>
-                          <a:rPr lang="en-GB" altLang="zh-TW"/>
+                          <a:rPr lang="en-GB" altLang="zh-TW">
+                            <a:latin typeface="Cambria Math" panose="02040503050406030204" pitchFamily="18" charset="0"/>
+                          </a:rPr>
                           <m:t>×</m:t>
                         </m:r>
                         <m:r>
-                          <a:rPr lang="en-GB" altLang="zh-TW" i="1"/>
+                          <a:rPr lang="en-GB" altLang="zh-TW" i="1">
+                            <a:latin typeface="Cambria Math" panose="02040503050406030204" pitchFamily="18" charset="0"/>
+                          </a:rPr>
                           <m:t>180</m:t>
                         </m:r>
                       </m:e>
                     </m:d>
                     <m:r>
-                      <a:rPr lang="en-GB" altLang="zh-TW" i="1"/>
+                      <a:rPr lang="en-GB" altLang="zh-TW" i="1">
+                        <a:latin typeface="Cambria Math" panose="02040503050406030204" pitchFamily="18" charset="0"/>
+                      </a:rPr>
                       <m:t>,        </m:t>
                     </m:r>
                     <m:d>
@@ -13415,7 +13688,9 @@
                         <m:begChr m:val="["/>
                         <m:endChr m:val="]"/>
                         <m:ctrlPr>
-                          <a:rPr lang="zh-TW" altLang="zh-TW" i="1"/>
+                          <a:rPr lang="zh-TW" altLang="zh-TW" i="1">
+                            <a:latin typeface="Cambria Math" panose="02040503050406030204" pitchFamily="18" charset="0"/>
+                          </a:rPr>
                         </m:ctrlPr>
                       </m:dPr>
                       <m:e>
@@ -13423,7 +13698,9 @@
                           <m:rPr>
                             <m:sty m:val="p"/>
                           </m:rPr>
-                          <a:rPr lang="en-GB" altLang="zh-TW"/>
+                          <a:rPr lang="en-GB" altLang="zh-TW">
+                            <a:latin typeface="Cambria Math" panose="02040503050406030204" pitchFamily="18" charset="0"/>
+                          </a:rPr>
                           <m:t>kHz</m:t>
                         </m:r>
                       </m:e>
@@ -13435,7 +13712,7 @@
             </p:txBody>
           </p:sp>
         </mc:Choice>
-        <mc:Fallback>
+        <mc:Fallback xmlns="">
           <p:sp>
             <p:nvSpPr>
               <p:cNvPr id="3" name="內容版面配置區 2">
@@ -13543,7 +13820,7 @@
 </p:sld>
 </file>
 
-<file path=ppt/slides/slide14.xml><?xml version="1.0" encoding="utf-8"?>
+<file path=ppt/slides/slide15.xml><?xml version="1.0" encoding="utf-8"?>
 <p:sld xmlns:a="http://schemas.openxmlformats.org/drawingml/2006/main" xmlns:r="http://schemas.openxmlformats.org/officeDocument/2006/relationships" xmlns:p="http://schemas.openxmlformats.org/presentationml/2006/main">
   <p:cSld>
     <p:spTree>
@@ -13671,7 +13948,7 @@
 </p:sld>
 </file>
 
-<file path=ppt/slides/slide15.xml><?xml version="1.0" encoding="utf-8"?>
+<file path=ppt/slides/slide16.xml><?xml version="1.0" encoding="utf-8"?>
 <p:sld xmlns:a="http://schemas.openxmlformats.org/drawingml/2006/main" xmlns:r="http://schemas.openxmlformats.org/officeDocument/2006/relationships" xmlns:p="http://schemas.openxmlformats.org/presentationml/2006/main">
   <p:cSld>
     <p:spTree>
@@ -13925,6 +14202,105 @@
       </p:grpSpPr>
       <p:sp>
         <p:nvSpPr>
+          <p:cNvPr id="2" name="標題 1">
+            <a:extLst>
+              <a:ext uri="{FF2B5EF4-FFF2-40B4-BE49-F238E27FC236}">
+                <a16:creationId xmlns:a16="http://schemas.microsoft.com/office/drawing/2014/main" id="{BFCECAE0-1F11-4AD7-8EAC-271CAA9E0D03}"/>
+              </a:ext>
+            </a:extLst>
+          </p:cNvPr>
+          <p:cNvSpPr>
+            <a:spLocks noGrp="1"/>
+          </p:cNvSpPr>
+          <p:nvPr>
+            <p:ph type="title"/>
+          </p:nvPr>
+        </p:nvSpPr>
+        <p:spPr/>
+        <p:txBody>
+          <a:bodyPr/>
+          <a:lstStyle/>
+          <a:p>
+            <a:endParaRPr lang="zh-TW" altLang="en-US"/>
+          </a:p>
+        </p:txBody>
+      </p:sp>
+      <p:pic>
+        <p:nvPicPr>
+          <p:cNvPr id="4" name="內容版面配置區 3">
+            <a:extLst>
+              <a:ext uri="{FF2B5EF4-FFF2-40B4-BE49-F238E27FC236}">
+                <a16:creationId xmlns:a16="http://schemas.microsoft.com/office/drawing/2014/main" id="{13E61053-18FE-40B6-AE37-83C68FF4802A}"/>
+              </a:ext>
+            </a:extLst>
+          </p:cNvPr>
+          <p:cNvPicPr>
+            <a:picLocks noGrp="1" noChangeAspect="1"/>
+          </p:cNvPicPr>
+          <p:nvPr>
+            <p:ph idx="1"/>
+          </p:nvPr>
+        </p:nvPicPr>
+        <p:blipFill>
+          <a:blip r:embed="rId3"/>
+          <a:stretch>
+            <a:fillRect/>
+          </a:stretch>
+        </p:blipFill>
+        <p:spPr>
+          <a:xfrm>
+            <a:off x="2183800" y="1604644"/>
+            <a:ext cx="8602275" cy="4563112"/>
+          </a:xfrm>
+          <a:prstGeom prst="rect">
+            <a:avLst/>
+          </a:prstGeom>
+        </p:spPr>
+      </p:pic>
+    </p:spTree>
+    <p:extLst>
+      <p:ext uri="{BB962C8B-B14F-4D97-AF65-F5344CB8AC3E}">
+        <p14:creationId xmlns:p14="http://schemas.microsoft.com/office/powerpoint/2010/main" val="2131732276"/>
+      </p:ext>
+    </p:extLst>
+  </p:cSld>
+  <p:clrMapOvr>
+    <a:masterClrMapping/>
+  </p:clrMapOvr>
+  <mc:AlternateContent xmlns:mc="http://schemas.openxmlformats.org/markup-compatibility/2006" xmlns:p14="http://schemas.microsoft.com/office/powerpoint/2010/main">
+    <mc:Choice Requires="p14">
+      <p:transition spd="med" p14:dur="700">
+        <p:fade/>
+      </p:transition>
+    </mc:Choice>
+    <mc:Fallback xmlns="">
+      <p:transition spd="med">
+        <p:fade/>
+      </p:transition>
+    </mc:Fallback>
+  </mc:AlternateContent>
+</p:sld>
+</file>
+
+<file path=ppt/slides/slide4.xml><?xml version="1.0" encoding="utf-8"?>
+<p:sld xmlns:a="http://schemas.openxmlformats.org/drawingml/2006/main" xmlns:r="http://schemas.openxmlformats.org/officeDocument/2006/relationships" xmlns:p="http://schemas.openxmlformats.org/presentationml/2006/main">
+  <p:cSld>
+    <p:spTree>
+      <p:nvGrpSpPr>
+        <p:cNvPr id="1" name=""/>
+        <p:cNvGrpSpPr/>
+        <p:nvPr/>
+      </p:nvGrpSpPr>
+      <p:grpSpPr>
+        <a:xfrm>
+          <a:off x="0" y="0"/>
+          <a:ext cx="0" cy="0"/>
+          <a:chOff x="0" y="0"/>
+          <a:chExt cx="0" cy="0"/>
+        </a:xfrm>
+      </p:grpSpPr>
+      <p:sp>
+        <p:nvSpPr>
           <p:cNvPr id="3" name="內容版面配置區 2">
             <a:extLst>
               <a:ext uri="{FF2B5EF4-FFF2-40B4-BE49-F238E27FC236}">
@@ -14087,7 +14463,7 @@
 </p:sld>
 </file>
 
-<file path=ppt/slides/slide4.xml><?xml version="1.0" encoding="utf-8"?>
+<file path=ppt/slides/slide5.xml><?xml version="1.0" encoding="utf-8"?>
 <p:sld xmlns:a="http://schemas.openxmlformats.org/drawingml/2006/main" xmlns:r="http://schemas.openxmlformats.org/officeDocument/2006/relationships" xmlns:p="http://schemas.openxmlformats.org/presentationml/2006/main">
   <p:cSld>
     <p:spTree>
@@ -14292,7 +14668,7 @@
 </p:sld>
 </file>
 
-<file path=ppt/slides/slide5.xml><?xml version="1.0" encoding="utf-8"?>
+<file path=ppt/slides/slide6.xml><?xml version="1.0" encoding="utf-8"?>
 <p:sld xmlns:a="http://schemas.openxmlformats.org/drawingml/2006/main" xmlns:r="http://schemas.openxmlformats.org/officeDocument/2006/relationships" xmlns:p="http://schemas.openxmlformats.org/presentationml/2006/main">
   <p:cSld>
     <p:spTree>
@@ -14493,7 +14869,7 @@
 </p:sld>
 </file>
 
-<file path=ppt/slides/slide6.xml><?xml version="1.0" encoding="utf-8"?>
+<file path=ppt/slides/slide7.xml><?xml version="1.0" encoding="utf-8"?>
 <p:sld xmlns:a="http://schemas.openxmlformats.org/drawingml/2006/main" xmlns:r="http://schemas.openxmlformats.org/officeDocument/2006/relationships" xmlns:p="http://schemas.openxmlformats.org/presentationml/2006/main">
   <p:cSld>
     <p:spTree>
@@ -15194,149 +15570,6 @@
 </p:sld>
 </file>
 
-<file path=ppt/slides/slide7.xml><?xml version="1.0" encoding="utf-8"?>
-<p:sld xmlns:a="http://schemas.openxmlformats.org/drawingml/2006/main" xmlns:r="http://schemas.openxmlformats.org/officeDocument/2006/relationships" xmlns:p="http://schemas.openxmlformats.org/presentationml/2006/main">
-  <p:cSld>
-    <p:spTree>
-      <p:nvGrpSpPr>
-        <p:cNvPr id="1" name=""/>
-        <p:cNvGrpSpPr/>
-        <p:nvPr/>
-      </p:nvGrpSpPr>
-      <p:grpSpPr>
-        <a:xfrm>
-          <a:off x="0" y="0"/>
-          <a:ext cx="0" cy="0"/>
-          <a:chOff x="0" y="0"/>
-          <a:chExt cx="0" cy="0"/>
-        </a:xfrm>
-      </p:grpSpPr>
-      <p:sp>
-        <p:nvSpPr>
-          <p:cNvPr id="2" name="標題 1">
-            <a:extLst>
-              <a:ext uri="{FF2B5EF4-FFF2-40B4-BE49-F238E27FC236}">
-                <a16:creationId xmlns:a16="http://schemas.microsoft.com/office/drawing/2014/main" id="{8E7615E9-0F84-40AD-BBD1-3D8905AFE59C}"/>
-              </a:ext>
-            </a:extLst>
-          </p:cNvPr>
-          <p:cNvSpPr>
-            <a:spLocks noGrp="1"/>
-          </p:cNvSpPr>
-          <p:nvPr>
-            <p:ph type="title"/>
-          </p:nvPr>
-        </p:nvSpPr>
-        <p:spPr/>
-        <p:txBody>
-          <a:bodyPr/>
-          <a:lstStyle/>
-          <a:p>
-            <a:r>
-              <a:rPr lang="en-GB" altLang="zh-TW" b="1" dirty="0"/>
-              <a:t>NB-IoT channel raster</a:t>
-            </a:r>
-            <a:endParaRPr lang="zh-TW" altLang="en-US" b="1" dirty="0"/>
-          </a:p>
-        </p:txBody>
-      </p:sp>
-      <p:sp>
-        <p:nvSpPr>
-          <p:cNvPr id="3" name="內容版面配置區 2">
-            <a:extLst>
-              <a:ext uri="{FF2B5EF4-FFF2-40B4-BE49-F238E27FC236}">
-                <a16:creationId xmlns:a16="http://schemas.microsoft.com/office/drawing/2014/main" id="{427D3967-F14F-47B2-846E-A029A5DC208B}"/>
-              </a:ext>
-            </a:extLst>
-          </p:cNvPr>
-          <p:cNvSpPr>
-            <a:spLocks noGrp="1"/>
-          </p:cNvSpPr>
-          <p:nvPr>
-            <p:ph idx="1"/>
-          </p:nvPr>
-        </p:nvSpPr>
-        <p:spPr/>
-        <p:txBody>
-          <a:bodyPr/>
-          <a:lstStyle/>
-          <a:p>
-            <a:r>
-              <a:rPr lang="zh-TW" altLang="en-US" dirty="0"/>
-              <a:t>所謂柵格（</a:t>
-            </a:r>
-            <a:r>
-              <a:rPr lang="en-US" altLang="zh-TW" dirty="0"/>
-              <a:t>raster</a:t>
-            </a:r>
-            <a:r>
-              <a:rPr lang="zh-TW" altLang="en-US" dirty="0"/>
-              <a:t>）也是用於調整載波頻率位置的最小單位，通道柵格的值是一個人為設計值，表示各個不同的頻點之間的間隔應該滿足的條件，若設定</a:t>
-            </a:r>
-            <a:r>
-              <a:rPr lang="en-US" altLang="zh-TW" dirty="0"/>
-              <a:t>channel raster </a:t>
-            </a:r>
-            <a:r>
-              <a:rPr lang="zh-TW" altLang="en-US" dirty="0"/>
-              <a:t>為</a:t>
-            </a:r>
-            <a:r>
-              <a:rPr lang="en-US" altLang="zh-TW" dirty="0"/>
-              <a:t>100kHz</a:t>
-            </a:r>
-            <a:r>
-              <a:rPr lang="zh-TW" altLang="en-US" dirty="0"/>
-              <a:t>，相當於一條高速路劃分為若干車道，兩個車道之間的中心距離為</a:t>
-            </a:r>
-            <a:r>
-              <a:rPr lang="en-US" altLang="zh-TW" dirty="0"/>
-              <a:t>100KHz</a:t>
-            </a:r>
-            <a:r>
-              <a:rPr lang="zh-TW" altLang="en-US" dirty="0"/>
-              <a:t>的整數倍。指定的載波頻率位於</a:t>
-            </a:r>
-            <a:r>
-              <a:rPr lang="en-US" altLang="zh-TW" dirty="0"/>
-              <a:t>NB-IoT RB</a:t>
-            </a:r>
-            <a:r>
-              <a:rPr lang="zh-TW" altLang="en-US" dirty="0"/>
-              <a:t>的中間。</a:t>
-            </a:r>
-            <a:endParaRPr lang="en-US" altLang="zh-TW" dirty="0"/>
-          </a:p>
-          <a:p>
-            <a:endParaRPr lang="zh-TW" altLang="en-US" dirty="0"/>
-          </a:p>
-        </p:txBody>
-      </p:sp>
-    </p:spTree>
-    <p:extLst>
-      <p:ext uri="{BB962C8B-B14F-4D97-AF65-F5344CB8AC3E}">
-        <p14:creationId xmlns:p14="http://schemas.microsoft.com/office/powerpoint/2010/main" val="861199276"/>
-      </p:ext>
-    </p:extLst>
-  </p:cSld>
-  <p:clrMapOvr>
-    <a:masterClrMapping/>
-  </p:clrMapOvr>
-  <mc:AlternateContent xmlns:mc="http://schemas.openxmlformats.org/markup-compatibility/2006" xmlns:p14="http://schemas.microsoft.com/office/powerpoint/2010/main">
-    <mc:Choice Requires="p14">
-      <p:transition spd="med" p14:dur="700">
-        <p:fade/>
-      </p:transition>
-    </mc:Choice>
-    <mc:Fallback xmlns="">
-      <p:transition spd="med">
-        <p:fade/>
-      </p:transition>
-    </mc:Fallback>
-  </mc:AlternateContent>
-</p:sld>
-</file>
-
 <file path=ppt/slides/slide8.xml><?xml version="1.0" encoding="utf-8"?>
 <p:sld xmlns:a="http://schemas.openxmlformats.org/drawingml/2006/main" xmlns:r="http://schemas.openxmlformats.org/officeDocument/2006/relationships" xmlns:p="http://schemas.openxmlformats.org/presentationml/2006/main">
   <p:cSld>
@@ -15359,7 +15592,7 @@
           <p:cNvPr id="2" name="標題 1">
             <a:extLst>
               <a:ext uri="{FF2B5EF4-FFF2-40B4-BE49-F238E27FC236}">
-                <a16:creationId xmlns:a16="http://schemas.microsoft.com/office/drawing/2014/main" id="{870BC7F5-A8AB-409D-BA59-57603891D5E4}"/>
+                <a16:creationId xmlns:a16="http://schemas.microsoft.com/office/drawing/2014/main" id="{8E7615E9-0F84-40AD-BBD1-3D8905AFE59C}"/>
               </a:ext>
             </a:extLst>
           </p:cNvPr>
@@ -15370,21 +15603,16 @@
             <p:ph type="title"/>
           </p:nvPr>
         </p:nvSpPr>
-        <p:spPr>
-          <a:xfrm>
-            <a:off x="1593436" y="476672"/>
-            <a:ext cx="9782801" cy="940965"/>
-          </a:xfrm>
-        </p:spPr>
+        <p:spPr/>
         <p:txBody>
           <a:bodyPr/>
           <a:lstStyle/>
           <a:p>
             <a:r>
-              <a:rPr lang="en-US" altLang="zh-TW" b="1" dirty="0"/>
-              <a:t>NR channel raster</a:t>
-            </a:r>
-            <a:endParaRPr lang="zh-TW" altLang="en-US" dirty="0"/>
+              <a:rPr lang="en-GB" altLang="zh-TW" b="1" dirty="0"/>
+              <a:t>NB-IoT channel raster</a:t>
+            </a:r>
+            <a:endParaRPr lang="zh-TW" altLang="en-US" b="1" dirty="0"/>
           </a:p>
         </p:txBody>
       </p:sp>
@@ -15393,7 +15621,7 @@
           <p:cNvPr id="3" name="內容版面配置區 2">
             <a:extLst>
               <a:ext uri="{FF2B5EF4-FFF2-40B4-BE49-F238E27FC236}">
-                <a16:creationId xmlns:a16="http://schemas.microsoft.com/office/drawing/2014/main" id="{B05B0764-190A-4514-B85F-3F330365A188}"/>
+                <a16:creationId xmlns:a16="http://schemas.microsoft.com/office/drawing/2014/main" id="{427D3967-F14F-47B2-846E-A029A5DC208B}"/>
               </a:ext>
             </a:extLst>
           </p:cNvPr>
@@ -15410,36 +15638,60 @@
           <a:lstStyle/>
           <a:p>
             <a:r>
-              <a:rPr lang="en-GB" altLang="zh-TW" dirty="0"/>
-              <a:t>NR has considered 2 types of channel raster:</a:t>
-            </a:r>
-            <a:endParaRPr lang="zh-TW" altLang="zh-TW" dirty="0"/>
-          </a:p>
-          <a:p>
-            <a:pPr lvl="0" fontAlgn="base" hangingPunct="0"/>
-            <a:r>
-              <a:rPr lang="en-GB" altLang="zh-TW" dirty="0"/>
-              <a:t>100 kHz based channel raster, mainly used for NR bands re-farmed from LTE ones.</a:t>
-            </a:r>
-            <a:endParaRPr lang="zh-TW" altLang="zh-TW" dirty="0"/>
-          </a:p>
-          <a:p>
-            <a:pPr lvl="0" fontAlgn="base" hangingPunct="0"/>
-            <a:r>
-              <a:rPr lang="en-GB" altLang="zh-TW" dirty="0"/>
-              <a:t>SCS based channel raster, 15 or 30 kHz for FR1.</a:t>
-            </a:r>
-          </a:p>
-          <a:p>
-            <a:pPr lvl="0" fontAlgn="base" hangingPunct="0"/>
-            <a:endParaRPr lang="zh-TW" altLang="zh-TW" dirty="0"/>
+              <a:rPr lang="zh-TW" altLang="en-US" dirty="0"/>
+              <a:t>所謂柵格（</a:t>
+            </a:r>
+            <a:r>
+              <a:rPr lang="en-US" altLang="zh-TW" dirty="0"/>
+              <a:t>raster</a:t>
+            </a:r>
+            <a:r>
+              <a:rPr lang="zh-TW" altLang="en-US" dirty="0"/>
+              <a:t>）也是用於調整載波頻率位置的最小單位，通道柵格的值是一個人為設計值，表示各個不同的頻點之間的間隔應該滿足的條件，若設定</a:t>
+            </a:r>
+            <a:r>
+              <a:rPr lang="en-US" altLang="zh-TW" dirty="0"/>
+              <a:t>channel raster </a:t>
+            </a:r>
+            <a:r>
+              <a:rPr lang="zh-TW" altLang="en-US" dirty="0"/>
+              <a:t>為</a:t>
+            </a:r>
+            <a:r>
+              <a:rPr lang="en-US" altLang="zh-TW" dirty="0"/>
+              <a:t>100kHz</a:t>
+            </a:r>
+            <a:r>
+              <a:rPr lang="zh-TW" altLang="en-US" dirty="0"/>
+              <a:t>，相當於一條高速路劃分為若干車道，兩個車道之間的中心距離為</a:t>
+            </a:r>
+            <a:r>
+              <a:rPr lang="en-US" altLang="zh-TW" dirty="0"/>
+              <a:t>100KHz</a:t>
+            </a:r>
+            <a:r>
+              <a:rPr lang="zh-TW" altLang="en-US" dirty="0"/>
+              <a:t>的整數倍。指定的載波頻率位於</a:t>
+            </a:r>
+            <a:r>
+              <a:rPr lang="en-US" altLang="zh-TW" dirty="0"/>
+              <a:t>NB-IoT RB</a:t>
+            </a:r>
+            <a:r>
+              <a:rPr lang="zh-TW" altLang="en-US" dirty="0"/>
+              <a:t>的中間。</a:t>
+            </a:r>
+            <a:endParaRPr lang="en-US" altLang="zh-TW" dirty="0"/>
+          </a:p>
+          <a:p>
+            <a:endParaRPr lang="zh-TW" altLang="en-US" dirty="0"/>
           </a:p>
         </p:txBody>
       </p:sp>
     </p:spTree>
     <p:extLst>
       <p:ext uri="{BB962C8B-B14F-4D97-AF65-F5344CB8AC3E}">
-        <p14:creationId xmlns:p14="http://schemas.microsoft.com/office/powerpoint/2010/main" val="4113481974"/>
+        <p14:creationId xmlns:p14="http://schemas.microsoft.com/office/powerpoint/2010/main" val="861199276"/>
       </p:ext>
     </p:extLst>
   </p:cSld>
@@ -15480,10 +15732,44 @@
       </p:grpSpPr>
       <p:sp>
         <p:nvSpPr>
+          <p:cNvPr id="2" name="標題 1">
+            <a:extLst>
+              <a:ext uri="{FF2B5EF4-FFF2-40B4-BE49-F238E27FC236}">
+                <a16:creationId xmlns:a16="http://schemas.microsoft.com/office/drawing/2014/main" id="{870BC7F5-A8AB-409D-BA59-57603891D5E4}"/>
+              </a:ext>
+            </a:extLst>
+          </p:cNvPr>
+          <p:cNvSpPr>
+            <a:spLocks noGrp="1"/>
+          </p:cNvSpPr>
+          <p:nvPr>
+            <p:ph type="title"/>
+          </p:nvPr>
+        </p:nvSpPr>
+        <p:spPr>
+          <a:xfrm>
+            <a:off x="1593436" y="476672"/>
+            <a:ext cx="9782801" cy="940965"/>
+          </a:xfrm>
+        </p:spPr>
+        <p:txBody>
+          <a:bodyPr/>
+          <a:lstStyle/>
+          <a:p>
+            <a:r>
+              <a:rPr lang="en-US" altLang="zh-TW" b="1" dirty="0"/>
+              <a:t>NR channel raster</a:t>
+            </a:r>
+            <a:endParaRPr lang="zh-TW" altLang="en-US" dirty="0"/>
+          </a:p>
+        </p:txBody>
+      </p:sp>
+      <p:sp>
+        <p:nvSpPr>
           <p:cNvPr id="3" name="內容版面配置區 2">
             <a:extLst>
               <a:ext uri="{FF2B5EF4-FFF2-40B4-BE49-F238E27FC236}">
-                <a16:creationId xmlns:a16="http://schemas.microsoft.com/office/drawing/2014/main" id="{BF47C8FA-1B84-42C0-B328-EAC1E5E97EF8}"/>
+                <a16:creationId xmlns:a16="http://schemas.microsoft.com/office/drawing/2014/main" id="{B05B0764-190A-4514-B85F-3F330365A188}"/>
               </a:ext>
             </a:extLst>
           </p:cNvPr>
@@ -15494,57 +15780,42 @@
             <p:ph idx="1"/>
           </p:nvPr>
         </p:nvSpPr>
-        <p:spPr>
-          <a:xfrm>
-            <a:off x="1593436" y="548680"/>
-            <a:ext cx="9782801" cy="5623520"/>
-          </a:xfrm>
-        </p:spPr>
+        <p:spPr/>
         <p:txBody>
           <a:bodyPr/>
           <a:lstStyle/>
           <a:p>
             <a:r>
               <a:rPr lang="en-GB" altLang="zh-TW" dirty="0"/>
-              <a:t>The RF reference frequency defined by this channel raster identifies the RF channel position depending on the number of specified RBs (N</a:t>
-            </a:r>
-            <a:r>
-              <a:rPr lang="en-GB" altLang="zh-TW" baseline="-25000" dirty="0"/>
-              <a:t>RB</a:t>
-            </a:r>
+              <a:t>NR has considered 2 types of channel raster:</a:t>
+            </a:r>
+            <a:endParaRPr lang="zh-TW" altLang="zh-TW" dirty="0"/>
+          </a:p>
+          <a:p>
+            <a:pPr lvl="0" fontAlgn="base" hangingPunct="0"/>
             <a:r>
               <a:rPr lang="en-GB" altLang="zh-TW" dirty="0"/>
-              <a:t>) by the spectrum utilization for a given SCS and channel bandwidth:</a:t>
-            </a:r>
-          </a:p>
-          <a:p>
+              <a:t>100 kHz based channel raster, mainly used for NR bands re-farmed from LTE ones.</a:t>
+            </a:r>
             <a:endParaRPr lang="zh-TW" altLang="zh-TW" dirty="0"/>
           </a:p>
           <a:p>
-            <a:pPr lvl="1"/>
-            <a:r>
-              <a:rPr lang="en-US" altLang="zh-TW" dirty="0"/>
-              <a:t>If this number is even, then it points to the subcarrier #0 (first one) of RB index #0</a:t>
-            </a:r>
-          </a:p>
-          <a:p>
-            <a:pPr lvl="1"/>
-            <a:endParaRPr lang="en-US" altLang="zh-TW" dirty="0"/>
-          </a:p>
-          <a:p>
-            <a:pPr lvl="1"/>
+            <a:pPr lvl="0" fontAlgn="base" hangingPunct="0"/>
             <a:r>
               <a:rPr lang="en-GB" altLang="zh-TW" dirty="0"/>
-              <a:t>If this number is odd, then it points to the subcarrier #6 of RB index #0</a:t>
-            </a:r>
-            <a:endParaRPr lang="zh-TW" altLang="en-US" dirty="0"/>
+              <a:t>SCS based channel raster, 15 or 30 kHz for FR1.</a:t>
+            </a:r>
+          </a:p>
+          <a:p>
+            <a:pPr lvl="0" fontAlgn="base" hangingPunct="0"/>
+            <a:endParaRPr lang="zh-TW" altLang="zh-TW" dirty="0"/>
           </a:p>
         </p:txBody>
       </p:sp>
     </p:spTree>
     <p:extLst>
       <p:ext uri="{BB962C8B-B14F-4D97-AF65-F5344CB8AC3E}">
-        <p14:creationId xmlns:p14="http://schemas.microsoft.com/office/powerpoint/2010/main" val="3965913674"/>
+        <p14:creationId xmlns:p14="http://schemas.microsoft.com/office/powerpoint/2010/main" val="4113481974"/>
       </p:ext>
     </p:extLst>
   </p:cSld>
